--- a/Master_Pattern.pptx
+++ b/Master_Pattern.pptx
@@ -19,6 +19,184 @@
     <p:sldId id="267" r:id="rId18"/>
     <p:sldId id="268" r:id="rId19"/>
     <p:sldId id="269" r:id="rId20"/>
+    <p:sldId id="270" r:id="rId21"/>
+    <p:sldId id="271" r:id="rId22"/>
+    <p:sldId id="272" r:id="rId23"/>
+    <p:sldId id="273" r:id="rId24"/>
+    <p:sldId id="274" r:id="rId25"/>
+    <p:sldId id="275" r:id="rId26"/>
+    <p:sldId id="276" r:id="rId27"/>
+    <p:sldId id="277" r:id="rId28"/>
+    <p:sldId id="278" r:id="rId29"/>
+    <p:sldId id="279" r:id="rId30"/>
+    <p:sldId id="280" r:id="rId31"/>
+    <p:sldId id="281" r:id="rId32"/>
+    <p:sldId id="282" r:id="rId33"/>
+    <p:sldId id="283" r:id="rId34"/>
+    <p:sldId id="284" r:id="rId35"/>
+    <p:sldId id="285" r:id="rId36"/>
+    <p:sldId id="286" r:id="rId37"/>
+    <p:sldId id="287" r:id="rId38"/>
+    <p:sldId id="288" r:id="rId39"/>
+    <p:sldId id="289" r:id="rId40"/>
+    <p:sldId id="290" r:id="rId41"/>
+    <p:sldId id="291" r:id="rId42"/>
+    <p:sldId id="292" r:id="rId43"/>
+    <p:sldId id="293" r:id="rId44"/>
+    <p:sldId id="294" r:id="rId45"/>
+    <p:sldId id="295" r:id="rId46"/>
+    <p:sldId id="296" r:id="rId47"/>
+    <p:sldId id="297" r:id="rId48"/>
+    <p:sldId id="298" r:id="rId49"/>
+    <p:sldId id="299" r:id="rId50"/>
+    <p:sldId id="300" r:id="rId51"/>
+    <p:sldId id="301" r:id="rId52"/>
+    <p:sldId id="302" r:id="rId53"/>
+    <p:sldId id="303" r:id="rId54"/>
+    <p:sldId id="304" r:id="rId55"/>
+    <p:sldId id="305" r:id="rId56"/>
+    <p:sldId id="306" r:id="rId57"/>
+    <p:sldId id="307" r:id="rId58"/>
+    <p:sldId id="308" r:id="rId59"/>
+    <p:sldId id="309" r:id="rId60"/>
+    <p:sldId id="310" r:id="rId61"/>
+    <p:sldId id="311" r:id="rId62"/>
+    <p:sldId id="312" r:id="rId63"/>
+    <p:sldId id="313" r:id="rId64"/>
+    <p:sldId id="314" r:id="rId65"/>
+    <p:sldId id="315" r:id="rId66"/>
+    <p:sldId id="316" r:id="rId67"/>
+    <p:sldId id="317" r:id="rId68"/>
+    <p:sldId id="318" r:id="rId69"/>
+    <p:sldId id="319" r:id="rId70"/>
+    <p:sldId id="320" r:id="rId71"/>
+    <p:sldId id="321" r:id="rId72"/>
+    <p:sldId id="322" r:id="rId73"/>
+    <p:sldId id="323" r:id="rId74"/>
+    <p:sldId id="324" r:id="rId75"/>
+    <p:sldId id="325" r:id="rId76"/>
+    <p:sldId id="326" r:id="rId77"/>
+    <p:sldId id="327" r:id="rId78"/>
+    <p:sldId id="328" r:id="rId79"/>
+    <p:sldId id="329" r:id="rId80"/>
+    <p:sldId id="330" r:id="rId81"/>
+    <p:sldId id="331" r:id="rId82"/>
+    <p:sldId id="332" r:id="rId83"/>
+    <p:sldId id="333" r:id="rId84"/>
+    <p:sldId id="334" r:id="rId85"/>
+    <p:sldId id="335" r:id="rId86"/>
+    <p:sldId id="336" r:id="rId87"/>
+    <p:sldId id="337" r:id="rId88"/>
+    <p:sldId id="338" r:id="rId89"/>
+    <p:sldId id="339" r:id="rId90"/>
+    <p:sldId id="340" r:id="rId91"/>
+    <p:sldId id="341" r:id="rId92"/>
+    <p:sldId id="342" r:id="rId93"/>
+    <p:sldId id="343" r:id="rId94"/>
+    <p:sldId id="344" r:id="rId95"/>
+    <p:sldId id="345" r:id="rId96"/>
+    <p:sldId id="346" r:id="rId97"/>
+    <p:sldId id="347" r:id="rId98"/>
+    <p:sldId id="348" r:id="rId99"/>
+    <p:sldId id="349" r:id="rId100"/>
+    <p:sldId id="350" r:id="rId101"/>
+    <p:sldId id="351" r:id="rId102"/>
+    <p:sldId id="352" r:id="rId103"/>
+    <p:sldId id="353" r:id="rId104"/>
+    <p:sldId id="354" r:id="rId105"/>
+    <p:sldId id="355" r:id="rId106"/>
+    <p:sldId id="356" r:id="rId107"/>
+    <p:sldId id="357" r:id="rId108"/>
+    <p:sldId id="358" r:id="rId109"/>
+    <p:sldId id="359" r:id="rId110"/>
+    <p:sldId id="360" r:id="rId111"/>
+    <p:sldId id="361" r:id="rId112"/>
+    <p:sldId id="362" r:id="rId113"/>
+    <p:sldId id="363" r:id="rId114"/>
+    <p:sldId id="364" r:id="rId115"/>
+    <p:sldId id="365" r:id="rId116"/>
+    <p:sldId id="366" r:id="rId117"/>
+    <p:sldId id="367" r:id="rId118"/>
+    <p:sldId id="368" r:id="rId119"/>
+    <p:sldId id="369" r:id="rId120"/>
+    <p:sldId id="370" r:id="rId121"/>
+    <p:sldId id="371" r:id="rId122"/>
+    <p:sldId id="372" r:id="rId123"/>
+    <p:sldId id="373" r:id="rId124"/>
+    <p:sldId id="374" r:id="rId125"/>
+    <p:sldId id="375" r:id="rId126"/>
+    <p:sldId id="376" r:id="rId127"/>
+    <p:sldId id="377" r:id="rId128"/>
+    <p:sldId id="378" r:id="rId129"/>
+    <p:sldId id="379" r:id="rId130"/>
+    <p:sldId id="380" r:id="rId131"/>
+    <p:sldId id="381" r:id="rId132"/>
+    <p:sldId id="382" r:id="rId133"/>
+    <p:sldId id="383" r:id="rId134"/>
+    <p:sldId id="384" r:id="rId135"/>
+    <p:sldId id="385" r:id="rId136"/>
+    <p:sldId id="386" r:id="rId137"/>
+    <p:sldId id="387" r:id="rId138"/>
+    <p:sldId id="388" r:id="rId139"/>
+    <p:sldId id="389" r:id="rId140"/>
+    <p:sldId id="390" r:id="rId141"/>
+    <p:sldId id="391" r:id="rId142"/>
+    <p:sldId id="392" r:id="rId143"/>
+    <p:sldId id="393" r:id="rId144"/>
+    <p:sldId id="394" r:id="rId145"/>
+    <p:sldId id="395" r:id="rId146"/>
+    <p:sldId id="396" r:id="rId147"/>
+    <p:sldId id="397" r:id="rId148"/>
+    <p:sldId id="398" r:id="rId149"/>
+    <p:sldId id="399" r:id="rId150"/>
+    <p:sldId id="400" r:id="rId151"/>
+    <p:sldId id="401" r:id="rId152"/>
+    <p:sldId id="402" r:id="rId153"/>
+    <p:sldId id="403" r:id="rId154"/>
+    <p:sldId id="404" r:id="rId155"/>
+    <p:sldId id="405" r:id="rId156"/>
+    <p:sldId id="406" r:id="rId157"/>
+    <p:sldId id="407" r:id="rId158"/>
+    <p:sldId id="408" r:id="rId159"/>
+    <p:sldId id="409" r:id="rId160"/>
+    <p:sldId id="410" r:id="rId161"/>
+    <p:sldId id="411" r:id="rId162"/>
+    <p:sldId id="412" r:id="rId163"/>
+    <p:sldId id="413" r:id="rId164"/>
+    <p:sldId id="414" r:id="rId165"/>
+    <p:sldId id="415" r:id="rId166"/>
+    <p:sldId id="416" r:id="rId167"/>
+    <p:sldId id="417" r:id="rId168"/>
+    <p:sldId id="418" r:id="rId169"/>
+    <p:sldId id="419" r:id="rId170"/>
+    <p:sldId id="420" r:id="rId171"/>
+    <p:sldId id="421" r:id="rId172"/>
+    <p:sldId id="422" r:id="rId173"/>
+    <p:sldId id="423" r:id="rId174"/>
+    <p:sldId id="424" r:id="rId175"/>
+    <p:sldId id="425" r:id="rId176"/>
+    <p:sldId id="426" r:id="rId177"/>
+    <p:sldId id="427" r:id="rId178"/>
+    <p:sldId id="428" r:id="rId179"/>
+    <p:sldId id="429" r:id="rId180"/>
+    <p:sldId id="430" r:id="rId181"/>
+    <p:sldId id="431" r:id="rId182"/>
+    <p:sldId id="432" r:id="rId183"/>
+    <p:sldId id="433" r:id="rId184"/>
+    <p:sldId id="434" r:id="rId185"/>
+    <p:sldId id="435" r:id="rId186"/>
+    <p:sldId id="436" r:id="rId187"/>
+    <p:sldId id="437" r:id="rId188"/>
+    <p:sldId id="438" r:id="rId189"/>
+    <p:sldId id="439" r:id="rId190"/>
+    <p:sldId id="440" r:id="rId191"/>
+    <p:sldId id="441" r:id="rId192"/>
+    <p:sldId id="442" r:id="rId193"/>
+    <p:sldId id="443" r:id="rId194"/>
+    <p:sldId id="444" r:id="rId195"/>
+    <p:sldId id="445" r:id="rId196"/>
+    <p:sldId id="446" r:id="rId197"/>
+    <p:sldId id="447" r:id="rId198"/>
   </p:sldIdLst>
   <p:sldSz cx="9144000" cy="6858000" type="screen4x3"/>
   <p:notesSz cx="6858000" cy="9144000"/>
@@ -3175,6 +3353,426 @@
 </p:sld>
 </file>
 
+<file path=ppt/slides/slide100.xml><?xml version="1.0" encoding="utf-8"?>
+<p:sld xmlns:a="http://schemas.openxmlformats.org/drawingml/2006/main" xmlns:p="http://schemas.openxmlformats.org/presentationml/2006/main" xmlns:r="http://schemas.openxmlformats.org/officeDocument/2006/relationships">
+  <p:cSld>
+    <p:spTree>
+      <p:nvGrpSpPr>
+        <p:cNvPr id="1" name=""/>
+        <p:cNvGrpSpPr/>
+        <p:nvPr/>
+      </p:nvGrpSpPr>
+      <p:grpSpPr/>
+      <p:pic>
+        <p:nvPicPr>
+          <p:cNvPr id="2" name="Picture 1" descr="Layers.png"/>
+          <p:cNvPicPr>
+            <a:picLocks noChangeAspect="1"/>
+          </p:cNvPicPr>
+          <p:nvPr/>
+        </p:nvPicPr>
+        <p:blipFill>
+          <a:blip r:embed="rId2"/>
+          <a:stretch>
+            <a:fillRect/>
+          </a:stretch>
+        </p:blipFill>
+        <p:spPr>
+          <a:xfrm>
+            <a:off x="-1417320" y="-4572000"/>
+            <a:ext cx="11612880" cy="11612880"/>
+          </a:xfrm>
+          <a:prstGeom prst="rect">
+            <a:avLst/>
+          </a:prstGeom>
+        </p:spPr>
+      </p:pic>
+    </p:spTree>
+  </p:cSld>
+  <p:clrMapOvr>
+    <a:masterClrMapping/>
+  </p:clrMapOvr>
+</p:sld>
+</file>
+
+<file path=ppt/slides/slide101.xml><?xml version="1.0" encoding="utf-8"?>
+<p:sld xmlns:a="http://schemas.openxmlformats.org/drawingml/2006/main" xmlns:p="http://schemas.openxmlformats.org/presentationml/2006/main" xmlns:r="http://schemas.openxmlformats.org/officeDocument/2006/relationships">
+  <p:cSld>
+    <p:spTree>
+      <p:nvGrpSpPr>
+        <p:cNvPr id="1" name=""/>
+        <p:cNvGrpSpPr/>
+        <p:nvPr/>
+      </p:nvGrpSpPr>
+      <p:grpSpPr/>
+      <p:pic>
+        <p:nvPicPr>
+          <p:cNvPr id="2" name="Picture 1" descr="Layers.png"/>
+          <p:cNvPicPr>
+            <a:picLocks noChangeAspect="1"/>
+          </p:cNvPicPr>
+          <p:nvPr/>
+        </p:nvPicPr>
+        <p:blipFill>
+          <a:blip r:embed="rId2"/>
+          <a:stretch>
+            <a:fillRect/>
+          </a:stretch>
+        </p:blipFill>
+        <p:spPr>
+          <a:xfrm>
+            <a:off x="-1417320" y="-4572000"/>
+            <a:ext cx="11612880" cy="11612880"/>
+          </a:xfrm>
+          <a:prstGeom prst="rect">
+            <a:avLst/>
+          </a:prstGeom>
+        </p:spPr>
+      </p:pic>
+    </p:spTree>
+  </p:cSld>
+  <p:clrMapOvr>
+    <a:masterClrMapping/>
+  </p:clrMapOvr>
+</p:sld>
+</file>
+
+<file path=ppt/slides/slide102.xml><?xml version="1.0" encoding="utf-8"?>
+<p:sld xmlns:a="http://schemas.openxmlformats.org/drawingml/2006/main" xmlns:p="http://schemas.openxmlformats.org/presentationml/2006/main" xmlns:r="http://schemas.openxmlformats.org/officeDocument/2006/relationships">
+  <p:cSld>
+    <p:spTree>
+      <p:nvGrpSpPr>
+        <p:cNvPr id="1" name=""/>
+        <p:cNvGrpSpPr/>
+        <p:nvPr/>
+      </p:nvGrpSpPr>
+      <p:grpSpPr/>
+      <p:pic>
+        <p:nvPicPr>
+          <p:cNvPr id="2" name="Picture 1" descr="Layers.png"/>
+          <p:cNvPicPr>
+            <a:picLocks noChangeAspect="1"/>
+          </p:cNvPicPr>
+          <p:nvPr/>
+        </p:nvPicPr>
+        <p:blipFill>
+          <a:blip r:embed="rId2"/>
+          <a:stretch>
+            <a:fillRect/>
+          </a:stretch>
+        </p:blipFill>
+        <p:spPr>
+          <a:xfrm>
+            <a:off x="-1417320" y="-4572000"/>
+            <a:ext cx="11612880" cy="11612880"/>
+          </a:xfrm>
+          <a:prstGeom prst="rect">
+            <a:avLst/>
+          </a:prstGeom>
+        </p:spPr>
+      </p:pic>
+    </p:spTree>
+  </p:cSld>
+  <p:clrMapOvr>
+    <a:masterClrMapping/>
+  </p:clrMapOvr>
+</p:sld>
+</file>
+
+<file path=ppt/slides/slide103.xml><?xml version="1.0" encoding="utf-8"?>
+<p:sld xmlns:a="http://schemas.openxmlformats.org/drawingml/2006/main" xmlns:p="http://schemas.openxmlformats.org/presentationml/2006/main" xmlns:r="http://schemas.openxmlformats.org/officeDocument/2006/relationships">
+  <p:cSld>
+    <p:spTree>
+      <p:nvGrpSpPr>
+        <p:cNvPr id="1" name=""/>
+        <p:cNvGrpSpPr/>
+        <p:nvPr/>
+      </p:nvGrpSpPr>
+      <p:grpSpPr/>
+      <p:pic>
+        <p:nvPicPr>
+          <p:cNvPr id="2" name="Picture 1" descr="Layers.png"/>
+          <p:cNvPicPr>
+            <a:picLocks noChangeAspect="1"/>
+          </p:cNvPicPr>
+          <p:nvPr/>
+        </p:nvPicPr>
+        <p:blipFill>
+          <a:blip r:embed="rId2"/>
+          <a:stretch>
+            <a:fillRect/>
+          </a:stretch>
+        </p:blipFill>
+        <p:spPr>
+          <a:xfrm>
+            <a:off x="-1417320" y="-4572000"/>
+            <a:ext cx="11612880" cy="11612880"/>
+          </a:xfrm>
+          <a:prstGeom prst="rect">
+            <a:avLst/>
+          </a:prstGeom>
+        </p:spPr>
+      </p:pic>
+    </p:spTree>
+  </p:cSld>
+  <p:clrMapOvr>
+    <a:masterClrMapping/>
+  </p:clrMapOvr>
+</p:sld>
+</file>
+
+<file path=ppt/slides/slide104.xml><?xml version="1.0" encoding="utf-8"?>
+<p:sld xmlns:a="http://schemas.openxmlformats.org/drawingml/2006/main" xmlns:p="http://schemas.openxmlformats.org/presentationml/2006/main" xmlns:r="http://schemas.openxmlformats.org/officeDocument/2006/relationships">
+  <p:cSld>
+    <p:spTree>
+      <p:nvGrpSpPr>
+        <p:cNvPr id="1" name=""/>
+        <p:cNvGrpSpPr/>
+        <p:nvPr/>
+      </p:nvGrpSpPr>
+      <p:grpSpPr/>
+      <p:pic>
+        <p:nvPicPr>
+          <p:cNvPr id="2" name="Picture 1" descr="Layers.png"/>
+          <p:cNvPicPr>
+            <a:picLocks noChangeAspect="1"/>
+          </p:cNvPicPr>
+          <p:nvPr/>
+        </p:nvPicPr>
+        <p:blipFill>
+          <a:blip r:embed="rId2"/>
+          <a:stretch>
+            <a:fillRect/>
+          </a:stretch>
+        </p:blipFill>
+        <p:spPr>
+          <a:xfrm>
+            <a:off x="-1417320" y="-4572000"/>
+            <a:ext cx="11612880" cy="11612880"/>
+          </a:xfrm>
+          <a:prstGeom prst="rect">
+            <a:avLst/>
+          </a:prstGeom>
+        </p:spPr>
+      </p:pic>
+    </p:spTree>
+  </p:cSld>
+  <p:clrMapOvr>
+    <a:masterClrMapping/>
+  </p:clrMapOvr>
+</p:sld>
+</file>
+
+<file path=ppt/slides/slide105.xml><?xml version="1.0" encoding="utf-8"?>
+<p:sld xmlns:a="http://schemas.openxmlformats.org/drawingml/2006/main" xmlns:p="http://schemas.openxmlformats.org/presentationml/2006/main" xmlns:r="http://schemas.openxmlformats.org/officeDocument/2006/relationships">
+  <p:cSld>
+    <p:spTree>
+      <p:nvGrpSpPr>
+        <p:cNvPr id="1" name=""/>
+        <p:cNvGrpSpPr/>
+        <p:nvPr/>
+      </p:nvGrpSpPr>
+      <p:grpSpPr/>
+      <p:pic>
+        <p:nvPicPr>
+          <p:cNvPr id="2" name="Picture 1" descr="Layers.png"/>
+          <p:cNvPicPr>
+            <a:picLocks noChangeAspect="1"/>
+          </p:cNvPicPr>
+          <p:nvPr/>
+        </p:nvPicPr>
+        <p:blipFill>
+          <a:blip r:embed="rId2"/>
+          <a:stretch>
+            <a:fillRect/>
+          </a:stretch>
+        </p:blipFill>
+        <p:spPr>
+          <a:xfrm>
+            <a:off x="-1417320" y="-4572000"/>
+            <a:ext cx="11612880" cy="11612880"/>
+          </a:xfrm>
+          <a:prstGeom prst="rect">
+            <a:avLst/>
+          </a:prstGeom>
+        </p:spPr>
+      </p:pic>
+    </p:spTree>
+  </p:cSld>
+  <p:clrMapOvr>
+    <a:masterClrMapping/>
+  </p:clrMapOvr>
+</p:sld>
+</file>
+
+<file path=ppt/slides/slide106.xml><?xml version="1.0" encoding="utf-8"?>
+<p:sld xmlns:a="http://schemas.openxmlformats.org/drawingml/2006/main" xmlns:p="http://schemas.openxmlformats.org/presentationml/2006/main" xmlns:r="http://schemas.openxmlformats.org/officeDocument/2006/relationships">
+  <p:cSld>
+    <p:spTree>
+      <p:nvGrpSpPr>
+        <p:cNvPr id="1" name=""/>
+        <p:cNvGrpSpPr/>
+        <p:nvPr/>
+      </p:nvGrpSpPr>
+      <p:grpSpPr/>
+      <p:pic>
+        <p:nvPicPr>
+          <p:cNvPr id="2" name="Picture 1" descr="Layers.png"/>
+          <p:cNvPicPr>
+            <a:picLocks noChangeAspect="1"/>
+          </p:cNvPicPr>
+          <p:nvPr/>
+        </p:nvPicPr>
+        <p:blipFill>
+          <a:blip r:embed="rId2"/>
+          <a:stretch>
+            <a:fillRect/>
+          </a:stretch>
+        </p:blipFill>
+        <p:spPr>
+          <a:xfrm>
+            <a:off x="-1417320" y="-4572000"/>
+            <a:ext cx="11612880" cy="11612880"/>
+          </a:xfrm>
+          <a:prstGeom prst="rect">
+            <a:avLst/>
+          </a:prstGeom>
+        </p:spPr>
+      </p:pic>
+    </p:spTree>
+  </p:cSld>
+  <p:clrMapOvr>
+    <a:masterClrMapping/>
+  </p:clrMapOvr>
+</p:sld>
+</file>
+
+<file path=ppt/slides/slide107.xml><?xml version="1.0" encoding="utf-8"?>
+<p:sld xmlns:a="http://schemas.openxmlformats.org/drawingml/2006/main" xmlns:p="http://schemas.openxmlformats.org/presentationml/2006/main" xmlns:r="http://schemas.openxmlformats.org/officeDocument/2006/relationships">
+  <p:cSld>
+    <p:spTree>
+      <p:nvGrpSpPr>
+        <p:cNvPr id="1" name=""/>
+        <p:cNvGrpSpPr/>
+        <p:nvPr/>
+      </p:nvGrpSpPr>
+      <p:grpSpPr/>
+      <p:pic>
+        <p:nvPicPr>
+          <p:cNvPr id="2" name="Picture 1" descr="Layers.png"/>
+          <p:cNvPicPr>
+            <a:picLocks noChangeAspect="1"/>
+          </p:cNvPicPr>
+          <p:nvPr/>
+        </p:nvPicPr>
+        <p:blipFill>
+          <a:blip r:embed="rId2"/>
+          <a:stretch>
+            <a:fillRect/>
+          </a:stretch>
+        </p:blipFill>
+        <p:spPr>
+          <a:xfrm>
+            <a:off x="-1417320" y="-4572000"/>
+            <a:ext cx="11612880" cy="11612880"/>
+          </a:xfrm>
+          <a:prstGeom prst="rect">
+            <a:avLst/>
+          </a:prstGeom>
+        </p:spPr>
+      </p:pic>
+    </p:spTree>
+  </p:cSld>
+  <p:clrMapOvr>
+    <a:masterClrMapping/>
+  </p:clrMapOvr>
+</p:sld>
+</file>
+
+<file path=ppt/slides/slide108.xml><?xml version="1.0" encoding="utf-8"?>
+<p:sld xmlns:a="http://schemas.openxmlformats.org/drawingml/2006/main" xmlns:p="http://schemas.openxmlformats.org/presentationml/2006/main" xmlns:r="http://schemas.openxmlformats.org/officeDocument/2006/relationships">
+  <p:cSld>
+    <p:spTree>
+      <p:nvGrpSpPr>
+        <p:cNvPr id="1" name=""/>
+        <p:cNvGrpSpPr/>
+        <p:nvPr/>
+      </p:nvGrpSpPr>
+      <p:grpSpPr/>
+      <p:pic>
+        <p:nvPicPr>
+          <p:cNvPr id="2" name="Picture 1" descr="Layers.png"/>
+          <p:cNvPicPr>
+            <a:picLocks noChangeAspect="1"/>
+          </p:cNvPicPr>
+          <p:nvPr/>
+        </p:nvPicPr>
+        <p:blipFill>
+          <a:blip r:embed="rId2"/>
+          <a:stretch>
+            <a:fillRect/>
+          </a:stretch>
+        </p:blipFill>
+        <p:spPr>
+          <a:xfrm>
+            <a:off x="-1417320" y="-4572000"/>
+            <a:ext cx="11612880" cy="11612880"/>
+          </a:xfrm>
+          <a:prstGeom prst="rect">
+            <a:avLst/>
+          </a:prstGeom>
+        </p:spPr>
+      </p:pic>
+    </p:spTree>
+  </p:cSld>
+  <p:clrMapOvr>
+    <a:masterClrMapping/>
+  </p:clrMapOvr>
+</p:sld>
+</file>
+
+<file path=ppt/slides/slide109.xml><?xml version="1.0" encoding="utf-8"?>
+<p:sld xmlns:a="http://schemas.openxmlformats.org/drawingml/2006/main" xmlns:p="http://schemas.openxmlformats.org/presentationml/2006/main" xmlns:r="http://schemas.openxmlformats.org/officeDocument/2006/relationships">
+  <p:cSld>
+    <p:spTree>
+      <p:nvGrpSpPr>
+        <p:cNvPr id="1" name=""/>
+        <p:cNvGrpSpPr/>
+        <p:nvPr/>
+      </p:nvGrpSpPr>
+      <p:grpSpPr/>
+      <p:pic>
+        <p:nvPicPr>
+          <p:cNvPr id="2" name="Picture 1" descr="Layers.png"/>
+          <p:cNvPicPr>
+            <a:picLocks noChangeAspect="1"/>
+          </p:cNvPicPr>
+          <p:nvPr/>
+        </p:nvPicPr>
+        <p:blipFill>
+          <a:blip r:embed="rId2"/>
+          <a:stretch>
+            <a:fillRect/>
+          </a:stretch>
+        </p:blipFill>
+        <p:spPr>
+          <a:xfrm>
+            <a:off x="-1417320" y="-4572000"/>
+            <a:ext cx="11612880" cy="11612880"/>
+          </a:xfrm>
+          <a:prstGeom prst="rect">
+            <a:avLst/>
+          </a:prstGeom>
+        </p:spPr>
+      </p:pic>
+    </p:spTree>
+  </p:cSld>
+  <p:clrMapOvr>
+    <a:masterClrMapping/>
+  </p:clrMapOvr>
+</p:sld>
+</file>
+
 <file path=ppt/slides/slide11.xml><?xml version="1.0" encoding="utf-8"?>
 <p:sld xmlns:a="http://schemas.openxmlformats.org/drawingml/2006/main" xmlns:p="http://schemas.openxmlformats.org/presentationml/2006/main" xmlns:r="http://schemas.openxmlformats.org/officeDocument/2006/relationships">
   <p:cSld>
@@ -3217,6 +3815,426 @@
 </p:sld>
 </file>
 
+<file path=ppt/slides/slide110.xml><?xml version="1.0" encoding="utf-8"?>
+<p:sld xmlns:a="http://schemas.openxmlformats.org/drawingml/2006/main" xmlns:p="http://schemas.openxmlformats.org/presentationml/2006/main" xmlns:r="http://schemas.openxmlformats.org/officeDocument/2006/relationships">
+  <p:cSld>
+    <p:spTree>
+      <p:nvGrpSpPr>
+        <p:cNvPr id="1" name=""/>
+        <p:cNvGrpSpPr/>
+        <p:nvPr/>
+      </p:nvGrpSpPr>
+      <p:grpSpPr/>
+      <p:pic>
+        <p:nvPicPr>
+          <p:cNvPr id="2" name="Picture 1" descr="Layers.png"/>
+          <p:cNvPicPr>
+            <a:picLocks noChangeAspect="1"/>
+          </p:cNvPicPr>
+          <p:nvPr/>
+        </p:nvPicPr>
+        <p:blipFill>
+          <a:blip r:embed="rId2"/>
+          <a:stretch>
+            <a:fillRect/>
+          </a:stretch>
+        </p:blipFill>
+        <p:spPr>
+          <a:xfrm>
+            <a:off x="-1417320" y="-4572000"/>
+            <a:ext cx="11612880" cy="11612880"/>
+          </a:xfrm>
+          <a:prstGeom prst="rect">
+            <a:avLst/>
+          </a:prstGeom>
+        </p:spPr>
+      </p:pic>
+    </p:spTree>
+  </p:cSld>
+  <p:clrMapOvr>
+    <a:masterClrMapping/>
+  </p:clrMapOvr>
+</p:sld>
+</file>
+
+<file path=ppt/slides/slide111.xml><?xml version="1.0" encoding="utf-8"?>
+<p:sld xmlns:a="http://schemas.openxmlformats.org/drawingml/2006/main" xmlns:p="http://schemas.openxmlformats.org/presentationml/2006/main" xmlns:r="http://schemas.openxmlformats.org/officeDocument/2006/relationships">
+  <p:cSld>
+    <p:spTree>
+      <p:nvGrpSpPr>
+        <p:cNvPr id="1" name=""/>
+        <p:cNvGrpSpPr/>
+        <p:nvPr/>
+      </p:nvGrpSpPr>
+      <p:grpSpPr/>
+      <p:pic>
+        <p:nvPicPr>
+          <p:cNvPr id="2" name="Picture 1" descr="Layers.png"/>
+          <p:cNvPicPr>
+            <a:picLocks noChangeAspect="1"/>
+          </p:cNvPicPr>
+          <p:nvPr/>
+        </p:nvPicPr>
+        <p:blipFill>
+          <a:blip r:embed="rId2"/>
+          <a:stretch>
+            <a:fillRect/>
+          </a:stretch>
+        </p:blipFill>
+        <p:spPr>
+          <a:xfrm>
+            <a:off x="-1417320" y="-4572000"/>
+            <a:ext cx="11612880" cy="11612880"/>
+          </a:xfrm>
+          <a:prstGeom prst="rect">
+            <a:avLst/>
+          </a:prstGeom>
+        </p:spPr>
+      </p:pic>
+    </p:spTree>
+  </p:cSld>
+  <p:clrMapOvr>
+    <a:masterClrMapping/>
+  </p:clrMapOvr>
+</p:sld>
+</file>
+
+<file path=ppt/slides/slide112.xml><?xml version="1.0" encoding="utf-8"?>
+<p:sld xmlns:a="http://schemas.openxmlformats.org/drawingml/2006/main" xmlns:p="http://schemas.openxmlformats.org/presentationml/2006/main" xmlns:r="http://schemas.openxmlformats.org/officeDocument/2006/relationships">
+  <p:cSld>
+    <p:spTree>
+      <p:nvGrpSpPr>
+        <p:cNvPr id="1" name=""/>
+        <p:cNvGrpSpPr/>
+        <p:nvPr/>
+      </p:nvGrpSpPr>
+      <p:grpSpPr/>
+      <p:pic>
+        <p:nvPicPr>
+          <p:cNvPr id="2" name="Picture 1" descr="Layers.png"/>
+          <p:cNvPicPr>
+            <a:picLocks noChangeAspect="1"/>
+          </p:cNvPicPr>
+          <p:nvPr/>
+        </p:nvPicPr>
+        <p:blipFill>
+          <a:blip r:embed="rId2"/>
+          <a:stretch>
+            <a:fillRect/>
+          </a:stretch>
+        </p:blipFill>
+        <p:spPr>
+          <a:xfrm>
+            <a:off x="-1417320" y="-4572000"/>
+            <a:ext cx="11612880" cy="11612880"/>
+          </a:xfrm>
+          <a:prstGeom prst="rect">
+            <a:avLst/>
+          </a:prstGeom>
+        </p:spPr>
+      </p:pic>
+    </p:spTree>
+  </p:cSld>
+  <p:clrMapOvr>
+    <a:masterClrMapping/>
+  </p:clrMapOvr>
+</p:sld>
+</file>
+
+<file path=ppt/slides/slide113.xml><?xml version="1.0" encoding="utf-8"?>
+<p:sld xmlns:a="http://schemas.openxmlformats.org/drawingml/2006/main" xmlns:p="http://schemas.openxmlformats.org/presentationml/2006/main" xmlns:r="http://schemas.openxmlformats.org/officeDocument/2006/relationships">
+  <p:cSld>
+    <p:spTree>
+      <p:nvGrpSpPr>
+        <p:cNvPr id="1" name=""/>
+        <p:cNvGrpSpPr/>
+        <p:nvPr/>
+      </p:nvGrpSpPr>
+      <p:grpSpPr/>
+      <p:pic>
+        <p:nvPicPr>
+          <p:cNvPr id="2" name="Picture 1" descr="Layers.png"/>
+          <p:cNvPicPr>
+            <a:picLocks noChangeAspect="1"/>
+          </p:cNvPicPr>
+          <p:nvPr/>
+        </p:nvPicPr>
+        <p:blipFill>
+          <a:blip r:embed="rId2"/>
+          <a:stretch>
+            <a:fillRect/>
+          </a:stretch>
+        </p:blipFill>
+        <p:spPr>
+          <a:xfrm>
+            <a:off x="-1417320" y="-4572000"/>
+            <a:ext cx="11612880" cy="11612880"/>
+          </a:xfrm>
+          <a:prstGeom prst="rect">
+            <a:avLst/>
+          </a:prstGeom>
+        </p:spPr>
+      </p:pic>
+    </p:spTree>
+  </p:cSld>
+  <p:clrMapOvr>
+    <a:masterClrMapping/>
+  </p:clrMapOvr>
+</p:sld>
+</file>
+
+<file path=ppt/slides/slide114.xml><?xml version="1.0" encoding="utf-8"?>
+<p:sld xmlns:a="http://schemas.openxmlformats.org/drawingml/2006/main" xmlns:p="http://schemas.openxmlformats.org/presentationml/2006/main" xmlns:r="http://schemas.openxmlformats.org/officeDocument/2006/relationships">
+  <p:cSld>
+    <p:spTree>
+      <p:nvGrpSpPr>
+        <p:cNvPr id="1" name=""/>
+        <p:cNvGrpSpPr/>
+        <p:nvPr/>
+      </p:nvGrpSpPr>
+      <p:grpSpPr/>
+      <p:pic>
+        <p:nvPicPr>
+          <p:cNvPr id="2" name="Picture 1" descr="Layers.png"/>
+          <p:cNvPicPr>
+            <a:picLocks noChangeAspect="1"/>
+          </p:cNvPicPr>
+          <p:nvPr/>
+        </p:nvPicPr>
+        <p:blipFill>
+          <a:blip r:embed="rId2"/>
+          <a:stretch>
+            <a:fillRect/>
+          </a:stretch>
+        </p:blipFill>
+        <p:spPr>
+          <a:xfrm>
+            <a:off x="-1417320" y="-4572000"/>
+            <a:ext cx="11612880" cy="11612880"/>
+          </a:xfrm>
+          <a:prstGeom prst="rect">
+            <a:avLst/>
+          </a:prstGeom>
+        </p:spPr>
+      </p:pic>
+    </p:spTree>
+  </p:cSld>
+  <p:clrMapOvr>
+    <a:masterClrMapping/>
+  </p:clrMapOvr>
+</p:sld>
+</file>
+
+<file path=ppt/slides/slide115.xml><?xml version="1.0" encoding="utf-8"?>
+<p:sld xmlns:a="http://schemas.openxmlformats.org/drawingml/2006/main" xmlns:p="http://schemas.openxmlformats.org/presentationml/2006/main" xmlns:r="http://schemas.openxmlformats.org/officeDocument/2006/relationships">
+  <p:cSld>
+    <p:spTree>
+      <p:nvGrpSpPr>
+        <p:cNvPr id="1" name=""/>
+        <p:cNvGrpSpPr/>
+        <p:nvPr/>
+      </p:nvGrpSpPr>
+      <p:grpSpPr/>
+      <p:pic>
+        <p:nvPicPr>
+          <p:cNvPr id="2" name="Picture 1" descr="Layers.png"/>
+          <p:cNvPicPr>
+            <a:picLocks noChangeAspect="1"/>
+          </p:cNvPicPr>
+          <p:nvPr/>
+        </p:nvPicPr>
+        <p:blipFill>
+          <a:blip r:embed="rId2"/>
+          <a:stretch>
+            <a:fillRect/>
+          </a:stretch>
+        </p:blipFill>
+        <p:spPr>
+          <a:xfrm>
+            <a:off x="-1417320" y="-4572000"/>
+            <a:ext cx="11612880" cy="11612880"/>
+          </a:xfrm>
+          <a:prstGeom prst="rect">
+            <a:avLst/>
+          </a:prstGeom>
+        </p:spPr>
+      </p:pic>
+    </p:spTree>
+  </p:cSld>
+  <p:clrMapOvr>
+    <a:masterClrMapping/>
+  </p:clrMapOvr>
+</p:sld>
+</file>
+
+<file path=ppt/slides/slide116.xml><?xml version="1.0" encoding="utf-8"?>
+<p:sld xmlns:a="http://schemas.openxmlformats.org/drawingml/2006/main" xmlns:p="http://schemas.openxmlformats.org/presentationml/2006/main" xmlns:r="http://schemas.openxmlformats.org/officeDocument/2006/relationships">
+  <p:cSld>
+    <p:spTree>
+      <p:nvGrpSpPr>
+        <p:cNvPr id="1" name=""/>
+        <p:cNvGrpSpPr/>
+        <p:nvPr/>
+      </p:nvGrpSpPr>
+      <p:grpSpPr/>
+      <p:pic>
+        <p:nvPicPr>
+          <p:cNvPr id="2" name="Picture 1" descr="Layers.png"/>
+          <p:cNvPicPr>
+            <a:picLocks noChangeAspect="1"/>
+          </p:cNvPicPr>
+          <p:nvPr/>
+        </p:nvPicPr>
+        <p:blipFill>
+          <a:blip r:embed="rId2"/>
+          <a:stretch>
+            <a:fillRect/>
+          </a:stretch>
+        </p:blipFill>
+        <p:spPr>
+          <a:xfrm>
+            <a:off x="-1417320" y="-4572000"/>
+            <a:ext cx="11612880" cy="11612880"/>
+          </a:xfrm>
+          <a:prstGeom prst="rect">
+            <a:avLst/>
+          </a:prstGeom>
+        </p:spPr>
+      </p:pic>
+    </p:spTree>
+  </p:cSld>
+  <p:clrMapOvr>
+    <a:masterClrMapping/>
+  </p:clrMapOvr>
+</p:sld>
+</file>
+
+<file path=ppt/slides/slide117.xml><?xml version="1.0" encoding="utf-8"?>
+<p:sld xmlns:a="http://schemas.openxmlformats.org/drawingml/2006/main" xmlns:p="http://schemas.openxmlformats.org/presentationml/2006/main" xmlns:r="http://schemas.openxmlformats.org/officeDocument/2006/relationships">
+  <p:cSld>
+    <p:spTree>
+      <p:nvGrpSpPr>
+        <p:cNvPr id="1" name=""/>
+        <p:cNvGrpSpPr/>
+        <p:nvPr/>
+      </p:nvGrpSpPr>
+      <p:grpSpPr/>
+      <p:pic>
+        <p:nvPicPr>
+          <p:cNvPr id="2" name="Picture 1" descr="Layers.png"/>
+          <p:cNvPicPr>
+            <a:picLocks noChangeAspect="1"/>
+          </p:cNvPicPr>
+          <p:nvPr/>
+        </p:nvPicPr>
+        <p:blipFill>
+          <a:blip r:embed="rId2"/>
+          <a:stretch>
+            <a:fillRect/>
+          </a:stretch>
+        </p:blipFill>
+        <p:spPr>
+          <a:xfrm>
+            <a:off x="-1417320" y="-4572000"/>
+            <a:ext cx="11612880" cy="11612880"/>
+          </a:xfrm>
+          <a:prstGeom prst="rect">
+            <a:avLst/>
+          </a:prstGeom>
+        </p:spPr>
+      </p:pic>
+    </p:spTree>
+  </p:cSld>
+  <p:clrMapOvr>
+    <a:masterClrMapping/>
+  </p:clrMapOvr>
+</p:sld>
+</file>
+
+<file path=ppt/slides/slide118.xml><?xml version="1.0" encoding="utf-8"?>
+<p:sld xmlns:a="http://schemas.openxmlformats.org/drawingml/2006/main" xmlns:p="http://schemas.openxmlformats.org/presentationml/2006/main" xmlns:r="http://schemas.openxmlformats.org/officeDocument/2006/relationships">
+  <p:cSld>
+    <p:spTree>
+      <p:nvGrpSpPr>
+        <p:cNvPr id="1" name=""/>
+        <p:cNvGrpSpPr/>
+        <p:nvPr/>
+      </p:nvGrpSpPr>
+      <p:grpSpPr/>
+      <p:pic>
+        <p:nvPicPr>
+          <p:cNvPr id="2" name="Picture 1" descr="Layers.png"/>
+          <p:cNvPicPr>
+            <a:picLocks noChangeAspect="1"/>
+          </p:cNvPicPr>
+          <p:nvPr/>
+        </p:nvPicPr>
+        <p:blipFill>
+          <a:blip r:embed="rId2"/>
+          <a:stretch>
+            <a:fillRect/>
+          </a:stretch>
+        </p:blipFill>
+        <p:spPr>
+          <a:xfrm>
+            <a:off x="-1417320" y="-4572000"/>
+            <a:ext cx="11612880" cy="11612880"/>
+          </a:xfrm>
+          <a:prstGeom prst="rect">
+            <a:avLst/>
+          </a:prstGeom>
+        </p:spPr>
+      </p:pic>
+    </p:spTree>
+  </p:cSld>
+  <p:clrMapOvr>
+    <a:masterClrMapping/>
+  </p:clrMapOvr>
+</p:sld>
+</file>
+
+<file path=ppt/slides/slide119.xml><?xml version="1.0" encoding="utf-8"?>
+<p:sld xmlns:a="http://schemas.openxmlformats.org/drawingml/2006/main" xmlns:p="http://schemas.openxmlformats.org/presentationml/2006/main" xmlns:r="http://schemas.openxmlformats.org/officeDocument/2006/relationships">
+  <p:cSld>
+    <p:spTree>
+      <p:nvGrpSpPr>
+        <p:cNvPr id="1" name=""/>
+        <p:cNvGrpSpPr/>
+        <p:nvPr/>
+      </p:nvGrpSpPr>
+      <p:grpSpPr/>
+      <p:pic>
+        <p:nvPicPr>
+          <p:cNvPr id="2" name="Picture 1" descr="Layers.png"/>
+          <p:cNvPicPr>
+            <a:picLocks noChangeAspect="1"/>
+          </p:cNvPicPr>
+          <p:nvPr/>
+        </p:nvPicPr>
+        <p:blipFill>
+          <a:blip r:embed="rId2"/>
+          <a:stretch>
+            <a:fillRect/>
+          </a:stretch>
+        </p:blipFill>
+        <p:spPr>
+          <a:xfrm>
+            <a:off x="-1417320" y="-4572000"/>
+            <a:ext cx="11612880" cy="11612880"/>
+          </a:xfrm>
+          <a:prstGeom prst="rect">
+            <a:avLst/>
+          </a:prstGeom>
+        </p:spPr>
+      </p:pic>
+    </p:spTree>
+  </p:cSld>
+  <p:clrMapOvr>
+    <a:masterClrMapping/>
+  </p:clrMapOvr>
+</p:sld>
+</file>
+
 <file path=ppt/slides/slide12.xml><?xml version="1.0" encoding="utf-8"?>
 <p:sld xmlns:a="http://schemas.openxmlformats.org/drawingml/2006/main" xmlns:p="http://schemas.openxmlformats.org/presentationml/2006/main" xmlns:r="http://schemas.openxmlformats.org/officeDocument/2006/relationships">
   <p:cSld>
@@ -3259,6 +4277,426 @@
 </p:sld>
 </file>
 
+<file path=ppt/slides/slide120.xml><?xml version="1.0" encoding="utf-8"?>
+<p:sld xmlns:a="http://schemas.openxmlformats.org/drawingml/2006/main" xmlns:p="http://schemas.openxmlformats.org/presentationml/2006/main" xmlns:r="http://schemas.openxmlformats.org/officeDocument/2006/relationships">
+  <p:cSld>
+    <p:spTree>
+      <p:nvGrpSpPr>
+        <p:cNvPr id="1" name=""/>
+        <p:cNvGrpSpPr/>
+        <p:nvPr/>
+      </p:nvGrpSpPr>
+      <p:grpSpPr/>
+      <p:pic>
+        <p:nvPicPr>
+          <p:cNvPr id="2" name="Picture 1" descr="Layers.png"/>
+          <p:cNvPicPr>
+            <a:picLocks noChangeAspect="1"/>
+          </p:cNvPicPr>
+          <p:nvPr/>
+        </p:nvPicPr>
+        <p:blipFill>
+          <a:blip r:embed="rId2"/>
+          <a:stretch>
+            <a:fillRect/>
+          </a:stretch>
+        </p:blipFill>
+        <p:spPr>
+          <a:xfrm>
+            <a:off x="-1417320" y="-4572000"/>
+            <a:ext cx="11612880" cy="11612880"/>
+          </a:xfrm>
+          <a:prstGeom prst="rect">
+            <a:avLst/>
+          </a:prstGeom>
+        </p:spPr>
+      </p:pic>
+    </p:spTree>
+  </p:cSld>
+  <p:clrMapOvr>
+    <a:masterClrMapping/>
+  </p:clrMapOvr>
+</p:sld>
+</file>
+
+<file path=ppt/slides/slide121.xml><?xml version="1.0" encoding="utf-8"?>
+<p:sld xmlns:a="http://schemas.openxmlformats.org/drawingml/2006/main" xmlns:p="http://schemas.openxmlformats.org/presentationml/2006/main" xmlns:r="http://schemas.openxmlformats.org/officeDocument/2006/relationships">
+  <p:cSld>
+    <p:spTree>
+      <p:nvGrpSpPr>
+        <p:cNvPr id="1" name=""/>
+        <p:cNvGrpSpPr/>
+        <p:nvPr/>
+      </p:nvGrpSpPr>
+      <p:grpSpPr/>
+      <p:pic>
+        <p:nvPicPr>
+          <p:cNvPr id="2" name="Picture 1" descr="Layers.png"/>
+          <p:cNvPicPr>
+            <a:picLocks noChangeAspect="1"/>
+          </p:cNvPicPr>
+          <p:nvPr/>
+        </p:nvPicPr>
+        <p:blipFill>
+          <a:blip r:embed="rId2"/>
+          <a:stretch>
+            <a:fillRect/>
+          </a:stretch>
+        </p:blipFill>
+        <p:spPr>
+          <a:xfrm>
+            <a:off x="-1417320" y="-4572000"/>
+            <a:ext cx="11612880" cy="11612880"/>
+          </a:xfrm>
+          <a:prstGeom prst="rect">
+            <a:avLst/>
+          </a:prstGeom>
+        </p:spPr>
+      </p:pic>
+    </p:spTree>
+  </p:cSld>
+  <p:clrMapOvr>
+    <a:masterClrMapping/>
+  </p:clrMapOvr>
+</p:sld>
+</file>
+
+<file path=ppt/slides/slide122.xml><?xml version="1.0" encoding="utf-8"?>
+<p:sld xmlns:a="http://schemas.openxmlformats.org/drawingml/2006/main" xmlns:p="http://schemas.openxmlformats.org/presentationml/2006/main" xmlns:r="http://schemas.openxmlformats.org/officeDocument/2006/relationships">
+  <p:cSld>
+    <p:spTree>
+      <p:nvGrpSpPr>
+        <p:cNvPr id="1" name=""/>
+        <p:cNvGrpSpPr/>
+        <p:nvPr/>
+      </p:nvGrpSpPr>
+      <p:grpSpPr/>
+      <p:pic>
+        <p:nvPicPr>
+          <p:cNvPr id="2" name="Picture 1" descr="Layers.png"/>
+          <p:cNvPicPr>
+            <a:picLocks noChangeAspect="1"/>
+          </p:cNvPicPr>
+          <p:nvPr/>
+        </p:nvPicPr>
+        <p:blipFill>
+          <a:blip r:embed="rId2"/>
+          <a:stretch>
+            <a:fillRect/>
+          </a:stretch>
+        </p:blipFill>
+        <p:spPr>
+          <a:xfrm>
+            <a:off x="-1417320" y="-4572000"/>
+            <a:ext cx="11612880" cy="11612880"/>
+          </a:xfrm>
+          <a:prstGeom prst="rect">
+            <a:avLst/>
+          </a:prstGeom>
+        </p:spPr>
+      </p:pic>
+    </p:spTree>
+  </p:cSld>
+  <p:clrMapOvr>
+    <a:masterClrMapping/>
+  </p:clrMapOvr>
+</p:sld>
+</file>
+
+<file path=ppt/slides/slide123.xml><?xml version="1.0" encoding="utf-8"?>
+<p:sld xmlns:a="http://schemas.openxmlformats.org/drawingml/2006/main" xmlns:p="http://schemas.openxmlformats.org/presentationml/2006/main" xmlns:r="http://schemas.openxmlformats.org/officeDocument/2006/relationships">
+  <p:cSld>
+    <p:spTree>
+      <p:nvGrpSpPr>
+        <p:cNvPr id="1" name=""/>
+        <p:cNvGrpSpPr/>
+        <p:nvPr/>
+      </p:nvGrpSpPr>
+      <p:grpSpPr/>
+      <p:pic>
+        <p:nvPicPr>
+          <p:cNvPr id="2" name="Picture 1" descr="Layers.png"/>
+          <p:cNvPicPr>
+            <a:picLocks noChangeAspect="1"/>
+          </p:cNvPicPr>
+          <p:nvPr/>
+        </p:nvPicPr>
+        <p:blipFill>
+          <a:blip r:embed="rId2"/>
+          <a:stretch>
+            <a:fillRect/>
+          </a:stretch>
+        </p:blipFill>
+        <p:spPr>
+          <a:xfrm>
+            <a:off x="-1417320" y="-4572000"/>
+            <a:ext cx="11612880" cy="11612880"/>
+          </a:xfrm>
+          <a:prstGeom prst="rect">
+            <a:avLst/>
+          </a:prstGeom>
+        </p:spPr>
+      </p:pic>
+    </p:spTree>
+  </p:cSld>
+  <p:clrMapOvr>
+    <a:masterClrMapping/>
+  </p:clrMapOvr>
+</p:sld>
+</file>
+
+<file path=ppt/slides/slide124.xml><?xml version="1.0" encoding="utf-8"?>
+<p:sld xmlns:a="http://schemas.openxmlformats.org/drawingml/2006/main" xmlns:p="http://schemas.openxmlformats.org/presentationml/2006/main" xmlns:r="http://schemas.openxmlformats.org/officeDocument/2006/relationships">
+  <p:cSld>
+    <p:spTree>
+      <p:nvGrpSpPr>
+        <p:cNvPr id="1" name=""/>
+        <p:cNvGrpSpPr/>
+        <p:nvPr/>
+      </p:nvGrpSpPr>
+      <p:grpSpPr/>
+      <p:pic>
+        <p:nvPicPr>
+          <p:cNvPr id="2" name="Picture 1" descr="Layers.png"/>
+          <p:cNvPicPr>
+            <a:picLocks noChangeAspect="1"/>
+          </p:cNvPicPr>
+          <p:nvPr/>
+        </p:nvPicPr>
+        <p:blipFill>
+          <a:blip r:embed="rId2"/>
+          <a:stretch>
+            <a:fillRect/>
+          </a:stretch>
+        </p:blipFill>
+        <p:spPr>
+          <a:xfrm>
+            <a:off x="-1417320" y="-4572000"/>
+            <a:ext cx="11612880" cy="11612880"/>
+          </a:xfrm>
+          <a:prstGeom prst="rect">
+            <a:avLst/>
+          </a:prstGeom>
+        </p:spPr>
+      </p:pic>
+    </p:spTree>
+  </p:cSld>
+  <p:clrMapOvr>
+    <a:masterClrMapping/>
+  </p:clrMapOvr>
+</p:sld>
+</file>
+
+<file path=ppt/slides/slide125.xml><?xml version="1.0" encoding="utf-8"?>
+<p:sld xmlns:a="http://schemas.openxmlformats.org/drawingml/2006/main" xmlns:p="http://schemas.openxmlformats.org/presentationml/2006/main" xmlns:r="http://schemas.openxmlformats.org/officeDocument/2006/relationships">
+  <p:cSld>
+    <p:spTree>
+      <p:nvGrpSpPr>
+        <p:cNvPr id="1" name=""/>
+        <p:cNvGrpSpPr/>
+        <p:nvPr/>
+      </p:nvGrpSpPr>
+      <p:grpSpPr/>
+      <p:pic>
+        <p:nvPicPr>
+          <p:cNvPr id="2" name="Picture 1" descr="Layers.png"/>
+          <p:cNvPicPr>
+            <a:picLocks noChangeAspect="1"/>
+          </p:cNvPicPr>
+          <p:nvPr/>
+        </p:nvPicPr>
+        <p:blipFill>
+          <a:blip r:embed="rId2"/>
+          <a:stretch>
+            <a:fillRect/>
+          </a:stretch>
+        </p:blipFill>
+        <p:spPr>
+          <a:xfrm>
+            <a:off x="-1417320" y="-4572000"/>
+            <a:ext cx="11612880" cy="11612880"/>
+          </a:xfrm>
+          <a:prstGeom prst="rect">
+            <a:avLst/>
+          </a:prstGeom>
+        </p:spPr>
+      </p:pic>
+    </p:spTree>
+  </p:cSld>
+  <p:clrMapOvr>
+    <a:masterClrMapping/>
+  </p:clrMapOvr>
+</p:sld>
+</file>
+
+<file path=ppt/slides/slide126.xml><?xml version="1.0" encoding="utf-8"?>
+<p:sld xmlns:a="http://schemas.openxmlformats.org/drawingml/2006/main" xmlns:p="http://schemas.openxmlformats.org/presentationml/2006/main" xmlns:r="http://schemas.openxmlformats.org/officeDocument/2006/relationships">
+  <p:cSld>
+    <p:spTree>
+      <p:nvGrpSpPr>
+        <p:cNvPr id="1" name=""/>
+        <p:cNvGrpSpPr/>
+        <p:nvPr/>
+      </p:nvGrpSpPr>
+      <p:grpSpPr/>
+      <p:pic>
+        <p:nvPicPr>
+          <p:cNvPr id="2" name="Picture 1" descr="Layers.png"/>
+          <p:cNvPicPr>
+            <a:picLocks noChangeAspect="1"/>
+          </p:cNvPicPr>
+          <p:nvPr/>
+        </p:nvPicPr>
+        <p:blipFill>
+          <a:blip r:embed="rId2"/>
+          <a:stretch>
+            <a:fillRect/>
+          </a:stretch>
+        </p:blipFill>
+        <p:spPr>
+          <a:xfrm>
+            <a:off x="-1417320" y="-4572000"/>
+            <a:ext cx="11612880" cy="11612880"/>
+          </a:xfrm>
+          <a:prstGeom prst="rect">
+            <a:avLst/>
+          </a:prstGeom>
+        </p:spPr>
+      </p:pic>
+    </p:spTree>
+  </p:cSld>
+  <p:clrMapOvr>
+    <a:masterClrMapping/>
+  </p:clrMapOvr>
+</p:sld>
+</file>
+
+<file path=ppt/slides/slide127.xml><?xml version="1.0" encoding="utf-8"?>
+<p:sld xmlns:a="http://schemas.openxmlformats.org/drawingml/2006/main" xmlns:p="http://schemas.openxmlformats.org/presentationml/2006/main" xmlns:r="http://schemas.openxmlformats.org/officeDocument/2006/relationships">
+  <p:cSld>
+    <p:spTree>
+      <p:nvGrpSpPr>
+        <p:cNvPr id="1" name=""/>
+        <p:cNvGrpSpPr/>
+        <p:nvPr/>
+      </p:nvGrpSpPr>
+      <p:grpSpPr/>
+      <p:pic>
+        <p:nvPicPr>
+          <p:cNvPr id="2" name="Picture 1" descr="Layers.png"/>
+          <p:cNvPicPr>
+            <a:picLocks noChangeAspect="1"/>
+          </p:cNvPicPr>
+          <p:nvPr/>
+        </p:nvPicPr>
+        <p:blipFill>
+          <a:blip r:embed="rId2"/>
+          <a:stretch>
+            <a:fillRect/>
+          </a:stretch>
+        </p:blipFill>
+        <p:spPr>
+          <a:xfrm>
+            <a:off x="-1417320" y="-4572000"/>
+            <a:ext cx="11612880" cy="11612880"/>
+          </a:xfrm>
+          <a:prstGeom prst="rect">
+            <a:avLst/>
+          </a:prstGeom>
+        </p:spPr>
+      </p:pic>
+    </p:spTree>
+  </p:cSld>
+  <p:clrMapOvr>
+    <a:masterClrMapping/>
+  </p:clrMapOvr>
+</p:sld>
+</file>
+
+<file path=ppt/slides/slide128.xml><?xml version="1.0" encoding="utf-8"?>
+<p:sld xmlns:a="http://schemas.openxmlformats.org/drawingml/2006/main" xmlns:p="http://schemas.openxmlformats.org/presentationml/2006/main" xmlns:r="http://schemas.openxmlformats.org/officeDocument/2006/relationships">
+  <p:cSld>
+    <p:spTree>
+      <p:nvGrpSpPr>
+        <p:cNvPr id="1" name=""/>
+        <p:cNvGrpSpPr/>
+        <p:nvPr/>
+      </p:nvGrpSpPr>
+      <p:grpSpPr/>
+      <p:pic>
+        <p:nvPicPr>
+          <p:cNvPr id="2" name="Picture 1" descr="Layers.png"/>
+          <p:cNvPicPr>
+            <a:picLocks noChangeAspect="1"/>
+          </p:cNvPicPr>
+          <p:nvPr/>
+        </p:nvPicPr>
+        <p:blipFill>
+          <a:blip r:embed="rId2"/>
+          <a:stretch>
+            <a:fillRect/>
+          </a:stretch>
+        </p:blipFill>
+        <p:spPr>
+          <a:xfrm>
+            <a:off x="-1417320" y="-4572000"/>
+            <a:ext cx="11612880" cy="11612880"/>
+          </a:xfrm>
+          <a:prstGeom prst="rect">
+            <a:avLst/>
+          </a:prstGeom>
+        </p:spPr>
+      </p:pic>
+    </p:spTree>
+  </p:cSld>
+  <p:clrMapOvr>
+    <a:masterClrMapping/>
+  </p:clrMapOvr>
+</p:sld>
+</file>
+
+<file path=ppt/slides/slide129.xml><?xml version="1.0" encoding="utf-8"?>
+<p:sld xmlns:a="http://schemas.openxmlformats.org/drawingml/2006/main" xmlns:p="http://schemas.openxmlformats.org/presentationml/2006/main" xmlns:r="http://schemas.openxmlformats.org/officeDocument/2006/relationships">
+  <p:cSld>
+    <p:spTree>
+      <p:nvGrpSpPr>
+        <p:cNvPr id="1" name=""/>
+        <p:cNvGrpSpPr/>
+        <p:nvPr/>
+      </p:nvGrpSpPr>
+      <p:grpSpPr/>
+      <p:pic>
+        <p:nvPicPr>
+          <p:cNvPr id="2" name="Picture 1" descr="Layers.png"/>
+          <p:cNvPicPr>
+            <a:picLocks noChangeAspect="1"/>
+          </p:cNvPicPr>
+          <p:nvPr/>
+        </p:nvPicPr>
+        <p:blipFill>
+          <a:blip r:embed="rId2"/>
+          <a:stretch>
+            <a:fillRect/>
+          </a:stretch>
+        </p:blipFill>
+        <p:spPr>
+          <a:xfrm>
+            <a:off x="-1417320" y="-4572000"/>
+            <a:ext cx="11612880" cy="11612880"/>
+          </a:xfrm>
+          <a:prstGeom prst="rect">
+            <a:avLst/>
+          </a:prstGeom>
+        </p:spPr>
+      </p:pic>
+    </p:spTree>
+  </p:cSld>
+  <p:clrMapOvr>
+    <a:masterClrMapping/>
+  </p:clrMapOvr>
+</p:sld>
+</file>
+
 <file path=ppt/slides/slide13.xml><?xml version="1.0" encoding="utf-8"?>
 <p:sld xmlns:a="http://schemas.openxmlformats.org/drawingml/2006/main" xmlns:p="http://schemas.openxmlformats.org/presentationml/2006/main" xmlns:r="http://schemas.openxmlformats.org/officeDocument/2006/relationships">
   <p:cSld>
@@ -3301,6 +4739,426 @@
 </p:sld>
 </file>
 
+<file path=ppt/slides/slide130.xml><?xml version="1.0" encoding="utf-8"?>
+<p:sld xmlns:a="http://schemas.openxmlformats.org/drawingml/2006/main" xmlns:p="http://schemas.openxmlformats.org/presentationml/2006/main" xmlns:r="http://schemas.openxmlformats.org/officeDocument/2006/relationships">
+  <p:cSld>
+    <p:spTree>
+      <p:nvGrpSpPr>
+        <p:cNvPr id="1" name=""/>
+        <p:cNvGrpSpPr/>
+        <p:nvPr/>
+      </p:nvGrpSpPr>
+      <p:grpSpPr/>
+      <p:pic>
+        <p:nvPicPr>
+          <p:cNvPr id="2" name="Picture 1" descr="Layers.png"/>
+          <p:cNvPicPr>
+            <a:picLocks noChangeAspect="1"/>
+          </p:cNvPicPr>
+          <p:nvPr/>
+        </p:nvPicPr>
+        <p:blipFill>
+          <a:blip r:embed="rId2"/>
+          <a:stretch>
+            <a:fillRect/>
+          </a:stretch>
+        </p:blipFill>
+        <p:spPr>
+          <a:xfrm>
+            <a:off x="-1417320" y="-4572000"/>
+            <a:ext cx="11612880" cy="11612880"/>
+          </a:xfrm>
+          <a:prstGeom prst="rect">
+            <a:avLst/>
+          </a:prstGeom>
+        </p:spPr>
+      </p:pic>
+    </p:spTree>
+  </p:cSld>
+  <p:clrMapOvr>
+    <a:masterClrMapping/>
+  </p:clrMapOvr>
+</p:sld>
+</file>
+
+<file path=ppt/slides/slide131.xml><?xml version="1.0" encoding="utf-8"?>
+<p:sld xmlns:a="http://schemas.openxmlformats.org/drawingml/2006/main" xmlns:p="http://schemas.openxmlformats.org/presentationml/2006/main" xmlns:r="http://schemas.openxmlformats.org/officeDocument/2006/relationships">
+  <p:cSld>
+    <p:spTree>
+      <p:nvGrpSpPr>
+        <p:cNvPr id="1" name=""/>
+        <p:cNvGrpSpPr/>
+        <p:nvPr/>
+      </p:nvGrpSpPr>
+      <p:grpSpPr/>
+      <p:pic>
+        <p:nvPicPr>
+          <p:cNvPr id="2" name="Picture 1" descr="Layers.png"/>
+          <p:cNvPicPr>
+            <a:picLocks noChangeAspect="1"/>
+          </p:cNvPicPr>
+          <p:nvPr/>
+        </p:nvPicPr>
+        <p:blipFill>
+          <a:blip r:embed="rId2"/>
+          <a:stretch>
+            <a:fillRect/>
+          </a:stretch>
+        </p:blipFill>
+        <p:spPr>
+          <a:xfrm>
+            <a:off x="-1417320" y="-4572000"/>
+            <a:ext cx="11612880" cy="11612880"/>
+          </a:xfrm>
+          <a:prstGeom prst="rect">
+            <a:avLst/>
+          </a:prstGeom>
+        </p:spPr>
+      </p:pic>
+    </p:spTree>
+  </p:cSld>
+  <p:clrMapOvr>
+    <a:masterClrMapping/>
+  </p:clrMapOvr>
+</p:sld>
+</file>
+
+<file path=ppt/slides/slide132.xml><?xml version="1.0" encoding="utf-8"?>
+<p:sld xmlns:a="http://schemas.openxmlformats.org/drawingml/2006/main" xmlns:p="http://schemas.openxmlformats.org/presentationml/2006/main" xmlns:r="http://schemas.openxmlformats.org/officeDocument/2006/relationships">
+  <p:cSld>
+    <p:spTree>
+      <p:nvGrpSpPr>
+        <p:cNvPr id="1" name=""/>
+        <p:cNvGrpSpPr/>
+        <p:nvPr/>
+      </p:nvGrpSpPr>
+      <p:grpSpPr/>
+      <p:pic>
+        <p:nvPicPr>
+          <p:cNvPr id="2" name="Picture 1" descr="Layers.png"/>
+          <p:cNvPicPr>
+            <a:picLocks noChangeAspect="1"/>
+          </p:cNvPicPr>
+          <p:nvPr/>
+        </p:nvPicPr>
+        <p:blipFill>
+          <a:blip r:embed="rId2"/>
+          <a:stretch>
+            <a:fillRect/>
+          </a:stretch>
+        </p:blipFill>
+        <p:spPr>
+          <a:xfrm>
+            <a:off x="-1417320" y="-4572000"/>
+            <a:ext cx="11612880" cy="11612880"/>
+          </a:xfrm>
+          <a:prstGeom prst="rect">
+            <a:avLst/>
+          </a:prstGeom>
+        </p:spPr>
+      </p:pic>
+    </p:spTree>
+  </p:cSld>
+  <p:clrMapOvr>
+    <a:masterClrMapping/>
+  </p:clrMapOvr>
+</p:sld>
+</file>
+
+<file path=ppt/slides/slide133.xml><?xml version="1.0" encoding="utf-8"?>
+<p:sld xmlns:a="http://schemas.openxmlformats.org/drawingml/2006/main" xmlns:p="http://schemas.openxmlformats.org/presentationml/2006/main" xmlns:r="http://schemas.openxmlformats.org/officeDocument/2006/relationships">
+  <p:cSld>
+    <p:spTree>
+      <p:nvGrpSpPr>
+        <p:cNvPr id="1" name=""/>
+        <p:cNvGrpSpPr/>
+        <p:nvPr/>
+      </p:nvGrpSpPr>
+      <p:grpSpPr/>
+      <p:pic>
+        <p:nvPicPr>
+          <p:cNvPr id="2" name="Picture 1" descr="Layers.png"/>
+          <p:cNvPicPr>
+            <a:picLocks noChangeAspect="1"/>
+          </p:cNvPicPr>
+          <p:nvPr/>
+        </p:nvPicPr>
+        <p:blipFill>
+          <a:blip r:embed="rId2"/>
+          <a:stretch>
+            <a:fillRect/>
+          </a:stretch>
+        </p:blipFill>
+        <p:spPr>
+          <a:xfrm>
+            <a:off x="-1417320" y="-4572000"/>
+            <a:ext cx="11612880" cy="11612880"/>
+          </a:xfrm>
+          <a:prstGeom prst="rect">
+            <a:avLst/>
+          </a:prstGeom>
+        </p:spPr>
+      </p:pic>
+    </p:spTree>
+  </p:cSld>
+  <p:clrMapOvr>
+    <a:masterClrMapping/>
+  </p:clrMapOvr>
+</p:sld>
+</file>
+
+<file path=ppt/slides/slide134.xml><?xml version="1.0" encoding="utf-8"?>
+<p:sld xmlns:a="http://schemas.openxmlformats.org/drawingml/2006/main" xmlns:p="http://schemas.openxmlformats.org/presentationml/2006/main" xmlns:r="http://schemas.openxmlformats.org/officeDocument/2006/relationships">
+  <p:cSld>
+    <p:spTree>
+      <p:nvGrpSpPr>
+        <p:cNvPr id="1" name=""/>
+        <p:cNvGrpSpPr/>
+        <p:nvPr/>
+      </p:nvGrpSpPr>
+      <p:grpSpPr/>
+      <p:pic>
+        <p:nvPicPr>
+          <p:cNvPr id="2" name="Picture 1" descr="Layers.png"/>
+          <p:cNvPicPr>
+            <a:picLocks noChangeAspect="1"/>
+          </p:cNvPicPr>
+          <p:nvPr/>
+        </p:nvPicPr>
+        <p:blipFill>
+          <a:blip r:embed="rId2"/>
+          <a:stretch>
+            <a:fillRect/>
+          </a:stretch>
+        </p:blipFill>
+        <p:spPr>
+          <a:xfrm>
+            <a:off x="-1417320" y="-4572000"/>
+            <a:ext cx="11612880" cy="11612880"/>
+          </a:xfrm>
+          <a:prstGeom prst="rect">
+            <a:avLst/>
+          </a:prstGeom>
+        </p:spPr>
+      </p:pic>
+    </p:spTree>
+  </p:cSld>
+  <p:clrMapOvr>
+    <a:masterClrMapping/>
+  </p:clrMapOvr>
+</p:sld>
+</file>
+
+<file path=ppt/slides/slide135.xml><?xml version="1.0" encoding="utf-8"?>
+<p:sld xmlns:a="http://schemas.openxmlformats.org/drawingml/2006/main" xmlns:p="http://schemas.openxmlformats.org/presentationml/2006/main" xmlns:r="http://schemas.openxmlformats.org/officeDocument/2006/relationships">
+  <p:cSld>
+    <p:spTree>
+      <p:nvGrpSpPr>
+        <p:cNvPr id="1" name=""/>
+        <p:cNvGrpSpPr/>
+        <p:nvPr/>
+      </p:nvGrpSpPr>
+      <p:grpSpPr/>
+      <p:pic>
+        <p:nvPicPr>
+          <p:cNvPr id="2" name="Picture 1" descr="Layers.png"/>
+          <p:cNvPicPr>
+            <a:picLocks noChangeAspect="1"/>
+          </p:cNvPicPr>
+          <p:nvPr/>
+        </p:nvPicPr>
+        <p:blipFill>
+          <a:blip r:embed="rId2"/>
+          <a:stretch>
+            <a:fillRect/>
+          </a:stretch>
+        </p:blipFill>
+        <p:spPr>
+          <a:xfrm>
+            <a:off x="-1417320" y="-4572000"/>
+            <a:ext cx="11612880" cy="11612880"/>
+          </a:xfrm>
+          <a:prstGeom prst="rect">
+            <a:avLst/>
+          </a:prstGeom>
+        </p:spPr>
+      </p:pic>
+    </p:spTree>
+  </p:cSld>
+  <p:clrMapOvr>
+    <a:masterClrMapping/>
+  </p:clrMapOvr>
+</p:sld>
+</file>
+
+<file path=ppt/slides/slide136.xml><?xml version="1.0" encoding="utf-8"?>
+<p:sld xmlns:a="http://schemas.openxmlformats.org/drawingml/2006/main" xmlns:p="http://schemas.openxmlformats.org/presentationml/2006/main" xmlns:r="http://schemas.openxmlformats.org/officeDocument/2006/relationships">
+  <p:cSld>
+    <p:spTree>
+      <p:nvGrpSpPr>
+        <p:cNvPr id="1" name=""/>
+        <p:cNvGrpSpPr/>
+        <p:nvPr/>
+      </p:nvGrpSpPr>
+      <p:grpSpPr/>
+      <p:pic>
+        <p:nvPicPr>
+          <p:cNvPr id="2" name="Picture 1" descr="Layers.png"/>
+          <p:cNvPicPr>
+            <a:picLocks noChangeAspect="1"/>
+          </p:cNvPicPr>
+          <p:nvPr/>
+        </p:nvPicPr>
+        <p:blipFill>
+          <a:blip r:embed="rId2"/>
+          <a:stretch>
+            <a:fillRect/>
+          </a:stretch>
+        </p:blipFill>
+        <p:spPr>
+          <a:xfrm>
+            <a:off x="-1417320" y="-4572000"/>
+            <a:ext cx="11612880" cy="11612880"/>
+          </a:xfrm>
+          <a:prstGeom prst="rect">
+            <a:avLst/>
+          </a:prstGeom>
+        </p:spPr>
+      </p:pic>
+    </p:spTree>
+  </p:cSld>
+  <p:clrMapOvr>
+    <a:masterClrMapping/>
+  </p:clrMapOvr>
+</p:sld>
+</file>
+
+<file path=ppt/slides/slide137.xml><?xml version="1.0" encoding="utf-8"?>
+<p:sld xmlns:a="http://schemas.openxmlformats.org/drawingml/2006/main" xmlns:p="http://schemas.openxmlformats.org/presentationml/2006/main" xmlns:r="http://schemas.openxmlformats.org/officeDocument/2006/relationships">
+  <p:cSld>
+    <p:spTree>
+      <p:nvGrpSpPr>
+        <p:cNvPr id="1" name=""/>
+        <p:cNvGrpSpPr/>
+        <p:nvPr/>
+      </p:nvGrpSpPr>
+      <p:grpSpPr/>
+      <p:pic>
+        <p:nvPicPr>
+          <p:cNvPr id="2" name="Picture 1" descr="Layers.png"/>
+          <p:cNvPicPr>
+            <a:picLocks noChangeAspect="1"/>
+          </p:cNvPicPr>
+          <p:nvPr/>
+        </p:nvPicPr>
+        <p:blipFill>
+          <a:blip r:embed="rId2"/>
+          <a:stretch>
+            <a:fillRect/>
+          </a:stretch>
+        </p:blipFill>
+        <p:spPr>
+          <a:xfrm>
+            <a:off x="-1417320" y="-4572000"/>
+            <a:ext cx="11612880" cy="11612880"/>
+          </a:xfrm>
+          <a:prstGeom prst="rect">
+            <a:avLst/>
+          </a:prstGeom>
+        </p:spPr>
+      </p:pic>
+    </p:spTree>
+  </p:cSld>
+  <p:clrMapOvr>
+    <a:masterClrMapping/>
+  </p:clrMapOvr>
+</p:sld>
+</file>
+
+<file path=ppt/slides/slide138.xml><?xml version="1.0" encoding="utf-8"?>
+<p:sld xmlns:a="http://schemas.openxmlformats.org/drawingml/2006/main" xmlns:p="http://schemas.openxmlformats.org/presentationml/2006/main" xmlns:r="http://schemas.openxmlformats.org/officeDocument/2006/relationships">
+  <p:cSld>
+    <p:spTree>
+      <p:nvGrpSpPr>
+        <p:cNvPr id="1" name=""/>
+        <p:cNvGrpSpPr/>
+        <p:nvPr/>
+      </p:nvGrpSpPr>
+      <p:grpSpPr/>
+      <p:pic>
+        <p:nvPicPr>
+          <p:cNvPr id="2" name="Picture 1" descr="Layers.png"/>
+          <p:cNvPicPr>
+            <a:picLocks noChangeAspect="1"/>
+          </p:cNvPicPr>
+          <p:nvPr/>
+        </p:nvPicPr>
+        <p:blipFill>
+          <a:blip r:embed="rId2"/>
+          <a:stretch>
+            <a:fillRect/>
+          </a:stretch>
+        </p:blipFill>
+        <p:spPr>
+          <a:xfrm>
+            <a:off x="-1417320" y="-4572000"/>
+            <a:ext cx="11612880" cy="11612880"/>
+          </a:xfrm>
+          <a:prstGeom prst="rect">
+            <a:avLst/>
+          </a:prstGeom>
+        </p:spPr>
+      </p:pic>
+    </p:spTree>
+  </p:cSld>
+  <p:clrMapOvr>
+    <a:masterClrMapping/>
+  </p:clrMapOvr>
+</p:sld>
+</file>
+
+<file path=ppt/slides/slide139.xml><?xml version="1.0" encoding="utf-8"?>
+<p:sld xmlns:a="http://schemas.openxmlformats.org/drawingml/2006/main" xmlns:p="http://schemas.openxmlformats.org/presentationml/2006/main" xmlns:r="http://schemas.openxmlformats.org/officeDocument/2006/relationships">
+  <p:cSld>
+    <p:spTree>
+      <p:nvGrpSpPr>
+        <p:cNvPr id="1" name=""/>
+        <p:cNvGrpSpPr/>
+        <p:nvPr/>
+      </p:nvGrpSpPr>
+      <p:grpSpPr/>
+      <p:pic>
+        <p:nvPicPr>
+          <p:cNvPr id="2" name="Picture 1" descr="Layers.png"/>
+          <p:cNvPicPr>
+            <a:picLocks noChangeAspect="1"/>
+          </p:cNvPicPr>
+          <p:nvPr/>
+        </p:nvPicPr>
+        <p:blipFill>
+          <a:blip r:embed="rId2"/>
+          <a:stretch>
+            <a:fillRect/>
+          </a:stretch>
+        </p:blipFill>
+        <p:spPr>
+          <a:xfrm>
+            <a:off x="-1417320" y="-4572000"/>
+            <a:ext cx="11612880" cy="11612880"/>
+          </a:xfrm>
+          <a:prstGeom prst="rect">
+            <a:avLst/>
+          </a:prstGeom>
+        </p:spPr>
+      </p:pic>
+    </p:spTree>
+  </p:cSld>
+  <p:clrMapOvr>
+    <a:masterClrMapping/>
+  </p:clrMapOvr>
+</p:sld>
+</file>
+
 <file path=ppt/slides/slide14.xml><?xml version="1.0" encoding="utf-8"?>
 <p:sld xmlns:a="http://schemas.openxmlformats.org/drawingml/2006/main" xmlns:p="http://schemas.openxmlformats.org/presentationml/2006/main" xmlns:r="http://schemas.openxmlformats.org/officeDocument/2006/relationships">
   <p:cSld>
@@ -3343,6 +5201,2442 @@
 </p:sld>
 </file>
 
+<file path=ppt/slides/slide140.xml><?xml version="1.0" encoding="utf-8"?>
+<p:sld xmlns:a="http://schemas.openxmlformats.org/drawingml/2006/main" xmlns:p="http://schemas.openxmlformats.org/presentationml/2006/main" xmlns:r="http://schemas.openxmlformats.org/officeDocument/2006/relationships">
+  <p:cSld>
+    <p:spTree>
+      <p:nvGrpSpPr>
+        <p:cNvPr id="1" name=""/>
+        <p:cNvGrpSpPr/>
+        <p:nvPr/>
+      </p:nvGrpSpPr>
+      <p:grpSpPr/>
+      <p:pic>
+        <p:nvPicPr>
+          <p:cNvPr id="2" name="Picture 1" descr="Layers.png"/>
+          <p:cNvPicPr>
+            <a:picLocks noChangeAspect="1"/>
+          </p:cNvPicPr>
+          <p:nvPr/>
+        </p:nvPicPr>
+        <p:blipFill>
+          <a:blip r:embed="rId2"/>
+          <a:stretch>
+            <a:fillRect/>
+          </a:stretch>
+        </p:blipFill>
+        <p:spPr>
+          <a:xfrm>
+            <a:off x="-1417320" y="-4572000"/>
+            <a:ext cx="11612880" cy="11612880"/>
+          </a:xfrm>
+          <a:prstGeom prst="rect">
+            <a:avLst/>
+          </a:prstGeom>
+        </p:spPr>
+      </p:pic>
+    </p:spTree>
+  </p:cSld>
+  <p:clrMapOvr>
+    <a:masterClrMapping/>
+  </p:clrMapOvr>
+</p:sld>
+</file>
+
+<file path=ppt/slides/slide141.xml><?xml version="1.0" encoding="utf-8"?>
+<p:sld xmlns:a="http://schemas.openxmlformats.org/drawingml/2006/main" xmlns:p="http://schemas.openxmlformats.org/presentationml/2006/main" xmlns:r="http://schemas.openxmlformats.org/officeDocument/2006/relationships">
+  <p:cSld>
+    <p:spTree>
+      <p:nvGrpSpPr>
+        <p:cNvPr id="1" name=""/>
+        <p:cNvGrpSpPr/>
+        <p:nvPr/>
+      </p:nvGrpSpPr>
+      <p:grpSpPr/>
+      <p:pic>
+        <p:nvPicPr>
+          <p:cNvPr id="2" name="Picture 1" descr="Layers.png"/>
+          <p:cNvPicPr>
+            <a:picLocks noChangeAspect="1"/>
+          </p:cNvPicPr>
+          <p:nvPr/>
+        </p:nvPicPr>
+        <p:blipFill>
+          <a:blip r:embed="rId2"/>
+          <a:stretch>
+            <a:fillRect/>
+          </a:stretch>
+        </p:blipFill>
+        <p:spPr>
+          <a:xfrm>
+            <a:off x="-1417320" y="-4572000"/>
+            <a:ext cx="11612880" cy="11612880"/>
+          </a:xfrm>
+          <a:prstGeom prst="rect">
+            <a:avLst/>
+          </a:prstGeom>
+        </p:spPr>
+      </p:pic>
+    </p:spTree>
+  </p:cSld>
+  <p:clrMapOvr>
+    <a:masterClrMapping/>
+  </p:clrMapOvr>
+</p:sld>
+</file>
+
+<file path=ppt/slides/slide142.xml><?xml version="1.0" encoding="utf-8"?>
+<p:sld xmlns:a="http://schemas.openxmlformats.org/drawingml/2006/main" xmlns:p="http://schemas.openxmlformats.org/presentationml/2006/main" xmlns:r="http://schemas.openxmlformats.org/officeDocument/2006/relationships">
+  <p:cSld>
+    <p:spTree>
+      <p:nvGrpSpPr>
+        <p:cNvPr id="1" name=""/>
+        <p:cNvGrpSpPr/>
+        <p:nvPr/>
+      </p:nvGrpSpPr>
+      <p:grpSpPr/>
+      <p:pic>
+        <p:nvPicPr>
+          <p:cNvPr id="2" name="Picture 1" descr="Layers.png"/>
+          <p:cNvPicPr>
+            <a:picLocks noChangeAspect="1"/>
+          </p:cNvPicPr>
+          <p:nvPr/>
+        </p:nvPicPr>
+        <p:blipFill>
+          <a:blip r:embed="rId2"/>
+          <a:stretch>
+            <a:fillRect/>
+          </a:stretch>
+        </p:blipFill>
+        <p:spPr>
+          <a:xfrm>
+            <a:off x="-1417320" y="-4572000"/>
+            <a:ext cx="11612880" cy="11612880"/>
+          </a:xfrm>
+          <a:prstGeom prst="rect">
+            <a:avLst/>
+          </a:prstGeom>
+        </p:spPr>
+      </p:pic>
+    </p:spTree>
+  </p:cSld>
+  <p:clrMapOvr>
+    <a:masterClrMapping/>
+  </p:clrMapOvr>
+</p:sld>
+</file>
+
+<file path=ppt/slides/slide143.xml><?xml version="1.0" encoding="utf-8"?>
+<p:sld xmlns:a="http://schemas.openxmlformats.org/drawingml/2006/main" xmlns:p="http://schemas.openxmlformats.org/presentationml/2006/main" xmlns:r="http://schemas.openxmlformats.org/officeDocument/2006/relationships">
+  <p:cSld>
+    <p:spTree>
+      <p:nvGrpSpPr>
+        <p:cNvPr id="1" name=""/>
+        <p:cNvGrpSpPr/>
+        <p:nvPr/>
+      </p:nvGrpSpPr>
+      <p:grpSpPr/>
+      <p:pic>
+        <p:nvPicPr>
+          <p:cNvPr id="2" name="Picture 1" descr="Layers.png"/>
+          <p:cNvPicPr>
+            <a:picLocks noChangeAspect="1"/>
+          </p:cNvPicPr>
+          <p:nvPr/>
+        </p:nvPicPr>
+        <p:blipFill>
+          <a:blip r:embed="rId2"/>
+          <a:stretch>
+            <a:fillRect/>
+          </a:stretch>
+        </p:blipFill>
+        <p:spPr>
+          <a:xfrm>
+            <a:off x="-1417320" y="-4572000"/>
+            <a:ext cx="11612880" cy="11612880"/>
+          </a:xfrm>
+          <a:prstGeom prst="rect">
+            <a:avLst/>
+          </a:prstGeom>
+        </p:spPr>
+      </p:pic>
+    </p:spTree>
+  </p:cSld>
+  <p:clrMapOvr>
+    <a:masterClrMapping/>
+  </p:clrMapOvr>
+</p:sld>
+</file>
+
+<file path=ppt/slides/slide144.xml><?xml version="1.0" encoding="utf-8"?>
+<p:sld xmlns:a="http://schemas.openxmlformats.org/drawingml/2006/main" xmlns:p="http://schemas.openxmlformats.org/presentationml/2006/main" xmlns:r="http://schemas.openxmlformats.org/officeDocument/2006/relationships">
+  <p:cSld>
+    <p:spTree>
+      <p:nvGrpSpPr>
+        <p:cNvPr id="1" name=""/>
+        <p:cNvGrpSpPr/>
+        <p:nvPr/>
+      </p:nvGrpSpPr>
+      <p:grpSpPr/>
+      <p:pic>
+        <p:nvPicPr>
+          <p:cNvPr id="2" name="Picture 1" descr="Layers.png"/>
+          <p:cNvPicPr>
+            <a:picLocks noChangeAspect="1"/>
+          </p:cNvPicPr>
+          <p:nvPr/>
+        </p:nvPicPr>
+        <p:blipFill>
+          <a:blip r:embed="rId2"/>
+          <a:stretch>
+            <a:fillRect/>
+          </a:stretch>
+        </p:blipFill>
+        <p:spPr>
+          <a:xfrm>
+            <a:off x="-1417320" y="-4572000"/>
+            <a:ext cx="11612880" cy="11612880"/>
+          </a:xfrm>
+          <a:prstGeom prst="rect">
+            <a:avLst/>
+          </a:prstGeom>
+        </p:spPr>
+      </p:pic>
+    </p:spTree>
+  </p:cSld>
+  <p:clrMapOvr>
+    <a:masterClrMapping/>
+  </p:clrMapOvr>
+</p:sld>
+</file>
+
+<file path=ppt/slides/slide145.xml><?xml version="1.0" encoding="utf-8"?>
+<p:sld xmlns:a="http://schemas.openxmlformats.org/drawingml/2006/main" xmlns:p="http://schemas.openxmlformats.org/presentationml/2006/main" xmlns:r="http://schemas.openxmlformats.org/officeDocument/2006/relationships">
+  <p:cSld>
+    <p:spTree>
+      <p:nvGrpSpPr>
+        <p:cNvPr id="1" name=""/>
+        <p:cNvGrpSpPr/>
+        <p:nvPr/>
+      </p:nvGrpSpPr>
+      <p:grpSpPr/>
+      <p:pic>
+        <p:nvPicPr>
+          <p:cNvPr id="2" name="Picture 1" descr="Layers.png"/>
+          <p:cNvPicPr>
+            <a:picLocks noChangeAspect="1"/>
+          </p:cNvPicPr>
+          <p:nvPr/>
+        </p:nvPicPr>
+        <p:blipFill>
+          <a:blip r:embed="rId2"/>
+          <a:stretch>
+            <a:fillRect/>
+          </a:stretch>
+        </p:blipFill>
+        <p:spPr>
+          <a:xfrm>
+            <a:off x="-1417320" y="-4572000"/>
+            <a:ext cx="11612880" cy="11612880"/>
+          </a:xfrm>
+          <a:prstGeom prst="rect">
+            <a:avLst/>
+          </a:prstGeom>
+        </p:spPr>
+      </p:pic>
+    </p:spTree>
+  </p:cSld>
+  <p:clrMapOvr>
+    <a:masterClrMapping/>
+  </p:clrMapOvr>
+</p:sld>
+</file>
+
+<file path=ppt/slides/slide146.xml><?xml version="1.0" encoding="utf-8"?>
+<p:sld xmlns:a="http://schemas.openxmlformats.org/drawingml/2006/main" xmlns:p="http://schemas.openxmlformats.org/presentationml/2006/main" xmlns:r="http://schemas.openxmlformats.org/officeDocument/2006/relationships">
+  <p:cSld>
+    <p:spTree>
+      <p:nvGrpSpPr>
+        <p:cNvPr id="1" name=""/>
+        <p:cNvGrpSpPr/>
+        <p:nvPr/>
+      </p:nvGrpSpPr>
+      <p:grpSpPr/>
+      <p:pic>
+        <p:nvPicPr>
+          <p:cNvPr id="2" name="Picture 1" descr="Layers.png"/>
+          <p:cNvPicPr>
+            <a:picLocks noChangeAspect="1"/>
+          </p:cNvPicPr>
+          <p:nvPr/>
+        </p:nvPicPr>
+        <p:blipFill>
+          <a:blip r:embed="rId2"/>
+          <a:stretch>
+            <a:fillRect/>
+          </a:stretch>
+        </p:blipFill>
+        <p:spPr>
+          <a:xfrm>
+            <a:off x="-1417320" y="-4572000"/>
+            <a:ext cx="11612880" cy="11612880"/>
+          </a:xfrm>
+          <a:prstGeom prst="rect">
+            <a:avLst/>
+          </a:prstGeom>
+        </p:spPr>
+      </p:pic>
+    </p:spTree>
+  </p:cSld>
+  <p:clrMapOvr>
+    <a:masterClrMapping/>
+  </p:clrMapOvr>
+</p:sld>
+</file>
+
+<file path=ppt/slides/slide147.xml><?xml version="1.0" encoding="utf-8"?>
+<p:sld xmlns:a="http://schemas.openxmlformats.org/drawingml/2006/main" xmlns:p="http://schemas.openxmlformats.org/presentationml/2006/main" xmlns:r="http://schemas.openxmlformats.org/officeDocument/2006/relationships">
+  <p:cSld>
+    <p:spTree>
+      <p:nvGrpSpPr>
+        <p:cNvPr id="1" name=""/>
+        <p:cNvGrpSpPr/>
+        <p:nvPr/>
+      </p:nvGrpSpPr>
+      <p:grpSpPr/>
+      <p:pic>
+        <p:nvPicPr>
+          <p:cNvPr id="2" name="Picture 1" descr="Layers.png"/>
+          <p:cNvPicPr>
+            <a:picLocks noChangeAspect="1"/>
+          </p:cNvPicPr>
+          <p:nvPr/>
+        </p:nvPicPr>
+        <p:blipFill>
+          <a:blip r:embed="rId2"/>
+          <a:stretch>
+            <a:fillRect/>
+          </a:stretch>
+        </p:blipFill>
+        <p:spPr>
+          <a:xfrm>
+            <a:off x="-1417320" y="-4572000"/>
+            <a:ext cx="11612880" cy="11612880"/>
+          </a:xfrm>
+          <a:prstGeom prst="rect">
+            <a:avLst/>
+          </a:prstGeom>
+        </p:spPr>
+      </p:pic>
+    </p:spTree>
+  </p:cSld>
+  <p:clrMapOvr>
+    <a:masterClrMapping/>
+  </p:clrMapOvr>
+</p:sld>
+</file>
+
+<file path=ppt/slides/slide148.xml><?xml version="1.0" encoding="utf-8"?>
+<p:sld xmlns:a="http://schemas.openxmlformats.org/drawingml/2006/main" xmlns:p="http://schemas.openxmlformats.org/presentationml/2006/main" xmlns:r="http://schemas.openxmlformats.org/officeDocument/2006/relationships">
+  <p:cSld>
+    <p:spTree>
+      <p:nvGrpSpPr>
+        <p:cNvPr id="1" name=""/>
+        <p:cNvGrpSpPr/>
+        <p:nvPr/>
+      </p:nvGrpSpPr>
+      <p:grpSpPr/>
+      <p:pic>
+        <p:nvPicPr>
+          <p:cNvPr id="2" name="Picture 1" descr="Layers.png"/>
+          <p:cNvPicPr>
+            <a:picLocks noChangeAspect="1"/>
+          </p:cNvPicPr>
+          <p:nvPr/>
+        </p:nvPicPr>
+        <p:blipFill>
+          <a:blip r:embed="rId2"/>
+          <a:stretch>
+            <a:fillRect/>
+          </a:stretch>
+        </p:blipFill>
+        <p:spPr>
+          <a:xfrm>
+            <a:off x="-1417320" y="-4572000"/>
+            <a:ext cx="11612880" cy="11612880"/>
+          </a:xfrm>
+          <a:prstGeom prst="rect">
+            <a:avLst/>
+          </a:prstGeom>
+        </p:spPr>
+      </p:pic>
+    </p:spTree>
+  </p:cSld>
+  <p:clrMapOvr>
+    <a:masterClrMapping/>
+  </p:clrMapOvr>
+</p:sld>
+</file>
+
+<file path=ppt/slides/slide149.xml><?xml version="1.0" encoding="utf-8"?>
+<p:sld xmlns:a="http://schemas.openxmlformats.org/drawingml/2006/main" xmlns:p="http://schemas.openxmlformats.org/presentationml/2006/main" xmlns:r="http://schemas.openxmlformats.org/officeDocument/2006/relationships">
+  <p:cSld>
+    <p:spTree>
+      <p:nvGrpSpPr>
+        <p:cNvPr id="1" name=""/>
+        <p:cNvGrpSpPr/>
+        <p:nvPr/>
+      </p:nvGrpSpPr>
+      <p:grpSpPr/>
+      <p:pic>
+        <p:nvPicPr>
+          <p:cNvPr id="2" name="Picture 1" descr="Layers.png"/>
+          <p:cNvPicPr>
+            <a:picLocks noChangeAspect="1"/>
+          </p:cNvPicPr>
+          <p:nvPr/>
+        </p:nvPicPr>
+        <p:blipFill>
+          <a:blip r:embed="rId2"/>
+          <a:stretch>
+            <a:fillRect/>
+          </a:stretch>
+        </p:blipFill>
+        <p:spPr>
+          <a:xfrm>
+            <a:off x="-1417320" y="-4572000"/>
+            <a:ext cx="11612880" cy="11612880"/>
+          </a:xfrm>
+          <a:prstGeom prst="rect">
+            <a:avLst/>
+          </a:prstGeom>
+        </p:spPr>
+      </p:pic>
+    </p:spTree>
+  </p:cSld>
+  <p:clrMapOvr>
+    <a:masterClrMapping/>
+  </p:clrMapOvr>
+</p:sld>
+</file>
+
+<file path=ppt/slides/slide15.xml><?xml version="1.0" encoding="utf-8"?>
+<p:sld xmlns:a="http://schemas.openxmlformats.org/drawingml/2006/main" xmlns:p="http://schemas.openxmlformats.org/presentationml/2006/main" xmlns:r="http://schemas.openxmlformats.org/officeDocument/2006/relationships">
+  <p:cSld>
+    <p:spTree>
+      <p:nvGrpSpPr>
+        <p:cNvPr id="1" name=""/>
+        <p:cNvGrpSpPr/>
+        <p:nvPr/>
+      </p:nvGrpSpPr>
+      <p:grpSpPr/>
+      <p:pic>
+        <p:nvPicPr>
+          <p:cNvPr id="2" name="Picture 1" descr="Layers.png"/>
+          <p:cNvPicPr>
+            <a:picLocks noChangeAspect="1"/>
+          </p:cNvPicPr>
+          <p:nvPr/>
+        </p:nvPicPr>
+        <p:blipFill>
+          <a:blip r:embed="rId2"/>
+          <a:stretch>
+            <a:fillRect/>
+          </a:stretch>
+        </p:blipFill>
+        <p:spPr>
+          <a:xfrm>
+            <a:off x="-1417320" y="-4572000"/>
+            <a:ext cx="11612880" cy="11612880"/>
+          </a:xfrm>
+          <a:prstGeom prst="rect">
+            <a:avLst/>
+          </a:prstGeom>
+        </p:spPr>
+      </p:pic>
+    </p:spTree>
+  </p:cSld>
+  <p:clrMapOvr>
+    <a:masterClrMapping/>
+  </p:clrMapOvr>
+</p:sld>
+</file>
+
+<file path=ppt/slides/slide150.xml><?xml version="1.0" encoding="utf-8"?>
+<p:sld xmlns:a="http://schemas.openxmlformats.org/drawingml/2006/main" xmlns:p="http://schemas.openxmlformats.org/presentationml/2006/main" xmlns:r="http://schemas.openxmlformats.org/officeDocument/2006/relationships">
+  <p:cSld>
+    <p:spTree>
+      <p:nvGrpSpPr>
+        <p:cNvPr id="1" name=""/>
+        <p:cNvGrpSpPr/>
+        <p:nvPr/>
+      </p:nvGrpSpPr>
+      <p:grpSpPr/>
+      <p:pic>
+        <p:nvPicPr>
+          <p:cNvPr id="2" name="Picture 1" descr="Layers.png"/>
+          <p:cNvPicPr>
+            <a:picLocks noChangeAspect="1"/>
+          </p:cNvPicPr>
+          <p:nvPr/>
+        </p:nvPicPr>
+        <p:blipFill>
+          <a:blip r:embed="rId2"/>
+          <a:stretch>
+            <a:fillRect/>
+          </a:stretch>
+        </p:blipFill>
+        <p:spPr>
+          <a:xfrm>
+            <a:off x="-1417320" y="-4572000"/>
+            <a:ext cx="11612880" cy="11612880"/>
+          </a:xfrm>
+          <a:prstGeom prst="rect">
+            <a:avLst/>
+          </a:prstGeom>
+        </p:spPr>
+      </p:pic>
+    </p:spTree>
+  </p:cSld>
+  <p:clrMapOvr>
+    <a:masterClrMapping/>
+  </p:clrMapOvr>
+</p:sld>
+</file>
+
+<file path=ppt/slides/slide151.xml><?xml version="1.0" encoding="utf-8"?>
+<p:sld xmlns:a="http://schemas.openxmlformats.org/drawingml/2006/main" xmlns:p="http://schemas.openxmlformats.org/presentationml/2006/main" xmlns:r="http://schemas.openxmlformats.org/officeDocument/2006/relationships">
+  <p:cSld>
+    <p:spTree>
+      <p:nvGrpSpPr>
+        <p:cNvPr id="1" name=""/>
+        <p:cNvGrpSpPr/>
+        <p:nvPr/>
+      </p:nvGrpSpPr>
+      <p:grpSpPr/>
+      <p:pic>
+        <p:nvPicPr>
+          <p:cNvPr id="2" name="Picture 1" descr="Layers.png"/>
+          <p:cNvPicPr>
+            <a:picLocks noChangeAspect="1"/>
+          </p:cNvPicPr>
+          <p:nvPr/>
+        </p:nvPicPr>
+        <p:blipFill>
+          <a:blip r:embed="rId2"/>
+          <a:stretch>
+            <a:fillRect/>
+          </a:stretch>
+        </p:blipFill>
+        <p:spPr>
+          <a:xfrm>
+            <a:off x="-1417320" y="-4572000"/>
+            <a:ext cx="11612880" cy="11612880"/>
+          </a:xfrm>
+          <a:prstGeom prst="rect">
+            <a:avLst/>
+          </a:prstGeom>
+        </p:spPr>
+      </p:pic>
+    </p:spTree>
+  </p:cSld>
+  <p:clrMapOvr>
+    <a:masterClrMapping/>
+  </p:clrMapOvr>
+</p:sld>
+</file>
+
+<file path=ppt/slides/slide152.xml><?xml version="1.0" encoding="utf-8"?>
+<p:sld xmlns:a="http://schemas.openxmlformats.org/drawingml/2006/main" xmlns:p="http://schemas.openxmlformats.org/presentationml/2006/main" xmlns:r="http://schemas.openxmlformats.org/officeDocument/2006/relationships">
+  <p:cSld>
+    <p:spTree>
+      <p:nvGrpSpPr>
+        <p:cNvPr id="1" name=""/>
+        <p:cNvGrpSpPr/>
+        <p:nvPr/>
+      </p:nvGrpSpPr>
+      <p:grpSpPr/>
+      <p:pic>
+        <p:nvPicPr>
+          <p:cNvPr id="2" name="Picture 1" descr="Layers.png"/>
+          <p:cNvPicPr>
+            <a:picLocks noChangeAspect="1"/>
+          </p:cNvPicPr>
+          <p:nvPr/>
+        </p:nvPicPr>
+        <p:blipFill>
+          <a:blip r:embed="rId2"/>
+          <a:stretch>
+            <a:fillRect/>
+          </a:stretch>
+        </p:blipFill>
+        <p:spPr>
+          <a:xfrm>
+            <a:off x="-1417320" y="-4572000"/>
+            <a:ext cx="11612880" cy="11612880"/>
+          </a:xfrm>
+          <a:prstGeom prst="rect">
+            <a:avLst/>
+          </a:prstGeom>
+        </p:spPr>
+      </p:pic>
+    </p:spTree>
+  </p:cSld>
+  <p:clrMapOvr>
+    <a:masterClrMapping/>
+  </p:clrMapOvr>
+</p:sld>
+</file>
+
+<file path=ppt/slides/slide153.xml><?xml version="1.0" encoding="utf-8"?>
+<p:sld xmlns:a="http://schemas.openxmlformats.org/drawingml/2006/main" xmlns:p="http://schemas.openxmlformats.org/presentationml/2006/main" xmlns:r="http://schemas.openxmlformats.org/officeDocument/2006/relationships">
+  <p:cSld>
+    <p:spTree>
+      <p:nvGrpSpPr>
+        <p:cNvPr id="1" name=""/>
+        <p:cNvGrpSpPr/>
+        <p:nvPr/>
+      </p:nvGrpSpPr>
+      <p:grpSpPr/>
+      <p:pic>
+        <p:nvPicPr>
+          <p:cNvPr id="2" name="Picture 1" descr="Layers.png"/>
+          <p:cNvPicPr>
+            <a:picLocks noChangeAspect="1"/>
+          </p:cNvPicPr>
+          <p:nvPr/>
+        </p:nvPicPr>
+        <p:blipFill>
+          <a:blip r:embed="rId2"/>
+          <a:stretch>
+            <a:fillRect/>
+          </a:stretch>
+        </p:blipFill>
+        <p:spPr>
+          <a:xfrm>
+            <a:off x="-1417320" y="-4572000"/>
+            <a:ext cx="11612880" cy="11612880"/>
+          </a:xfrm>
+          <a:prstGeom prst="rect">
+            <a:avLst/>
+          </a:prstGeom>
+        </p:spPr>
+      </p:pic>
+    </p:spTree>
+  </p:cSld>
+  <p:clrMapOvr>
+    <a:masterClrMapping/>
+  </p:clrMapOvr>
+</p:sld>
+</file>
+
+<file path=ppt/slides/slide154.xml><?xml version="1.0" encoding="utf-8"?>
+<p:sld xmlns:a="http://schemas.openxmlformats.org/drawingml/2006/main" xmlns:p="http://schemas.openxmlformats.org/presentationml/2006/main" xmlns:r="http://schemas.openxmlformats.org/officeDocument/2006/relationships">
+  <p:cSld>
+    <p:spTree>
+      <p:nvGrpSpPr>
+        <p:cNvPr id="1" name=""/>
+        <p:cNvGrpSpPr/>
+        <p:nvPr/>
+      </p:nvGrpSpPr>
+      <p:grpSpPr/>
+      <p:pic>
+        <p:nvPicPr>
+          <p:cNvPr id="2" name="Picture 1" descr="Layers.png"/>
+          <p:cNvPicPr>
+            <a:picLocks noChangeAspect="1"/>
+          </p:cNvPicPr>
+          <p:nvPr/>
+        </p:nvPicPr>
+        <p:blipFill>
+          <a:blip r:embed="rId2"/>
+          <a:stretch>
+            <a:fillRect/>
+          </a:stretch>
+        </p:blipFill>
+        <p:spPr>
+          <a:xfrm>
+            <a:off x="-1417320" y="-4572000"/>
+            <a:ext cx="11612880" cy="11612880"/>
+          </a:xfrm>
+          <a:prstGeom prst="rect">
+            <a:avLst/>
+          </a:prstGeom>
+        </p:spPr>
+      </p:pic>
+    </p:spTree>
+  </p:cSld>
+  <p:clrMapOvr>
+    <a:masterClrMapping/>
+  </p:clrMapOvr>
+</p:sld>
+</file>
+
+<file path=ppt/slides/slide155.xml><?xml version="1.0" encoding="utf-8"?>
+<p:sld xmlns:a="http://schemas.openxmlformats.org/drawingml/2006/main" xmlns:p="http://schemas.openxmlformats.org/presentationml/2006/main" xmlns:r="http://schemas.openxmlformats.org/officeDocument/2006/relationships">
+  <p:cSld>
+    <p:spTree>
+      <p:nvGrpSpPr>
+        <p:cNvPr id="1" name=""/>
+        <p:cNvGrpSpPr/>
+        <p:nvPr/>
+      </p:nvGrpSpPr>
+      <p:grpSpPr/>
+      <p:pic>
+        <p:nvPicPr>
+          <p:cNvPr id="2" name="Picture 1" descr="Layers.png"/>
+          <p:cNvPicPr>
+            <a:picLocks noChangeAspect="1"/>
+          </p:cNvPicPr>
+          <p:nvPr/>
+        </p:nvPicPr>
+        <p:blipFill>
+          <a:blip r:embed="rId2"/>
+          <a:stretch>
+            <a:fillRect/>
+          </a:stretch>
+        </p:blipFill>
+        <p:spPr>
+          <a:xfrm>
+            <a:off x="-1417320" y="-4572000"/>
+            <a:ext cx="11612880" cy="11612880"/>
+          </a:xfrm>
+          <a:prstGeom prst="rect">
+            <a:avLst/>
+          </a:prstGeom>
+        </p:spPr>
+      </p:pic>
+    </p:spTree>
+  </p:cSld>
+  <p:clrMapOvr>
+    <a:masterClrMapping/>
+  </p:clrMapOvr>
+</p:sld>
+</file>
+
+<file path=ppt/slides/slide156.xml><?xml version="1.0" encoding="utf-8"?>
+<p:sld xmlns:a="http://schemas.openxmlformats.org/drawingml/2006/main" xmlns:p="http://schemas.openxmlformats.org/presentationml/2006/main" xmlns:r="http://schemas.openxmlformats.org/officeDocument/2006/relationships">
+  <p:cSld>
+    <p:spTree>
+      <p:nvGrpSpPr>
+        <p:cNvPr id="1" name=""/>
+        <p:cNvGrpSpPr/>
+        <p:nvPr/>
+      </p:nvGrpSpPr>
+      <p:grpSpPr/>
+      <p:pic>
+        <p:nvPicPr>
+          <p:cNvPr id="2" name="Picture 1" descr="Layers.png"/>
+          <p:cNvPicPr>
+            <a:picLocks noChangeAspect="1"/>
+          </p:cNvPicPr>
+          <p:nvPr/>
+        </p:nvPicPr>
+        <p:blipFill>
+          <a:blip r:embed="rId2"/>
+          <a:stretch>
+            <a:fillRect/>
+          </a:stretch>
+        </p:blipFill>
+        <p:spPr>
+          <a:xfrm>
+            <a:off x="-1417320" y="-4572000"/>
+            <a:ext cx="11612880" cy="11612880"/>
+          </a:xfrm>
+          <a:prstGeom prst="rect">
+            <a:avLst/>
+          </a:prstGeom>
+        </p:spPr>
+      </p:pic>
+    </p:spTree>
+  </p:cSld>
+  <p:clrMapOvr>
+    <a:masterClrMapping/>
+  </p:clrMapOvr>
+</p:sld>
+</file>
+
+<file path=ppt/slides/slide157.xml><?xml version="1.0" encoding="utf-8"?>
+<p:sld xmlns:a="http://schemas.openxmlformats.org/drawingml/2006/main" xmlns:p="http://schemas.openxmlformats.org/presentationml/2006/main" xmlns:r="http://schemas.openxmlformats.org/officeDocument/2006/relationships">
+  <p:cSld>
+    <p:spTree>
+      <p:nvGrpSpPr>
+        <p:cNvPr id="1" name=""/>
+        <p:cNvGrpSpPr/>
+        <p:nvPr/>
+      </p:nvGrpSpPr>
+      <p:grpSpPr/>
+      <p:pic>
+        <p:nvPicPr>
+          <p:cNvPr id="2" name="Picture 1" descr="Layers.png"/>
+          <p:cNvPicPr>
+            <a:picLocks noChangeAspect="1"/>
+          </p:cNvPicPr>
+          <p:nvPr/>
+        </p:nvPicPr>
+        <p:blipFill>
+          <a:blip r:embed="rId2"/>
+          <a:stretch>
+            <a:fillRect/>
+          </a:stretch>
+        </p:blipFill>
+        <p:spPr>
+          <a:xfrm>
+            <a:off x="-1417320" y="-4572000"/>
+            <a:ext cx="11612880" cy="11612880"/>
+          </a:xfrm>
+          <a:prstGeom prst="rect">
+            <a:avLst/>
+          </a:prstGeom>
+        </p:spPr>
+      </p:pic>
+    </p:spTree>
+  </p:cSld>
+  <p:clrMapOvr>
+    <a:masterClrMapping/>
+  </p:clrMapOvr>
+</p:sld>
+</file>
+
+<file path=ppt/slides/slide158.xml><?xml version="1.0" encoding="utf-8"?>
+<p:sld xmlns:a="http://schemas.openxmlformats.org/drawingml/2006/main" xmlns:p="http://schemas.openxmlformats.org/presentationml/2006/main" xmlns:r="http://schemas.openxmlformats.org/officeDocument/2006/relationships">
+  <p:cSld>
+    <p:spTree>
+      <p:nvGrpSpPr>
+        <p:cNvPr id="1" name=""/>
+        <p:cNvGrpSpPr/>
+        <p:nvPr/>
+      </p:nvGrpSpPr>
+      <p:grpSpPr/>
+      <p:pic>
+        <p:nvPicPr>
+          <p:cNvPr id="2" name="Picture 1" descr="Layers.png"/>
+          <p:cNvPicPr>
+            <a:picLocks noChangeAspect="1"/>
+          </p:cNvPicPr>
+          <p:nvPr/>
+        </p:nvPicPr>
+        <p:blipFill>
+          <a:blip r:embed="rId2"/>
+          <a:stretch>
+            <a:fillRect/>
+          </a:stretch>
+        </p:blipFill>
+        <p:spPr>
+          <a:xfrm>
+            <a:off x="-1417320" y="-4572000"/>
+            <a:ext cx="11612880" cy="11612880"/>
+          </a:xfrm>
+          <a:prstGeom prst="rect">
+            <a:avLst/>
+          </a:prstGeom>
+        </p:spPr>
+      </p:pic>
+    </p:spTree>
+  </p:cSld>
+  <p:clrMapOvr>
+    <a:masterClrMapping/>
+  </p:clrMapOvr>
+</p:sld>
+</file>
+
+<file path=ppt/slides/slide159.xml><?xml version="1.0" encoding="utf-8"?>
+<p:sld xmlns:a="http://schemas.openxmlformats.org/drawingml/2006/main" xmlns:p="http://schemas.openxmlformats.org/presentationml/2006/main" xmlns:r="http://schemas.openxmlformats.org/officeDocument/2006/relationships">
+  <p:cSld>
+    <p:spTree>
+      <p:nvGrpSpPr>
+        <p:cNvPr id="1" name=""/>
+        <p:cNvGrpSpPr/>
+        <p:nvPr/>
+      </p:nvGrpSpPr>
+      <p:grpSpPr/>
+      <p:pic>
+        <p:nvPicPr>
+          <p:cNvPr id="2" name="Picture 1" descr="Layers.png"/>
+          <p:cNvPicPr>
+            <a:picLocks noChangeAspect="1"/>
+          </p:cNvPicPr>
+          <p:nvPr/>
+        </p:nvPicPr>
+        <p:blipFill>
+          <a:blip r:embed="rId2"/>
+          <a:stretch>
+            <a:fillRect/>
+          </a:stretch>
+        </p:blipFill>
+        <p:spPr>
+          <a:xfrm>
+            <a:off x="-1417320" y="-4572000"/>
+            <a:ext cx="11612880" cy="11612880"/>
+          </a:xfrm>
+          <a:prstGeom prst="rect">
+            <a:avLst/>
+          </a:prstGeom>
+        </p:spPr>
+      </p:pic>
+    </p:spTree>
+  </p:cSld>
+  <p:clrMapOvr>
+    <a:masterClrMapping/>
+  </p:clrMapOvr>
+</p:sld>
+</file>
+
+<file path=ppt/slides/slide16.xml><?xml version="1.0" encoding="utf-8"?>
+<p:sld xmlns:a="http://schemas.openxmlformats.org/drawingml/2006/main" xmlns:p="http://schemas.openxmlformats.org/presentationml/2006/main" xmlns:r="http://schemas.openxmlformats.org/officeDocument/2006/relationships">
+  <p:cSld>
+    <p:spTree>
+      <p:nvGrpSpPr>
+        <p:cNvPr id="1" name=""/>
+        <p:cNvGrpSpPr/>
+        <p:nvPr/>
+      </p:nvGrpSpPr>
+      <p:grpSpPr/>
+      <p:pic>
+        <p:nvPicPr>
+          <p:cNvPr id="2" name="Picture 1" descr="Layers.png"/>
+          <p:cNvPicPr>
+            <a:picLocks noChangeAspect="1"/>
+          </p:cNvPicPr>
+          <p:nvPr/>
+        </p:nvPicPr>
+        <p:blipFill>
+          <a:blip r:embed="rId2"/>
+          <a:stretch>
+            <a:fillRect/>
+          </a:stretch>
+        </p:blipFill>
+        <p:spPr>
+          <a:xfrm>
+            <a:off x="-1417320" y="-4572000"/>
+            <a:ext cx="11612880" cy="11612880"/>
+          </a:xfrm>
+          <a:prstGeom prst="rect">
+            <a:avLst/>
+          </a:prstGeom>
+        </p:spPr>
+      </p:pic>
+    </p:spTree>
+  </p:cSld>
+  <p:clrMapOvr>
+    <a:masterClrMapping/>
+  </p:clrMapOvr>
+</p:sld>
+</file>
+
+<file path=ppt/slides/slide160.xml><?xml version="1.0" encoding="utf-8"?>
+<p:sld xmlns:a="http://schemas.openxmlformats.org/drawingml/2006/main" xmlns:p="http://schemas.openxmlformats.org/presentationml/2006/main" xmlns:r="http://schemas.openxmlformats.org/officeDocument/2006/relationships">
+  <p:cSld>
+    <p:spTree>
+      <p:nvGrpSpPr>
+        <p:cNvPr id="1" name=""/>
+        <p:cNvGrpSpPr/>
+        <p:nvPr/>
+      </p:nvGrpSpPr>
+      <p:grpSpPr/>
+      <p:pic>
+        <p:nvPicPr>
+          <p:cNvPr id="2" name="Picture 1" descr="Layers.png"/>
+          <p:cNvPicPr>
+            <a:picLocks noChangeAspect="1"/>
+          </p:cNvPicPr>
+          <p:nvPr/>
+        </p:nvPicPr>
+        <p:blipFill>
+          <a:blip r:embed="rId2"/>
+          <a:stretch>
+            <a:fillRect/>
+          </a:stretch>
+        </p:blipFill>
+        <p:spPr>
+          <a:xfrm>
+            <a:off x="-1417320" y="-4572000"/>
+            <a:ext cx="11612880" cy="11612880"/>
+          </a:xfrm>
+          <a:prstGeom prst="rect">
+            <a:avLst/>
+          </a:prstGeom>
+        </p:spPr>
+      </p:pic>
+    </p:spTree>
+  </p:cSld>
+  <p:clrMapOvr>
+    <a:masterClrMapping/>
+  </p:clrMapOvr>
+</p:sld>
+</file>
+
+<file path=ppt/slides/slide161.xml><?xml version="1.0" encoding="utf-8"?>
+<p:sld xmlns:a="http://schemas.openxmlformats.org/drawingml/2006/main" xmlns:p="http://schemas.openxmlformats.org/presentationml/2006/main" xmlns:r="http://schemas.openxmlformats.org/officeDocument/2006/relationships">
+  <p:cSld>
+    <p:spTree>
+      <p:nvGrpSpPr>
+        <p:cNvPr id="1" name=""/>
+        <p:cNvGrpSpPr/>
+        <p:nvPr/>
+      </p:nvGrpSpPr>
+      <p:grpSpPr/>
+      <p:pic>
+        <p:nvPicPr>
+          <p:cNvPr id="2" name="Picture 1" descr="Layers.png"/>
+          <p:cNvPicPr>
+            <a:picLocks noChangeAspect="1"/>
+          </p:cNvPicPr>
+          <p:nvPr/>
+        </p:nvPicPr>
+        <p:blipFill>
+          <a:blip r:embed="rId2"/>
+          <a:stretch>
+            <a:fillRect/>
+          </a:stretch>
+        </p:blipFill>
+        <p:spPr>
+          <a:xfrm>
+            <a:off x="-1417320" y="-4572000"/>
+            <a:ext cx="11612880" cy="11612880"/>
+          </a:xfrm>
+          <a:prstGeom prst="rect">
+            <a:avLst/>
+          </a:prstGeom>
+        </p:spPr>
+      </p:pic>
+    </p:spTree>
+  </p:cSld>
+  <p:clrMapOvr>
+    <a:masterClrMapping/>
+  </p:clrMapOvr>
+</p:sld>
+</file>
+
+<file path=ppt/slides/slide162.xml><?xml version="1.0" encoding="utf-8"?>
+<p:sld xmlns:a="http://schemas.openxmlformats.org/drawingml/2006/main" xmlns:p="http://schemas.openxmlformats.org/presentationml/2006/main" xmlns:r="http://schemas.openxmlformats.org/officeDocument/2006/relationships">
+  <p:cSld>
+    <p:spTree>
+      <p:nvGrpSpPr>
+        <p:cNvPr id="1" name=""/>
+        <p:cNvGrpSpPr/>
+        <p:nvPr/>
+      </p:nvGrpSpPr>
+      <p:grpSpPr/>
+      <p:pic>
+        <p:nvPicPr>
+          <p:cNvPr id="2" name="Picture 1" descr="Layers.png"/>
+          <p:cNvPicPr>
+            <a:picLocks noChangeAspect="1"/>
+          </p:cNvPicPr>
+          <p:nvPr/>
+        </p:nvPicPr>
+        <p:blipFill>
+          <a:blip r:embed="rId2"/>
+          <a:stretch>
+            <a:fillRect/>
+          </a:stretch>
+        </p:blipFill>
+        <p:spPr>
+          <a:xfrm>
+            <a:off x="-1417320" y="-4572000"/>
+            <a:ext cx="11612880" cy="11612880"/>
+          </a:xfrm>
+          <a:prstGeom prst="rect">
+            <a:avLst/>
+          </a:prstGeom>
+        </p:spPr>
+      </p:pic>
+    </p:spTree>
+  </p:cSld>
+  <p:clrMapOvr>
+    <a:masterClrMapping/>
+  </p:clrMapOvr>
+</p:sld>
+</file>
+
+<file path=ppt/slides/slide163.xml><?xml version="1.0" encoding="utf-8"?>
+<p:sld xmlns:a="http://schemas.openxmlformats.org/drawingml/2006/main" xmlns:p="http://schemas.openxmlformats.org/presentationml/2006/main" xmlns:r="http://schemas.openxmlformats.org/officeDocument/2006/relationships">
+  <p:cSld>
+    <p:spTree>
+      <p:nvGrpSpPr>
+        <p:cNvPr id="1" name=""/>
+        <p:cNvGrpSpPr/>
+        <p:nvPr/>
+      </p:nvGrpSpPr>
+      <p:grpSpPr/>
+      <p:pic>
+        <p:nvPicPr>
+          <p:cNvPr id="2" name="Picture 1" descr="Layers.png"/>
+          <p:cNvPicPr>
+            <a:picLocks noChangeAspect="1"/>
+          </p:cNvPicPr>
+          <p:nvPr/>
+        </p:nvPicPr>
+        <p:blipFill>
+          <a:blip r:embed="rId2"/>
+          <a:stretch>
+            <a:fillRect/>
+          </a:stretch>
+        </p:blipFill>
+        <p:spPr>
+          <a:xfrm>
+            <a:off x="-1417320" y="-4572000"/>
+            <a:ext cx="11612880" cy="11612880"/>
+          </a:xfrm>
+          <a:prstGeom prst="rect">
+            <a:avLst/>
+          </a:prstGeom>
+        </p:spPr>
+      </p:pic>
+    </p:spTree>
+  </p:cSld>
+  <p:clrMapOvr>
+    <a:masterClrMapping/>
+  </p:clrMapOvr>
+</p:sld>
+</file>
+
+<file path=ppt/slides/slide164.xml><?xml version="1.0" encoding="utf-8"?>
+<p:sld xmlns:a="http://schemas.openxmlformats.org/drawingml/2006/main" xmlns:p="http://schemas.openxmlformats.org/presentationml/2006/main" xmlns:r="http://schemas.openxmlformats.org/officeDocument/2006/relationships">
+  <p:cSld>
+    <p:spTree>
+      <p:nvGrpSpPr>
+        <p:cNvPr id="1" name=""/>
+        <p:cNvGrpSpPr/>
+        <p:nvPr/>
+      </p:nvGrpSpPr>
+      <p:grpSpPr/>
+      <p:pic>
+        <p:nvPicPr>
+          <p:cNvPr id="2" name="Picture 1" descr="Layers.png"/>
+          <p:cNvPicPr>
+            <a:picLocks noChangeAspect="1"/>
+          </p:cNvPicPr>
+          <p:nvPr/>
+        </p:nvPicPr>
+        <p:blipFill>
+          <a:blip r:embed="rId2"/>
+          <a:stretch>
+            <a:fillRect/>
+          </a:stretch>
+        </p:blipFill>
+        <p:spPr>
+          <a:xfrm>
+            <a:off x="-1417320" y="-4572000"/>
+            <a:ext cx="11612880" cy="11612880"/>
+          </a:xfrm>
+          <a:prstGeom prst="rect">
+            <a:avLst/>
+          </a:prstGeom>
+        </p:spPr>
+      </p:pic>
+    </p:spTree>
+  </p:cSld>
+  <p:clrMapOvr>
+    <a:masterClrMapping/>
+  </p:clrMapOvr>
+</p:sld>
+</file>
+
+<file path=ppt/slides/slide165.xml><?xml version="1.0" encoding="utf-8"?>
+<p:sld xmlns:a="http://schemas.openxmlformats.org/drawingml/2006/main" xmlns:p="http://schemas.openxmlformats.org/presentationml/2006/main" xmlns:r="http://schemas.openxmlformats.org/officeDocument/2006/relationships">
+  <p:cSld>
+    <p:spTree>
+      <p:nvGrpSpPr>
+        <p:cNvPr id="1" name=""/>
+        <p:cNvGrpSpPr/>
+        <p:nvPr/>
+      </p:nvGrpSpPr>
+      <p:grpSpPr/>
+      <p:pic>
+        <p:nvPicPr>
+          <p:cNvPr id="2" name="Picture 1" descr="Layers.png"/>
+          <p:cNvPicPr>
+            <a:picLocks noChangeAspect="1"/>
+          </p:cNvPicPr>
+          <p:nvPr/>
+        </p:nvPicPr>
+        <p:blipFill>
+          <a:blip r:embed="rId2"/>
+          <a:stretch>
+            <a:fillRect/>
+          </a:stretch>
+        </p:blipFill>
+        <p:spPr>
+          <a:xfrm>
+            <a:off x="-1417320" y="-4572000"/>
+            <a:ext cx="11612880" cy="11612880"/>
+          </a:xfrm>
+          <a:prstGeom prst="rect">
+            <a:avLst/>
+          </a:prstGeom>
+        </p:spPr>
+      </p:pic>
+    </p:spTree>
+  </p:cSld>
+  <p:clrMapOvr>
+    <a:masterClrMapping/>
+  </p:clrMapOvr>
+</p:sld>
+</file>
+
+<file path=ppt/slides/slide166.xml><?xml version="1.0" encoding="utf-8"?>
+<p:sld xmlns:a="http://schemas.openxmlformats.org/drawingml/2006/main" xmlns:p="http://schemas.openxmlformats.org/presentationml/2006/main" xmlns:r="http://schemas.openxmlformats.org/officeDocument/2006/relationships">
+  <p:cSld>
+    <p:spTree>
+      <p:nvGrpSpPr>
+        <p:cNvPr id="1" name=""/>
+        <p:cNvGrpSpPr/>
+        <p:nvPr/>
+      </p:nvGrpSpPr>
+      <p:grpSpPr/>
+      <p:pic>
+        <p:nvPicPr>
+          <p:cNvPr id="2" name="Picture 1" descr="Layers.png"/>
+          <p:cNvPicPr>
+            <a:picLocks noChangeAspect="1"/>
+          </p:cNvPicPr>
+          <p:nvPr/>
+        </p:nvPicPr>
+        <p:blipFill>
+          <a:blip r:embed="rId2"/>
+          <a:stretch>
+            <a:fillRect/>
+          </a:stretch>
+        </p:blipFill>
+        <p:spPr>
+          <a:xfrm>
+            <a:off x="-1417320" y="-4572000"/>
+            <a:ext cx="11612880" cy="11612880"/>
+          </a:xfrm>
+          <a:prstGeom prst="rect">
+            <a:avLst/>
+          </a:prstGeom>
+        </p:spPr>
+      </p:pic>
+    </p:spTree>
+  </p:cSld>
+  <p:clrMapOvr>
+    <a:masterClrMapping/>
+  </p:clrMapOvr>
+</p:sld>
+</file>
+
+<file path=ppt/slides/slide167.xml><?xml version="1.0" encoding="utf-8"?>
+<p:sld xmlns:a="http://schemas.openxmlformats.org/drawingml/2006/main" xmlns:p="http://schemas.openxmlformats.org/presentationml/2006/main" xmlns:r="http://schemas.openxmlformats.org/officeDocument/2006/relationships">
+  <p:cSld>
+    <p:spTree>
+      <p:nvGrpSpPr>
+        <p:cNvPr id="1" name=""/>
+        <p:cNvGrpSpPr/>
+        <p:nvPr/>
+      </p:nvGrpSpPr>
+      <p:grpSpPr/>
+      <p:pic>
+        <p:nvPicPr>
+          <p:cNvPr id="2" name="Picture 1" descr="Layers.png"/>
+          <p:cNvPicPr>
+            <a:picLocks noChangeAspect="1"/>
+          </p:cNvPicPr>
+          <p:nvPr/>
+        </p:nvPicPr>
+        <p:blipFill>
+          <a:blip r:embed="rId2"/>
+          <a:stretch>
+            <a:fillRect/>
+          </a:stretch>
+        </p:blipFill>
+        <p:spPr>
+          <a:xfrm>
+            <a:off x="-1417320" y="-4572000"/>
+            <a:ext cx="11612880" cy="11612880"/>
+          </a:xfrm>
+          <a:prstGeom prst="rect">
+            <a:avLst/>
+          </a:prstGeom>
+        </p:spPr>
+      </p:pic>
+    </p:spTree>
+  </p:cSld>
+  <p:clrMapOvr>
+    <a:masterClrMapping/>
+  </p:clrMapOvr>
+</p:sld>
+</file>
+
+<file path=ppt/slides/slide168.xml><?xml version="1.0" encoding="utf-8"?>
+<p:sld xmlns:a="http://schemas.openxmlformats.org/drawingml/2006/main" xmlns:p="http://schemas.openxmlformats.org/presentationml/2006/main" xmlns:r="http://schemas.openxmlformats.org/officeDocument/2006/relationships">
+  <p:cSld>
+    <p:spTree>
+      <p:nvGrpSpPr>
+        <p:cNvPr id="1" name=""/>
+        <p:cNvGrpSpPr/>
+        <p:nvPr/>
+      </p:nvGrpSpPr>
+      <p:grpSpPr/>
+      <p:pic>
+        <p:nvPicPr>
+          <p:cNvPr id="2" name="Picture 1" descr="Layers.png"/>
+          <p:cNvPicPr>
+            <a:picLocks noChangeAspect="1"/>
+          </p:cNvPicPr>
+          <p:nvPr/>
+        </p:nvPicPr>
+        <p:blipFill>
+          <a:blip r:embed="rId2"/>
+          <a:stretch>
+            <a:fillRect/>
+          </a:stretch>
+        </p:blipFill>
+        <p:spPr>
+          <a:xfrm>
+            <a:off x="-1417320" y="-4572000"/>
+            <a:ext cx="11612880" cy="11612880"/>
+          </a:xfrm>
+          <a:prstGeom prst="rect">
+            <a:avLst/>
+          </a:prstGeom>
+        </p:spPr>
+      </p:pic>
+    </p:spTree>
+  </p:cSld>
+  <p:clrMapOvr>
+    <a:masterClrMapping/>
+  </p:clrMapOvr>
+</p:sld>
+</file>
+
+<file path=ppt/slides/slide169.xml><?xml version="1.0" encoding="utf-8"?>
+<p:sld xmlns:a="http://schemas.openxmlformats.org/drawingml/2006/main" xmlns:p="http://schemas.openxmlformats.org/presentationml/2006/main" xmlns:r="http://schemas.openxmlformats.org/officeDocument/2006/relationships">
+  <p:cSld>
+    <p:spTree>
+      <p:nvGrpSpPr>
+        <p:cNvPr id="1" name=""/>
+        <p:cNvGrpSpPr/>
+        <p:nvPr/>
+      </p:nvGrpSpPr>
+      <p:grpSpPr/>
+      <p:pic>
+        <p:nvPicPr>
+          <p:cNvPr id="2" name="Picture 1" descr="Layers.png"/>
+          <p:cNvPicPr>
+            <a:picLocks noChangeAspect="1"/>
+          </p:cNvPicPr>
+          <p:nvPr/>
+        </p:nvPicPr>
+        <p:blipFill>
+          <a:blip r:embed="rId2"/>
+          <a:stretch>
+            <a:fillRect/>
+          </a:stretch>
+        </p:blipFill>
+        <p:spPr>
+          <a:xfrm>
+            <a:off x="-1417320" y="-4572000"/>
+            <a:ext cx="11612880" cy="11612880"/>
+          </a:xfrm>
+          <a:prstGeom prst="rect">
+            <a:avLst/>
+          </a:prstGeom>
+        </p:spPr>
+      </p:pic>
+    </p:spTree>
+  </p:cSld>
+  <p:clrMapOvr>
+    <a:masterClrMapping/>
+  </p:clrMapOvr>
+</p:sld>
+</file>
+
+<file path=ppt/slides/slide17.xml><?xml version="1.0" encoding="utf-8"?>
+<p:sld xmlns:a="http://schemas.openxmlformats.org/drawingml/2006/main" xmlns:p="http://schemas.openxmlformats.org/presentationml/2006/main" xmlns:r="http://schemas.openxmlformats.org/officeDocument/2006/relationships">
+  <p:cSld>
+    <p:spTree>
+      <p:nvGrpSpPr>
+        <p:cNvPr id="1" name=""/>
+        <p:cNvGrpSpPr/>
+        <p:nvPr/>
+      </p:nvGrpSpPr>
+      <p:grpSpPr/>
+      <p:pic>
+        <p:nvPicPr>
+          <p:cNvPr id="2" name="Picture 1" descr="Layers.png"/>
+          <p:cNvPicPr>
+            <a:picLocks noChangeAspect="1"/>
+          </p:cNvPicPr>
+          <p:nvPr/>
+        </p:nvPicPr>
+        <p:blipFill>
+          <a:blip r:embed="rId2"/>
+          <a:stretch>
+            <a:fillRect/>
+          </a:stretch>
+        </p:blipFill>
+        <p:spPr>
+          <a:xfrm>
+            <a:off x="-1417320" y="-4572000"/>
+            <a:ext cx="11612880" cy="11612880"/>
+          </a:xfrm>
+          <a:prstGeom prst="rect">
+            <a:avLst/>
+          </a:prstGeom>
+        </p:spPr>
+      </p:pic>
+    </p:spTree>
+  </p:cSld>
+  <p:clrMapOvr>
+    <a:masterClrMapping/>
+  </p:clrMapOvr>
+</p:sld>
+</file>
+
+<file path=ppt/slides/slide170.xml><?xml version="1.0" encoding="utf-8"?>
+<p:sld xmlns:a="http://schemas.openxmlformats.org/drawingml/2006/main" xmlns:p="http://schemas.openxmlformats.org/presentationml/2006/main" xmlns:r="http://schemas.openxmlformats.org/officeDocument/2006/relationships">
+  <p:cSld>
+    <p:spTree>
+      <p:nvGrpSpPr>
+        <p:cNvPr id="1" name=""/>
+        <p:cNvGrpSpPr/>
+        <p:nvPr/>
+      </p:nvGrpSpPr>
+      <p:grpSpPr/>
+      <p:pic>
+        <p:nvPicPr>
+          <p:cNvPr id="2" name="Picture 1" descr="Layers.png"/>
+          <p:cNvPicPr>
+            <a:picLocks noChangeAspect="1"/>
+          </p:cNvPicPr>
+          <p:nvPr/>
+        </p:nvPicPr>
+        <p:blipFill>
+          <a:blip r:embed="rId2"/>
+          <a:stretch>
+            <a:fillRect/>
+          </a:stretch>
+        </p:blipFill>
+        <p:spPr>
+          <a:xfrm>
+            <a:off x="-1417320" y="-4572000"/>
+            <a:ext cx="11612880" cy="11612880"/>
+          </a:xfrm>
+          <a:prstGeom prst="rect">
+            <a:avLst/>
+          </a:prstGeom>
+        </p:spPr>
+      </p:pic>
+    </p:spTree>
+  </p:cSld>
+  <p:clrMapOvr>
+    <a:masterClrMapping/>
+  </p:clrMapOvr>
+</p:sld>
+</file>
+
+<file path=ppt/slides/slide171.xml><?xml version="1.0" encoding="utf-8"?>
+<p:sld xmlns:a="http://schemas.openxmlformats.org/drawingml/2006/main" xmlns:p="http://schemas.openxmlformats.org/presentationml/2006/main" xmlns:r="http://schemas.openxmlformats.org/officeDocument/2006/relationships">
+  <p:cSld>
+    <p:spTree>
+      <p:nvGrpSpPr>
+        <p:cNvPr id="1" name=""/>
+        <p:cNvGrpSpPr/>
+        <p:nvPr/>
+      </p:nvGrpSpPr>
+      <p:grpSpPr/>
+      <p:pic>
+        <p:nvPicPr>
+          <p:cNvPr id="2" name="Picture 1" descr="Layers.png"/>
+          <p:cNvPicPr>
+            <a:picLocks noChangeAspect="1"/>
+          </p:cNvPicPr>
+          <p:nvPr/>
+        </p:nvPicPr>
+        <p:blipFill>
+          <a:blip r:embed="rId2"/>
+          <a:stretch>
+            <a:fillRect/>
+          </a:stretch>
+        </p:blipFill>
+        <p:spPr>
+          <a:xfrm>
+            <a:off x="-1417320" y="-4572000"/>
+            <a:ext cx="11612880" cy="11612880"/>
+          </a:xfrm>
+          <a:prstGeom prst="rect">
+            <a:avLst/>
+          </a:prstGeom>
+        </p:spPr>
+      </p:pic>
+    </p:spTree>
+  </p:cSld>
+  <p:clrMapOvr>
+    <a:masterClrMapping/>
+  </p:clrMapOvr>
+</p:sld>
+</file>
+
+<file path=ppt/slides/slide172.xml><?xml version="1.0" encoding="utf-8"?>
+<p:sld xmlns:a="http://schemas.openxmlformats.org/drawingml/2006/main" xmlns:p="http://schemas.openxmlformats.org/presentationml/2006/main" xmlns:r="http://schemas.openxmlformats.org/officeDocument/2006/relationships">
+  <p:cSld>
+    <p:spTree>
+      <p:nvGrpSpPr>
+        <p:cNvPr id="1" name=""/>
+        <p:cNvGrpSpPr/>
+        <p:nvPr/>
+      </p:nvGrpSpPr>
+      <p:grpSpPr/>
+      <p:pic>
+        <p:nvPicPr>
+          <p:cNvPr id="2" name="Picture 1" descr="Layers.png"/>
+          <p:cNvPicPr>
+            <a:picLocks noChangeAspect="1"/>
+          </p:cNvPicPr>
+          <p:nvPr/>
+        </p:nvPicPr>
+        <p:blipFill>
+          <a:blip r:embed="rId2"/>
+          <a:stretch>
+            <a:fillRect/>
+          </a:stretch>
+        </p:blipFill>
+        <p:spPr>
+          <a:xfrm>
+            <a:off x="-1417320" y="-4572000"/>
+            <a:ext cx="11612880" cy="11612880"/>
+          </a:xfrm>
+          <a:prstGeom prst="rect">
+            <a:avLst/>
+          </a:prstGeom>
+        </p:spPr>
+      </p:pic>
+    </p:spTree>
+  </p:cSld>
+  <p:clrMapOvr>
+    <a:masterClrMapping/>
+  </p:clrMapOvr>
+</p:sld>
+</file>
+
+<file path=ppt/slides/slide173.xml><?xml version="1.0" encoding="utf-8"?>
+<p:sld xmlns:a="http://schemas.openxmlformats.org/drawingml/2006/main" xmlns:p="http://schemas.openxmlformats.org/presentationml/2006/main" xmlns:r="http://schemas.openxmlformats.org/officeDocument/2006/relationships">
+  <p:cSld>
+    <p:spTree>
+      <p:nvGrpSpPr>
+        <p:cNvPr id="1" name=""/>
+        <p:cNvGrpSpPr/>
+        <p:nvPr/>
+      </p:nvGrpSpPr>
+      <p:grpSpPr/>
+      <p:pic>
+        <p:nvPicPr>
+          <p:cNvPr id="2" name="Picture 1" descr="Layers.png"/>
+          <p:cNvPicPr>
+            <a:picLocks noChangeAspect="1"/>
+          </p:cNvPicPr>
+          <p:nvPr/>
+        </p:nvPicPr>
+        <p:blipFill>
+          <a:blip r:embed="rId2"/>
+          <a:stretch>
+            <a:fillRect/>
+          </a:stretch>
+        </p:blipFill>
+        <p:spPr>
+          <a:xfrm>
+            <a:off x="-1417320" y="-4572000"/>
+            <a:ext cx="11612880" cy="11612880"/>
+          </a:xfrm>
+          <a:prstGeom prst="rect">
+            <a:avLst/>
+          </a:prstGeom>
+        </p:spPr>
+      </p:pic>
+    </p:spTree>
+  </p:cSld>
+  <p:clrMapOvr>
+    <a:masterClrMapping/>
+  </p:clrMapOvr>
+</p:sld>
+</file>
+
+<file path=ppt/slides/slide174.xml><?xml version="1.0" encoding="utf-8"?>
+<p:sld xmlns:a="http://schemas.openxmlformats.org/drawingml/2006/main" xmlns:p="http://schemas.openxmlformats.org/presentationml/2006/main" xmlns:r="http://schemas.openxmlformats.org/officeDocument/2006/relationships">
+  <p:cSld>
+    <p:spTree>
+      <p:nvGrpSpPr>
+        <p:cNvPr id="1" name=""/>
+        <p:cNvGrpSpPr/>
+        <p:nvPr/>
+      </p:nvGrpSpPr>
+      <p:grpSpPr/>
+      <p:pic>
+        <p:nvPicPr>
+          <p:cNvPr id="2" name="Picture 1" descr="Layers.png"/>
+          <p:cNvPicPr>
+            <a:picLocks noChangeAspect="1"/>
+          </p:cNvPicPr>
+          <p:nvPr/>
+        </p:nvPicPr>
+        <p:blipFill>
+          <a:blip r:embed="rId2"/>
+          <a:stretch>
+            <a:fillRect/>
+          </a:stretch>
+        </p:blipFill>
+        <p:spPr>
+          <a:xfrm>
+            <a:off x="-1417320" y="-4572000"/>
+            <a:ext cx="11612880" cy="11612880"/>
+          </a:xfrm>
+          <a:prstGeom prst="rect">
+            <a:avLst/>
+          </a:prstGeom>
+        </p:spPr>
+      </p:pic>
+    </p:spTree>
+  </p:cSld>
+  <p:clrMapOvr>
+    <a:masterClrMapping/>
+  </p:clrMapOvr>
+</p:sld>
+</file>
+
+<file path=ppt/slides/slide175.xml><?xml version="1.0" encoding="utf-8"?>
+<p:sld xmlns:a="http://schemas.openxmlformats.org/drawingml/2006/main" xmlns:p="http://schemas.openxmlformats.org/presentationml/2006/main" xmlns:r="http://schemas.openxmlformats.org/officeDocument/2006/relationships">
+  <p:cSld>
+    <p:spTree>
+      <p:nvGrpSpPr>
+        <p:cNvPr id="1" name=""/>
+        <p:cNvGrpSpPr/>
+        <p:nvPr/>
+      </p:nvGrpSpPr>
+      <p:grpSpPr/>
+      <p:pic>
+        <p:nvPicPr>
+          <p:cNvPr id="2" name="Picture 1" descr="Layers.png"/>
+          <p:cNvPicPr>
+            <a:picLocks noChangeAspect="1"/>
+          </p:cNvPicPr>
+          <p:nvPr/>
+        </p:nvPicPr>
+        <p:blipFill>
+          <a:blip r:embed="rId2"/>
+          <a:stretch>
+            <a:fillRect/>
+          </a:stretch>
+        </p:blipFill>
+        <p:spPr>
+          <a:xfrm>
+            <a:off x="-1417320" y="-4572000"/>
+            <a:ext cx="11612880" cy="11612880"/>
+          </a:xfrm>
+          <a:prstGeom prst="rect">
+            <a:avLst/>
+          </a:prstGeom>
+        </p:spPr>
+      </p:pic>
+    </p:spTree>
+  </p:cSld>
+  <p:clrMapOvr>
+    <a:masterClrMapping/>
+  </p:clrMapOvr>
+</p:sld>
+</file>
+
+<file path=ppt/slides/slide176.xml><?xml version="1.0" encoding="utf-8"?>
+<p:sld xmlns:a="http://schemas.openxmlformats.org/drawingml/2006/main" xmlns:p="http://schemas.openxmlformats.org/presentationml/2006/main" xmlns:r="http://schemas.openxmlformats.org/officeDocument/2006/relationships">
+  <p:cSld>
+    <p:spTree>
+      <p:nvGrpSpPr>
+        <p:cNvPr id="1" name=""/>
+        <p:cNvGrpSpPr/>
+        <p:nvPr/>
+      </p:nvGrpSpPr>
+      <p:grpSpPr/>
+      <p:pic>
+        <p:nvPicPr>
+          <p:cNvPr id="2" name="Picture 1" descr="Layers.png"/>
+          <p:cNvPicPr>
+            <a:picLocks noChangeAspect="1"/>
+          </p:cNvPicPr>
+          <p:nvPr/>
+        </p:nvPicPr>
+        <p:blipFill>
+          <a:blip r:embed="rId2"/>
+          <a:stretch>
+            <a:fillRect/>
+          </a:stretch>
+        </p:blipFill>
+        <p:spPr>
+          <a:xfrm>
+            <a:off x="-1417320" y="-4572000"/>
+            <a:ext cx="11612880" cy="11612880"/>
+          </a:xfrm>
+          <a:prstGeom prst="rect">
+            <a:avLst/>
+          </a:prstGeom>
+        </p:spPr>
+      </p:pic>
+    </p:spTree>
+  </p:cSld>
+  <p:clrMapOvr>
+    <a:masterClrMapping/>
+  </p:clrMapOvr>
+</p:sld>
+</file>
+
+<file path=ppt/slides/slide177.xml><?xml version="1.0" encoding="utf-8"?>
+<p:sld xmlns:a="http://schemas.openxmlformats.org/drawingml/2006/main" xmlns:p="http://schemas.openxmlformats.org/presentationml/2006/main" xmlns:r="http://schemas.openxmlformats.org/officeDocument/2006/relationships">
+  <p:cSld>
+    <p:spTree>
+      <p:nvGrpSpPr>
+        <p:cNvPr id="1" name=""/>
+        <p:cNvGrpSpPr/>
+        <p:nvPr/>
+      </p:nvGrpSpPr>
+      <p:grpSpPr/>
+      <p:pic>
+        <p:nvPicPr>
+          <p:cNvPr id="2" name="Picture 1" descr="Layers.png"/>
+          <p:cNvPicPr>
+            <a:picLocks noChangeAspect="1"/>
+          </p:cNvPicPr>
+          <p:nvPr/>
+        </p:nvPicPr>
+        <p:blipFill>
+          <a:blip r:embed="rId2"/>
+          <a:stretch>
+            <a:fillRect/>
+          </a:stretch>
+        </p:blipFill>
+        <p:spPr>
+          <a:xfrm>
+            <a:off x="-1417320" y="-4572000"/>
+            <a:ext cx="11612880" cy="11612880"/>
+          </a:xfrm>
+          <a:prstGeom prst="rect">
+            <a:avLst/>
+          </a:prstGeom>
+        </p:spPr>
+      </p:pic>
+    </p:spTree>
+  </p:cSld>
+  <p:clrMapOvr>
+    <a:masterClrMapping/>
+  </p:clrMapOvr>
+</p:sld>
+</file>
+
+<file path=ppt/slides/slide178.xml><?xml version="1.0" encoding="utf-8"?>
+<p:sld xmlns:a="http://schemas.openxmlformats.org/drawingml/2006/main" xmlns:p="http://schemas.openxmlformats.org/presentationml/2006/main" xmlns:r="http://schemas.openxmlformats.org/officeDocument/2006/relationships">
+  <p:cSld>
+    <p:spTree>
+      <p:nvGrpSpPr>
+        <p:cNvPr id="1" name=""/>
+        <p:cNvGrpSpPr/>
+        <p:nvPr/>
+      </p:nvGrpSpPr>
+      <p:grpSpPr/>
+      <p:pic>
+        <p:nvPicPr>
+          <p:cNvPr id="2" name="Picture 1" descr="Layers.png"/>
+          <p:cNvPicPr>
+            <a:picLocks noChangeAspect="1"/>
+          </p:cNvPicPr>
+          <p:nvPr/>
+        </p:nvPicPr>
+        <p:blipFill>
+          <a:blip r:embed="rId2"/>
+          <a:stretch>
+            <a:fillRect/>
+          </a:stretch>
+        </p:blipFill>
+        <p:spPr>
+          <a:xfrm>
+            <a:off x="-1417320" y="-4572000"/>
+            <a:ext cx="11612880" cy="11612880"/>
+          </a:xfrm>
+          <a:prstGeom prst="rect">
+            <a:avLst/>
+          </a:prstGeom>
+        </p:spPr>
+      </p:pic>
+    </p:spTree>
+  </p:cSld>
+  <p:clrMapOvr>
+    <a:masterClrMapping/>
+  </p:clrMapOvr>
+</p:sld>
+</file>
+
+<file path=ppt/slides/slide179.xml><?xml version="1.0" encoding="utf-8"?>
+<p:sld xmlns:a="http://schemas.openxmlformats.org/drawingml/2006/main" xmlns:p="http://schemas.openxmlformats.org/presentationml/2006/main" xmlns:r="http://schemas.openxmlformats.org/officeDocument/2006/relationships">
+  <p:cSld>
+    <p:spTree>
+      <p:nvGrpSpPr>
+        <p:cNvPr id="1" name=""/>
+        <p:cNvGrpSpPr/>
+        <p:nvPr/>
+      </p:nvGrpSpPr>
+      <p:grpSpPr/>
+      <p:pic>
+        <p:nvPicPr>
+          <p:cNvPr id="2" name="Picture 1" descr="Layers.png"/>
+          <p:cNvPicPr>
+            <a:picLocks noChangeAspect="1"/>
+          </p:cNvPicPr>
+          <p:nvPr/>
+        </p:nvPicPr>
+        <p:blipFill>
+          <a:blip r:embed="rId2"/>
+          <a:stretch>
+            <a:fillRect/>
+          </a:stretch>
+        </p:blipFill>
+        <p:spPr>
+          <a:xfrm>
+            <a:off x="-1417320" y="-4572000"/>
+            <a:ext cx="11612880" cy="11612880"/>
+          </a:xfrm>
+          <a:prstGeom prst="rect">
+            <a:avLst/>
+          </a:prstGeom>
+        </p:spPr>
+      </p:pic>
+    </p:spTree>
+  </p:cSld>
+  <p:clrMapOvr>
+    <a:masterClrMapping/>
+  </p:clrMapOvr>
+</p:sld>
+</file>
+
+<file path=ppt/slides/slide18.xml><?xml version="1.0" encoding="utf-8"?>
+<p:sld xmlns:a="http://schemas.openxmlformats.org/drawingml/2006/main" xmlns:p="http://schemas.openxmlformats.org/presentationml/2006/main" xmlns:r="http://schemas.openxmlformats.org/officeDocument/2006/relationships">
+  <p:cSld>
+    <p:spTree>
+      <p:nvGrpSpPr>
+        <p:cNvPr id="1" name=""/>
+        <p:cNvGrpSpPr/>
+        <p:nvPr/>
+      </p:nvGrpSpPr>
+      <p:grpSpPr/>
+      <p:pic>
+        <p:nvPicPr>
+          <p:cNvPr id="2" name="Picture 1" descr="Layers.png"/>
+          <p:cNvPicPr>
+            <a:picLocks noChangeAspect="1"/>
+          </p:cNvPicPr>
+          <p:nvPr/>
+        </p:nvPicPr>
+        <p:blipFill>
+          <a:blip r:embed="rId2"/>
+          <a:stretch>
+            <a:fillRect/>
+          </a:stretch>
+        </p:blipFill>
+        <p:spPr>
+          <a:xfrm>
+            <a:off x="-1417320" y="-4572000"/>
+            <a:ext cx="11612880" cy="11612880"/>
+          </a:xfrm>
+          <a:prstGeom prst="rect">
+            <a:avLst/>
+          </a:prstGeom>
+        </p:spPr>
+      </p:pic>
+    </p:spTree>
+  </p:cSld>
+  <p:clrMapOvr>
+    <a:masterClrMapping/>
+  </p:clrMapOvr>
+</p:sld>
+</file>
+
+<file path=ppt/slides/slide180.xml><?xml version="1.0" encoding="utf-8"?>
+<p:sld xmlns:a="http://schemas.openxmlformats.org/drawingml/2006/main" xmlns:p="http://schemas.openxmlformats.org/presentationml/2006/main" xmlns:r="http://schemas.openxmlformats.org/officeDocument/2006/relationships">
+  <p:cSld>
+    <p:spTree>
+      <p:nvGrpSpPr>
+        <p:cNvPr id="1" name=""/>
+        <p:cNvGrpSpPr/>
+        <p:nvPr/>
+      </p:nvGrpSpPr>
+      <p:grpSpPr/>
+      <p:pic>
+        <p:nvPicPr>
+          <p:cNvPr id="2" name="Picture 1" descr="Layers.png"/>
+          <p:cNvPicPr>
+            <a:picLocks noChangeAspect="1"/>
+          </p:cNvPicPr>
+          <p:nvPr/>
+        </p:nvPicPr>
+        <p:blipFill>
+          <a:blip r:embed="rId2"/>
+          <a:stretch>
+            <a:fillRect/>
+          </a:stretch>
+        </p:blipFill>
+        <p:spPr>
+          <a:xfrm>
+            <a:off x="-1417320" y="-4572000"/>
+            <a:ext cx="11612880" cy="11612880"/>
+          </a:xfrm>
+          <a:prstGeom prst="rect">
+            <a:avLst/>
+          </a:prstGeom>
+        </p:spPr>
+      </p:pic>
+    </p:spTree>
+  </p:cSld>
+  <p:clrMapOvr>
+    <a:masterClrMapping/>
+  </p:clrMapOvr>
+</p:sld>
+</file>
+
+<file path=ppt/slides/slide181.xml><?xml version="1.0" encoding="utf-8"?>
+<p:sld xmlns:a="http://schemas.openxmlformats.org/drawingml/2006/main" xmlns:p="http://schemas.openxmlformats.org/presentationml/2006/main" xmlns:r="http://schemas.openxmlformats.org/officeDocument/2006/relationships">
+  <p:cSld>
+    <p:spTree>
+      <p:nvGrpSpPr>
+        <p:cNvPr id="1" name=""/>
+        <p:cNvGrpSpPr/>
+        <p:nvPr/>
+      </p:nvGrpSpPr>
+      <p:grpSpPr/>
+      <p:pic>
+        <p:nvPicPr>
+          <p:cNvPr id="2" name="Picture 1" descr="Layers.png"/>
+          <p:cNvPicPr>
+            <a:picLocks noChangeAspect="1"/>
+          </p:cNvPicPr>
+          <p:nvPr/>
+        </p:nvPicPr>
+        <p:blipFill>
+          <a:blip r:embed="rId2"/>
+          <a:stretch>
+            <a:fillRect/>
+          </a:stretch>
+        </p:blipFill>
+        <p:spPr>
+          <a:xfrm>
+            <a:off x="-1417320" y="-4572000"/>
+            <a:ext cx="11612880" cy="11612880"/>
+          </a:xfrm>
+          <a:prstGeom prst="rect">
+            <a:avLst/>
+          </a:prstGeom>
+        </p:spPr>
+      </p:pic>
+    </p:spTree>
+  </p:cSld>
+  <p:clrMapOvr>
+    <a:masterClrMapping/>
+  </p:clrMapOvr>
+</p:sld>
+</file>
+
+<file path=ppt/slides/slide182.xml><?xml version="1.0" encoding="utf-8"?>
+<p:sld xmlns:a="http://schemas.openxmlformats.org/drawingml/2006/main" xmlns:p="http://schemas.openxmlformats.org/presentationml/2006/main" xmlns:r="http://schemas.openxmlformats.org/officeDocument/2006/relationships">
+  <p:cSld>
+    <p:spTree>
+      <p:nvGrpSpPr>
+        <p:cNvPr id="1" name=""/>
+        <p:cNvGrpSpPr/>
+        <p:nvPr/>
+      </p:nvGrpSpPr>
+      <p:grpSpPr/>
+      <p:pic>
+        <p:nvPicPr>
+          <p:cNvPr id="2" name="Picture 1" descr="Layers.png"/>
+          <p:cNvPicPr>
+            <a:picLocks noChangeAspect="1"/>
+          </p:cNvPicPr>
+          <p:nvPr/>
+        </p:nvPicPr>
+        <p:blipFill>
+          <a:blip r:embed="rId2"/>
+          <a:stretch>
+            <a:fillRect/>
+          </a:stretch>
+        </p:blipFill>
+        <p:spPr>
+          <a:xfrm>
+            <a:off x="-1417320" y="-4572000"/>
+            <a:ext cx="11612880" cy="11612880"/>
+          </a:xfrm>
+          <a:prstGeom prst="rect">
+            <a:avLst/>
+          </a:prstGeom>
+        </p:spPr>
+      </p:pic>
+    </p:spTree>
+  </p:cSld>
+  <p:clrMapOvr>
+    <a:masterClrMapping/>
+  </p:clrMapOvr>
+</p:sld>
+</file>
+
+<file path=ppt/slides/slide183.xml><?xml version="1.0" encoding="utf-8"?>
+<p:sld xmlns:a="http://schemas.openxmlformats.org/drawingml/2006/main" xmlns:p="http://schemas.openxmlformats.org/presentationml/2006/main" xmlns:r="http://schemas.openxmlformats.org/officeDocument/2006/relationships">
+  <p:cSld>
+    <p:spTree>
+      <p:nvGrpSpPr>
+        <p:cNvPr id="1" name=""/>
+        <p:cNvGrpSpPr/>
+        <p:nvPr/>
+      </p:nvGrpSpPr>
+      <p:grpSpPr/>
+      <p:pic>
+        <p:nvPicPr>
+          <p:cNvPr id="2" name="Picture 1" descr="Layers.png"/>
+          <p:cNvPicPr>
+            <a:picLocks noChangeAspect="1"/>
+          </p:cNvPicPr>
+          <p:nvPr/>
+        </p:nvPicPr>
+        <p:blipFill>
+          <a:blip r:embed="rId2"/>
+          <a:stretch>
+            <a:fillRect/>
+          </a:stretch>
+        </p:blipFill>
+        <p:spPr>
+          <a:xfrm>
+            <a:off x="-1417320" y="-4572000"/>
+            <a:ext cx="11612880" cy="11612880"/>
+          </a:xfrm>
+          <a:prstGeom prst="rect">
+            <a:avLst/>
+          </a:prstGeom>
+        </p:spPr>
+      </p:pic>
+    </p:spTree>
+  </p:cSld>
+  <p:clrMapOvr>
+    <a:masterClrMapping/>
+  </p:clrMapOvr>
+</p:sld>
+</file>
+
+<file path=ppt/slides/slide184.xml><?xml version="1.0" encoding="utf-8"?>
+<p:sld xmlns:a="http://schemas.openxmlformats.org/drawingml/2006/main" xmlns:p="http://schemas.openxmlformats.org/presentationml/2006/main" xmlns:r="http://schemas.openxmlformats.org/officeDocument/2006/relationships">
+  <p:cSld>
+    <p:spTree>
+      <p:nvGrpSpPr>
+        <p:cNvPr id="1" name=""/>
+        <p:cNvGrpSpPr/>
+        <p:nvPr/>
+      </p:nvGrpSpPr>
+      <p:grpSpPr/>
+      <p:pic>
+        <p:nvPicPr>
+          <p:cNvPr id="2" name="Picture 1" descr="Layers.png"/>
+          <p:cNvPicPr>
+            <a:picLocks noChangeAspect="1"/>
+          </p:cNvPicPr>
+          <p:nvPr/>
+        </p:nvPicPr>
+        <p:blipFill>
+          <a:blip r:embed="rId2"/>
+          <a:stretch>
+            <a:fillRect/>
+          </a:stretch>
+        </p:blipFill>
+        <p:spPr>
+          <a:xfrm>
+            <a:off x="-1417320" y="-4572000"/>
+            <a:ext cx="11612880" cy="11612880"/>
+          </a:xfrm>
+          <a:prstGeom prst="rect">
+            <a:avLst/>
+          </a:prstGeom>
+        </p:spPr>
+      </p:pic>
+    </p:spTree>
+  </p:cSld>
+  <p:clrMapOvr>
+    <a:masterClrMapping/>
+  </p:clrMapOvr>
+</p:sld>
+</file>
+
+<file path=ppt/slides/slide185.xml><?xml version="1.0" encoding="utf-8"?>
+<p:sld xmlns:a="http://schemas.openxmlformats.org/drawingml/2006/main" xmlns:p="http://schemas.openxmlformats.org/presentationml/2006/main" xmlns:r="http://schemas.openxmlformats.org/officeDocument/2006/relationships">
+  <p:cSld>
+    <p:spTree>
+      <p:nvGrpSpPr>
+        <p:cNvPr id="1" name=""/>
+        <p:cNvGrpSpPr/>
+        <p:nvPr/>
+      </p:nvGrpSpPr>
+      <p:grpSpPr/>
+      <p:pic>
+        <p:nvPicPr>
+          <p:cNvPr id="2" name="Picture 1" descr="Layers.png"/>
+          <p:cNvPicPr>
+            <a:picLocks noChangeAspect="1"/>
+          </p:cNvPicPr>
+          <p:nvPr/>
+        </p:nvPicPr>
+        <p:blipFill>
+          <a:blip r:embed="rId2"/>
+          <a:stretch>
+            <a:fillRect/>
+          </a:stretch>
+        </p:blipFill>
+        <p:spPr>
+          <a:xfrm>
+            <a:off x="-1417320" y="-4572000"/>
+            <a:ext cx="11612880" cy="11612880"/>
+          </a:xfrm>
+          <a:prstGeom prst="rect">
+            <a:avLst/>
+          </a:prstGeom>
+        </p:spPr>
+      </p:pic>
+    </p:spTree>
+  </p:cSld>
+  <p:clrMapOvr>
+    <a:masterClrMapping/>
+  </p:clrMapOvr>
+</p:sld>
+</file>
+
+<file path=ppt/slides/slide186.xml><?xml version="1.0" encoding="utf-8"?>
+<p:sld xmlns:a="http://schemas.openxmlformats.org/drawingml/2006/main" xmlns:p="http://schemas.openxmlformats.org/presentationml/2006/main" xmlns:r="http://schemas.openxmlformats.org/officeDocument/2006/relationships">
+  <p:cSld>
+    <p:spTree>
+      <p:nvGrpSpPr>
+        <p:cNvPr id="1" name=""/>
+        <p:cNvGrpSpPr/>
+        <p:nvPr/>
+      </p:nvGrpSpPr>
+      <p:grpSpPr/>
+      <p:pic>
+        <p:nvPicPr>
+          <p:cNvPr id="2" name="Picture 1" descr="Layers.png"/>
+          <p:cNvPicPr>
+            <a:picLocks noChangeAspect="1"/>
+          </p:cNvPicPr>
+          <p:nvPr/>
+        </p:nvPicPr>
+        <p:blipFill>
+          <a:blip r:embed="rId2"/>
+          <a:stretch>
+            <a:fillRect/>
+          </a:stretch>
+        </p:blipFill>
+        <p:spPr>
+          <a:xfrm>
+            <a:off x="-1417320" y="-4572000"/>
+            <a:ext cx="11612880" cy="11612880"/>
+          </a:xfrm>
+          <a:prstGeom prst="rect">
+            <a:avLst/>
+          </a:prstGeom>
+        </p:spPr>
+      </p:pic>
+    </p:spTree>
+  </p:cSld>
+  <p:clrMapOvr>
+    <a:masterClrMapping/>
+  </p:clrMapOvr>
+</p:sld>
+</file>
+
+<file path=ppt/slides/slide187.xml><?xml version="1.0" encoding="utf-8"?>
+<p:sld xmlns:a="http://schemas.openxmlformats.org/drawingml/2006/main" xmlns:p="http://schemas.openxmlformats.org/presentationml/2006/main" xmlns:r="http://schemas.openxmlformats.org/officeDocument/2006/relationships">
+  <p:cSld>
+    <p:spTree>
+      <p:nvGrpSpPr>
+        <p:cNvPr id="1" name=""/>
+        <p:cNvGrpSpPr/>
+        <p:nvPr/>
+      </p:nvGrpSpPr>
+      <p:grpSpPr/>
+      <p:pic>
+        <p:nvPicPr>
+          <p:cNvPr id="2" name="Picture 1" descr="Layers.png"/>
+          <p:cNvPicPr>
+            <a:picLocks noChangeAspect="1"/>
+          </p:cNvPicPr>
+          <p:nvPr/>
+        </p:nvPicPr>
+        <p:blipFill>
+          <a:blip r:embed="rId2"/>
+          <a:stretch>
+            <a:fillRect/>
+          </a:stretch>
+        </p:blipFill>
+        <p:spPr>
+          <a:xfrm>
+            <a:off x="-1417320" y="-4572000"/>
+            <a:ext cx="11612880" cy="11612880"/>
+          </a:xfrm>
+          <a:prstGeom prst="rect">
+            <a:avLst/>
+          </a:prstGeom>
+        </p:spPr>
+      </p:pic>
+    </p:spTree>
+  </p:cSld>
+  <p:clrMapOvr>
+    <a:masterClrMapping/>
+  </p:clrMapOvr>
+</p:sld>
+</file>
+
+<file path=ppt/slides/slide188.xml><?xml version="1.0" encoding="utf-8"?>
+<p:sld xmlns:a="http://schemas.openxmlformats.org/drawingml/2006/main" xmlns:p="http://schemas.openxmlformats.org/presentationml/2006/main" xmlns:r="http://schemas.openxmlformats.org/officeDocument/2006/relationships">
+  <p:cSld>
+    <p:spTree>
+      <p:nvGrpSpPr>
+        <p:cNvPr id="1" name=""/>
+        <p:cNvGrpSpPr/>
+        <p:nvPr/>
+      </p:nvGrpSpPr>
+      <p:grpSpPr/>
+      <p:pic>
+        <p:nvPicPr>
+          <p:cNvPr id="2" name="Picture 1" descr="Layers.png"/>
+          <p:cNvPicPr>
+            <a:picLocks noChangeAspect="1"/>
+          </p:cNvPicPr>
+          <p:nvPr/>
+        </p:nvPicPr>
+        <p:blipFill>
+          <a:blip r:embed="rId2"/>
+          <a:stretch>
+            <a:fillRect/>
+          </a:stretch>
+        </p:blipFill>
+        <p:spPr>
+          <a:xfrm>
+            <a:off x="-1417320" y="-4572000"/>
+            <a:ext cx="11612880" cy="11612880"/>
+          </a:xfrm>
+          <a:prstGeom prst="rect">
+            <a:avLst/>
+          </a:prstGeom>
+        </p:spPr>
+      </p:pic>
+    </p:spTree>
+  </p:cSld>
+  <p:clrMapOvr>
+    <a:masterClrMapping/>
+  </p:clrMapOvr>
+</p:sld>
+</file>
+
+<file path=ppt/slides/slide189.xml><?xml version="1.0" encoding="utf-8"?>
+<p:sld xmlns:a="http://schemas.openxmlformats.org/drawingml/2006/main" xmlns:p="http://schemas.openxmlformats.org/presentationml/2006/main" xmlns:r="http://schemas.openxmlformats.org/officeDocument/2006/relationships">
+  <p:cSld>
+    <p:spTree>
+      <p:nvGrpSpPr>
+        <p:cNvPr id="1" name=""/>
+        <p:cNvGrpSpPr/>
+        <p:nvPr/>
+      </p:nvGrpSpPr>
+      <p:grpSpPr/>
+      <p:pic>
+        <p:nvPicPr>
+          <p:cNvPr id="2" name="Picture 1" descr="Layers.png"/>
+          <p:cNvPicPr>
+            <a:picLocks noChangeAspect="1"/>
+          </p:cNvPicPr>
+          <p:nvPr/>
+        </p:nvPicPr>
+        <p:blipFill>
+          <a:blip r:embed="rId2"/>
+          <a:stretch>
+            <a:fillRect/>
+          </a:stretch>
+        </p:blipFill>
+        <p:spPr>
+          <a:xfrm>
+            <a:off x="-1417320" y="-4572000"/>
+            <a:ext cx="11612880" cy="11612880"/>
+          </a:xfrm>
+          <a:prstGeom prst="rect">
+            <a:avLst/>
+          </a:prstGeom>
+        </p:spPr>
+      </p:pic>
+    </p:spTree>
+  </p:cSld>
+  <p:clrMapOvr>
+    <a:masterClrMapping/>
+  </p:clrMapOvr>
+</p:sld>
+</file>
+
+<file path=ppt/slides/slide19.xml><?xml version="1.0" encoding="utf-8"?>
+<p:sld xmlns:a="http://schemas.openxmlformats.org/drawingml/2006/main" xmlns:p="http://schemas.openxmlformats.org/presentationml/2006/main" xmlns:r="http://schemas.openxmlformats.org/officeDocument/2006/relationships">
+  <p:cSld>
+    <p:spTree>
+      <p:nvGrpSpPr>
+        <p:cNvPr id="1" name=""/>
+        <p:cNvGrpSpPr/>
+        <p:nvPr/>
+      </p:nvGrpSpPr>
+      <p:grpSpPr/>
+      <p:pic>
+        <p:nvPicPr>
+          <p:cNvPr id="2" name="Picture 1" descr="Layers.png"/>
+          <p:cNvPicPr>
+            <a:picLocks noChangeAspect="1"/>
+          </p:cNvPicPr>
+          <p:nvPr/>
+        </p:nvPicPr>
+        <p:blipFill>
+          <a:blip r:embed="rId2"/>
+          <a:stretch>
+            <a:fillRect/>
+          </a:stretch>
+        </p:blipFill>
+        <p:spPr>
+          <a:xfrm>
+            <a:off x="-1417320" y="-4572000"/>
+            <a:ext cx="11612880" cy="11612880"/>
+          </a:xfrm>
+          <a:prstGeom prst="rect">
+            <a:avLst/>
+          </a:prstGeom>
+        </p:spPr>
+      </p:pic>
+    </p:spTree>
+  </p:cSld>
+  <p:clrMapOvr>
+    <a:masterClrMapping/>
+  </p:clrMapOvr>
+</p:sld>
+</file>
+
+<file path=ppt/slides/slide190.xml><?xml version="1.0" encoding="utf-8"?>
+<p:sld xmlns:a="http://schemas.openxmlformats.org/drawingml/2006/main" xmlns:p="http://schemas.openxmlformats.org/presentationml/2006/main" xmlns:r="http://schemas.openxmlformats.org/officeDocument/2006/relationships">
+  <p:cSld>
+    <p:spTree>
+      <p:nvGrpSpPr>
+        <p:cNvPr id="1" name=""/>
+        <p:cNvGrpSpPr/>
+        <p:nvPr/>
+      </p:nvGrpSpPr>
+      <p:grpSpPr/>
+      <p:pic>
+        <p:nvPicPr>
+          <p:cNvPr id="2" name="Picture 1" descr="Layers.png"/>
+          <p:cNvPicPr>
+            <a:picLocks noChangeAspect="1"/>
+          </p:cNvPicPr>
+          <p:nvPr/>
+        </p:nvPicPr>
+        <p:blipFill>
+          <a:blip r:embed="rId2"/>
+          <a:stretch>
+            <a:fillRect/>
+          </a:stretch>
+        </p:blipFill>
+        <p:spPr>
+          <a:xfrm>
+            <a:off x="-1417320" y="-4572000"/>
+            <a:ext cx="11612880" cy="11612880"/>
+          </a:xfrm>
+          <a:prstGeom prst="rect">
+            <a:avLst/>
+          </a:prstGeom>
+        </p:spPr>
+      </p:pic>
+    </p:spTree>
+  </p:cSld>
+  <p:clrMapOvr>
+    <a:masterClrMapping/>
+  </p:clrMapOvr>
+</p:sld>
+</file>
+
+<file path=ppt/slides/slide191.xml><?xml version="1.0" encoding="utf-8"?>
+<p:sld xmlns:a="http://schemas.openxmlformats.org/drawingml/2006/main" xmlns:p="http://schemas.openxmlformats.org/presentationml/2006/main" xmlns:r="http://schemas.openxmlformats.org/officeDocument/2006/relationships">
+  <p:cSld>
+    <p:spTree>
+      <p:nvGrpSpPr>
+        <p:cNvPr id="1" name=""/>
+        <p:cNvGrpSpPr/>
+        <p:nvPr/>
+      </p:nvGrpSpPr>
+      <p:grpSpPr/>
+      <p:pic>
+        <p:nvPicPr>
+          <p:cNvPr id="2" name="Picture 1" descr="Layers.png"/>
+          <p:cNvPicPr>
+            <a:picLocks noChangeAspect="1"/>
+          </p:cNvPicPr>
+          <p:nvPr/>
+        </p:nvPicPr>
+        <p:blipFill>
+          <a:blip r:embed="rId2"/>
+          <a:stretch>
+            <a:fillRect/>
+          </a:stretch>
+        </p:blipFill>
+        <p:spPr>
+          <a:xfrm>
+            <a:off x="-1417320" y="-4572000"/>
+            <a:ext cx="11612880" cy="11612880"/>
+          </a:xfrm>
+          <a:prstGeom prst="rect">
+            <a:avLst/>
+          </a:prstGeom>
+        </p:spPr>
+      </p:pic>
+    </p:spTree>
+  </p:cSld>
+  <p:clrMapOvr>
+    <a:masterClrMapping/>
+  </p:clrMapOvr>
+</p:sld>
+</file>
+
+<file path=ppt/slides/slide192.xml><?xml version="1.0" encoding="utf-8"?>
+<p:sld xmlns:a="http://schemas.openxmlformats.org/drawingml/2006/main" xmlns:p="http://schemas.openxmlformats.org/presentationml/2006/main" xmlns:r="http://schemas.openxmlformats.org/officeDocument/2006/relationships">
+  <p:cSld>
+    <p:spTree>
+      <p:nvGrpSpPr>
+        <p:cNvPr id="1" name=""/>
+        <p:cNvGrpSpPr/>
+        <p:nvPr/>
+      </p:nvGrpSpPr>
+      <p:grpSpPr/>
+      <p:pic>
+        <p:nvPicPr>
+          <p:cNvPr id="2" name="Picture 1" descr="Layers.png"/>
+          <p:cNvPicPr>
+            <a:picLocks noChangeAspect="1"/>
+          </p:cNvPicPr>
+          <p:nvPr/>
+        </p:nvPicPr>
+        <p:blipFill>
+          <a:blip r:embed="rId2"/>
+          <a:stretch>
+            <a:fillRect/>
+          </a:stretch>
+        </p:blipFill>
+        <p:spPr>
+          <a:xfrm>
+            <a:off x="-1417320" y="-4572000"/>
+            <a:ext cx="11612880" cy="11612880"/>
+          </a:xfrm>
+          <a:prstGeom prst="rect">
+            <a:avLst/>
+          </a:prstGeom>
+        </p:spPr>
+      </p:pic>
+    </p:spTree>
+  </p:cSld>
+  <p:clrMapOvr>
+    <a:masterClrMapping/>
+  </p:clrMapOvr>
+</p:sld>
+</file>
+
 <file path=ppt/slides/slide2.xml><?xml version="1.0" encoding="utf-8"?>
 <p:sld xmlns:a="http://schemas.openxmlformats.org/drawingml/2006/main" xmlns:p="http://schemas.openxmlformats.org/presentationml/2006/main" xmlns:r="http://schemas.openxmlformats.org/officeDocument/2006/relationships">
   <p:cSld>
@@ -3385,6 +7679,426 @@
 </p:sld>
 </file>
 
+<file path=ppt/slides/slide20.xml><?xml version="1.0" encoding="utf-8"?>
+<p:sld xmlns:a="http://schemas.openxmlformats.org/drawingml/2006/main" xmlns:p="http://schemas.openxmlformats.org/presentationml/2006/main" xmlns:r="http://schemas.openxmlformats.org/officeDocument/2006/relationships">
+  <p:cSld>
+    <p:spTree>
+      <p:nvGrpSpPr>
+        <p:cNvPr id="1" name=""/>
+        <p:cNvGrpSpPr/>
+        <p:nvPr/>
+      </p:nvGrpSpPr>
+      <p:grpSpPr/>
+      <p:pic>
+        <p:nvPicPr>
+          <p:cNvPr id="2" name="Picture 1" descr="Layers.png"/>
+          <p:cNvPicPr>
+            <a:picLocks noChangeAspect="1"/>
+          </p:cNvPicPr>
+          <p:nvPr/>
+        </p:nvPicPr>
+        <p:blipFill>
+          <a:blip r:embed="rId2"/>
+          <a:stretch>
+            <a:fillRect/>
+          </a:stretch>
+        </p:blipFill>
+        <p:spPr>
+          <a:xfrm>
+            <a:off x="-1417320" y="-4572000"/>
+            <a:ext cx="11612880" cy="11612880"/>
+          </a:xfrm>
+          <a:prstGeom prst="rect">
+            <a:avLst/>
+          </a:prstGeom>
+        </p:spPr>
+      </p:pic>
+    </p:spTree>
+  </p:cSld>
+  <p:clrMapOvr>
+    <a:masterClrMapping/>
+  </p:clrMapOvr>
+</p:sld>
+</file>
+
+<file path=ppt/slides/slide21.xml><?xml version="1.0" encoding="utf-8"?>
+<p:sld xmlns:a="http://schemas.openxmlformats.org/drawingml/2006/main" xmlns:p="http://schemas.openxmlformats.org/presentationml/2006/main" xmlns:r="http://schemas.openxmlformats.org/officeDocument/2006/relationships">
+  <p:cSld>
+    <p:spTree>
+      <p:nvGrpSpPr>
+        <p:cNvPr id="1" name=""/>
+        <p:cNvGrpSpPr/>
+        <p:nvPr/>
+      </p:nvGrpSpPr>
+      <p:grpSpPr/>
+      <p:pic>
+        <p:nvPicPr>
+          <p:cNvPr id="2" name="Picture 1" descr="Layers.png"/>
+          <p:cNvPicPr>
+            <a:picLocks noChangeAspect="1"/>
+          </p:cNvPicPr>
+          <p:nvPr/>
+        </p:nvPicPr>
+        <p:blipFill>
+          <a:blip r:embed="rId2"/>
+          <a:stretch>
+            <a:fillRect/>
+          </a:stretch>
+        </p:blipFill>
+        <p:spPr>
+          <a:xfrm>
+            <a:off x="-1417320" y="-4572000"/>
+            <a:ext cx="11612880" cy="11612880"/>
+          </a:xfrm>
+          <a:prstGeom prst="rect">
+            <a:avLst/>
+          </a:prstGeom>
+        </p:spPr>
+      </p:pic>
+    </p:spTree>
+  </p:cSld>
+  <p:clrMapOvr>
+    <a:masterClrMapping/>
+  </p:clrMapOvr>
+</p:sld>
+</file>
+
+<file path=ppt/slides/slide22.xml><?xml version="1.0" encoding="utf-8"?>
+<p:sld xmlns:a="http://schemas.openxmlformats.org/drawingml/2006/main" xmlns:p="http://schemas.openxmlformats.org/presentationml/2006/main" xmlns:r="http://schemas.openxmlformats.org/officeDocument/2006/relationships">
+  <p:cSld>
+    <p:spTree>
+      <p:nvGrpSpPr>
+        <p:cNvPr id="1" name=""/>
+        <p:cNvGrpSpPr/>
+        <p:nvPr/>
+      </p:nvGrpSpPr>
+      <p:grpSpPr/>
+      <p:pic>
+        <p:nvPicPr>
+          <p:cNvPr id="2" name="Picture 1" descr="Layers.png"/>
+          <p:cNvPicPr>
+            <a:picLocks noChangeAspect="1"/>
+          </p:cNvPicPr>
+          <p:nvPr/>
+        </p:nvPicPr>
+        <p:blipFill>
+          <a:blip r:embed="rId2"/>
+          <a:stretch>
+            <a:fillRect/>
+          </a:stretch>
+        </p:blipFill>
+        <p:spPr>
+          <a:xfrm>
+            <a:off x="-1417320" y="-4572000"/>
+            <a:ext cx="11612880" cy="11612880"/>
+          </a:xfrm>
+          <a:prstGeom prst="rect">
+            <a:avLst/>
+          </a:prstGeom>
+        </p:spPr>
+      </p:pic>
+    </p:spTree>
+  </p:cSld>
+  <p:clrMapOvr>
+    <a:masterClrMapping/>
+  </p:clrMapOvr>
+</p:sld>
+</file>
+
+<file path=ppt/slides/slide23.xml><?xml version="1.0" encoding="utf-8"?>
+<p:sld xmlns:a="http://schemas.openxmlformats.org/drawingml/2006/main" xmlns:p="http://schemas.openxmlformats.org/presentationml/2006/main" xmlns:r="http://schemas.openxmlformats.org/officeDocument/2006/relationships">
+  <p:cSld>
+    <p:spTree>
+      <p:nvGrpSpPr>
+        <p:cNvPr id="1" name=""/>
+        <p:cNvGrpSpPr/>
+        <p:nvPr/>
+      </p:nvGrpSpPr>
+      <p:grpSpPr/>
+      <p:pic>
+        <p:nvPicPr>
+          <p:cNvPr id="2" name="Picture 1" descr="Layers.png"/>
+          <p:cNvPicPr>
+            <a:picLocks noChangeAspect="1"/>
+          </p:cNvPicPr>
+          <p:nvPr/>
+        </p:nvPicPr>
+        <p:blipFill>
+          <a:blip r:embed="rId2"/>
+          <a:stretch>
+            <a:fillRect/>
+          </a:stretch>
+        </p:blipFill>
+        <p:spPr>
+          <a:xfrm>
+            <a:off x="-1417320" y="-4572000"/>
+            <a:ext cx="11612880" cy="11612880"/>
+          </a:xfrm>
+          <a:prstGeom prst="rect">
+            <a:avLst/>
+          </a:prstGeom>
+        </p:spPr>
+      </p:pic>
+    </p:spTree>
+  </p:cSld>
+  <p:clrMapOvr>
+    <a:masterClrMapping/>
+  </p:clrMapOvr>
+</p:sld>
+</file>
+
+<file path=ppt/slides/slide24.xml><?xml version="1.0" encoding="utf-8"?>
+<p:sld xmlns:a="http://schemas.openxmlformats.org/drawingml/2006/main" xmlns:p="http://schemas.openxmlformats.org/presentationml/2006/main" xmlns:r="http://schemas.openxmlformats.org/officeDocument/2006/relationships">
+  <p:cSld>
+    <p:spTree>
+      <p:nvGrpSpPr>
+        <p:cNvPr id="1" name=""/>
+        <p:cNvGrpSpPr/>
+        <p:nvPr/>
+      </p:nvGrpSpPr>
+      <p:grpSpPr/>
+      <p:pic>
+        <p:nvPicPr>
+          <p:cNvPr id="2" name="Picture 1" descr="Layers.png"/>
+          <p:cNvPicPr>
+            <a:picLocks noChangeAspect="1"/>
+          </p:cNvPicPr>
+          <p:nvPr/>
+        </p:nvPicPr>
+        <p:blipFill>
+          <a:blip r:embed="rId2"/>
+          <a:stretch>
+            <a:fillRect/>
+          </a:stretch>
+        </p:blipFill>
+        <p:spPr>
+          <a:xfrm>
+            <a:off x="-1417320" y="-4572000"/>
+            <a:ext cx="11612880" cy="11612880"/>
+          </a:xfrm>
+          <a:prstGeom prst="rect">
+            <a:avLst/>
+          </a:prstGeom>
+        </p:spPr>
+      </p:pic>
+    </p:spTree>
+  </p:cSld>
+  <p:clrMapOvr>
+    <a:masterClrMapping/>
+  </p:clrMapOvr>
+</p:sld>
+</file>
+
+<file path=ppt/slides/slide25.xml><?xml version="1.0" encoding="utf-8"?>
+<p:sld xmlns:a="http://schemas.openxmlformats.org/drawingml/2006/main" xmlns:p="http://schemas.openxmlformats.org/presentationml/2006/main" xmlns:r="http://schemas.openxmlformats.org/officeDocument/2006/relationships">
+  <p:cSld>
+    <p:spTree>
+      <p:nvGrpSpPr>
+        <p:cNvPr id="1" name=""/>
+        <p:cNvGrpSpPr/>
+        <p:nvPr/>
+      </p:nvGrpSpPr>
+      <p:grpSpPr/>
+      <p:pic>
+        <p:nvPicPr>
+          <p:cNvPr id="2" name="Picture 1" descr="Layers.png"/>
+          <p:cNvPicPr>
+            <a:picLocks noChangeAspect="1"/>
+          </p:cNvPicPr>
+          <p:nvPr/>
+        </p:nvPicPr>
+        <p:blipFill>
+          <a:blip r:embed="rId2"/>
+          <a:stretch>
+            <a:fillRect/>
+          </a:stretch>
+        </p:blipFill>
+        <p:spPr>
+          <a:xfrm>
+            <a:off x="-1417320" y="-4572000"/>
+            <a:ext cx="11612880" cy="11612880"/>
+          </a:xfrm>
+          <a:prstGeom prst="rect">
+            <a:avLst/>
+          </a:prstGeom>
+        </p:spPr>
+      </p:pic>
+    </p:spTree>
+  </p:cSld>
+  <p:clrMapOvr>
+    <a:masterClrMapping/>
+  </p:clrMapOvr>
+</p:sld>
+</file>
+
+<file path=ppt/slides/slide26.xml><?xml version="1.0" encoding="utf-8"?>
+<p:sld xmlns:a="http://schemas.openxmlformats.org/drawingml/2006/main" xmlns:p="http://schemas.openxmlformats.org/presentationml/2006/main" xmlns:r="http://schemas.openxmlformats.org/officeDocument/2006/relationships">
+  <p:cSld>
+    <p:spTree>
+      <p:nvGrpSpPr>
+        <p:cNvPr id="1" name=""/>
+        <p:cNvGrpSpPr/>
+        <p:nvPr/>
+      </p:nvGrpSpPr>
+      <p:grpSpPr/>
+      <p:pic>
+        <p:nvPicPr>
+          <p:cNvPr id="2" name="Picture 1" descr="Layers.png"/>
+          <p:cNvPicPr>
+            <a:picLocks noChangeAspect="1"/>
+          </p:cNvPicPr>
+          <p:nvPr/>
+        </p:nvPicPr>
+        <p:blipFill>
+          <a:blip r:embed="rId2"/>
+          <a:stretch>
+            <a:fillRect/>
+          </a:stretch>
+        </p:blipFill>
+        <p:spPr>
+          <a:xfrm>
+            <a:off x="-1417320" y="-4572000"/>
+            <a:ext cx="11612880" cy="11612880"/>
+          </a:xfrm>
+          <a:prstGeom prst="rect">
+            <a:avLst/>
+          </a:prstGeom>
+        </p:spPr>
+      </p:pic>
+    </p:spTree>
+  </p:cSld>
+  <p:clrMapOvr>
+    <a:masterClrMapping/>
+  </p:clrMapOvr>
+</p:sld>
+</file>
+
+<file path=ppt/slides/slide27.xml><?xml version="1.0" encoding="utf-8"?>
+<p:sld xmlns:a="http://schemas.openxmlformats.org/drawingml/2006/main" xmlns:p="http://schemas.openxmlformats.org/presentationml/2006/main" xmlns:r="http://schemas.openxmlformats.org/officeDocument/2006/relationships">
+  <p:cSld>
+    <p:spTree>
+      <p:nvGrpSpPr>
+        <p:cNvPr id="1" name=""/>
+        <p:cNvGrpSpPr/>
+        <p:nvPr/>
+      </p:nvGrpSpPr>
+      <p:grpSpPr/>
+      <p:pic>
+        <p:nvPicPr>
+          <p:cNvPr id="2" name="Picture 1" descr="Layers.png"/>
+          <p:cNvPicPr>
+            <a:picLocks noChangeAspect="1"/>
+          </p:cNvPicPr>
+          <p:nvPr/>
+        </p:nvPicPr>
+        <p:blipFill>
+          <a:blip r:embed="rId2"/>
+          <a:stretch>
+            <a:fillRect/>
+          </a:stretch>
+        </p:blipFill>
+        <p:spPr>
+          <a:xfrm>
+            <a:off x="-1417320" y="-4572000"/>
+            <a:ext cx="11612880" cy="11612880"/>
+          </a:xfrm>
+          <a:prstGeom prst="rect">
+            <a:avLst/>
+          </a:prstGeom>
+        </p:spPr>
+      </p:pic>
+    </p:spTree>
+  </p:cSld>
+  <p:clrMapOvr>
+    <a:masterClrMapping/>
+  </p:clrMapOvr>
+</p:sld>
+</file>
+
+<file path=ppt/slides/slide28.xml><?xml version="1.0" encoding="utf-8"?>
+<p:sld xmlns:a="http://schemas.openxmlformats.org/drawingml/2006/main" xmlns:p="http://schemas.openxmlformats.org/presentationml/2006/main" xmlns:r="http://schemas.openxmlformats.org/officeDocument/2006/relationships">
+  <p:cSld>
+    <p:spTree>
+      <p:nvGrpSpPr>
+        <p:cNvPr id="1" name=""/>
+        <p:cNvGrpSpPr/>
+        <p:nvPr/>
+      </p:nvGrpSpPr>
+      <p:grpSpPr/>
+      <p:pic>
+        <p:nvPicPr>
+          <p:cNvPr id="2" name="Picture 1" descr="Layers.png"/>
+          <p:cNvPicPr>
+            <a:picLocks noChangeAspect="1"/>
+          </p:cNvPicPr>
+          <p:nvPr/>
+        </p:nvPicPr>
+        <p:blipFill>
+          <a:blip r:embed="rId2"/>
+          <a:stretch>
+            <a:fillRect/>
+          </a:stretch>
+        </p:blipFill>
+        <p:spPr>
+          <a:xfrm>
+            <a:off x="-1417320" y="-4572000"/>
+            <a:ext cx="11612880" cy="11612880"/>
+          </a:xfrm>
+          <a:prstGeom prst="rect">
+            <a:avLst/>
+          </a:prstGeom>
+        </p:spPr>
+      </p:pic>
+    </p:spTree>
+  </p:cSld>
+  <p:clrMapOvr>
+    <a:masterClrMapping/>
+  </p:clrMapOvr>
+</p:sld>
+</file>
+
+<file path=ppt/slides/slide29.xml><?xml version="1.0" encoding="utf-8"?>
+<p:sld xmlns:a="http://schemas.openxmlformats.org/drawingml/2006/main" xmlns:p="http://schemas.openxmlformats.org/presentationml/2006/main" xmlns:r="http://schemas.openxmlformats.org/officeDocument/2006/relationships">
+  <p:cSld>
+    <p:spTree>
+      <p:nvGrpSpPr>
+        <p:cNvPr id="1" name=""/>
+        <p:cNvGrpSpPr/>
+        <p:nvPr/>
+      </p:nvGrpSpPr>
+      <p:grpSpPr/>
+      <p:pic>
+        <p:nvPicPr>
+          <p:cNvPr id="2" name="Picture 1" descr="Layers.png"/>
+          <p:cNvPicPr>
+            <a:picLocks noChangeAspect="1"/>
+          </p:cNvPicPr>
+          <p:nvPr/>
+        </p:nvPicPr>
+        <p:blipFill>
+          <a:blip r:embed="rId2"/>
+          <a:stretch>
+            <a:fillRect/>
+          </a:stretch>
+        </p:blipFill>
+        <p:spPr>
+          <a:xfrm>
+            <a:off x="-1417320" y="-4572000"/>
+            <a:ext cx="11612880" cy="11612880"/>
+          </a:xfrm>
+          <a:prstGeom prst="rect">
+            <a:avLst/>
+          </a:prstGeom>
+        </p:spPr>
+      </p:pic>
+    </p:spTree>
+  </p:cSld>
+  <p:clrMapOvr>
+    <a:masterClrMapping/>
+  </p:clrMapOvr>
+</p:sld>
+</file>
+
 <file path=ppt/slides/slide3.xml><?xml version="1.0" encoding="utf-8"?>
 <p:sld xmlns:a="http://schemas.openxmlformats.org/drawingml/2006/main" xmlns:p="http://schemas.openxmlformats.org/presentationml/2006/main" xmlns:r="http://schemas.openxmlformats.org/officeDocument/2006/relationships">
   <p:cSld>
@@ -3427,6 +8141,426 @@
 </p:sld>
 </file>
 
+<file path=ppt/slides/slide30.xml><?xml version="1.0" encoding="utf-8"?>
+<p:sld xmlns:a="http://schemas.openxmlformats.org/drawingml/2006/main" xmlns:p="http://schemas.openxmlformats.org/presentationml/2006/main" xmlns:r="http://schemas.openxmlformats.org/officeDocument/2006/relationships">
+  <p:cSld>
+    <p:spTree>
+      <p:nvGrpSpPr>
+        <p:cNvPr id="1" name=""/>
+        <p:cNvGrpSpPr/>
+        <p:nvPr/>
+      </p:nvGrpSpPr>
+      <p:grpSpPr/>
+      <p:pic>
+        <p:nvPicPr>
+          <p:cNvPr id="2" name="Picture 1" descr="Layers.png"/>
+          <p:cNvPicPr>
+            <a:picLocks noChangeAspect="1"/>
+          </p:cNvPicPr>
+          <p:nvPr/>
+        </p:nvPicPr>
+        <p:blipFill>
+          <a:blip r:embed="rId2"/>
+          <a:stretch>
+            <a:fillRect/>
+          </a:stretch>
+        </p:blipFill>
+        <p:spPr>
+          <a:xfrm>
+            <a:off x="-1417320" y="-4572000"/>
+            <a:ext cx="11612880" cy="11612880"/>
+          </a:xfrm>
+          <a:prstGeom prst="rect">
+            <a:avLst/>
+          </a:prstGeom>
+        </p:spPr>
+      </p:pic>
+    </p:spTree>
+  </p:cSld>
+  <p:clrMapOvr>
+    <a:masterClrMapping/>
+  </p:clrMapOvr>
+</p:sld>
+</file>
+
+<file path=ppt/slides/slide31.xml><?xml version="1.0" encoding="utf-8"?>
+<p:sld xmlns:a="http://schemas.openxmlformats.org/drawingml/2006/main" xmlns:p="http://schemas.openxmlformats.org/presentationml/2006/main" xmlns:r="http://schemas.openxmlformats.org/officeDocument/2006/relationships">
+  <p:cSld>
+    <p:spTree>
+      <p:nvGrpSpPr>
+        <p:cNvPr id="1" name=""/>
+        <p:cNvGrpSpPr/>
+        <p:nvPr/>
+      </p:nvGrpSpPr>
+      <p:grpSpPr/>
+      <p:pic>
+        <p:nvPicPr>
+          <p:cNvPr id="2" name="Picture 1" descr="Layers.png"/>
+          <p:cNvPicPr>
+            <a:picLocks noChangeAspect="1"/>
+          </p:cNvPicPr>
+          <p:nvPr/>
+        </p:nvPicPr>
+        <p:blipFill>
+          <a:blip r:embed="rId2"/>
+          <a:stretch>
+            <a:fillRect/>
+          </a:stretch>
+        </p:blipFill>
+        <p:spPr>
+          <a:xfrm>
+            <a:off x="-1417320" y="-4572000"/>
+            <a:ext cx="11612880" cy="11612880"/>
+          </a:xfrm>
+          <a:prstGeom prst="rect">
+            <a:avLst/>
+          </a:prstGeom>
+        </p:spPr>
+      </p:pic>
+    </p:spTree>
+  </p:cSld>
+  <p:clrMapOvr>
+    <a:masterClrMapping/>
+  </p:clrMapOvr>
+</p:sld>
+</file>
+
+<file path=ppt/slides/slide32.xml><?xml version="1.0" encoding="utf-8"?>
+<p:sld xmlns:a="http://schemas.openxmlformats.org/drawingml/2006/main" xmlns:p="http://schemas.openxmlformats.org/presentationml/2006/main" xmlns:r="http://schemas.openxmlformats.org/officeDocument/2006/relationships">
+  <p:cSld>
+    <p:spTree>
+      <p:nvGrpSpPr>
+        <p:cNvPr id="1" name=""/>
+        <p:cNvGrpSpPr/>
+        <p:nvPr/>
+      </p:nvGrpSpPr>
+      <p:grpSpPr/>
+      <p:pic>
+        <p:nvPicPr>
+          <p:cNvPr id="2" name="Picture 1" descr="Layers.png"/>
+          <p:cNvPicPr>
+            <a:picLocks noChangeAspect="1"/>
+          </p:cNvPicPr>
+          <p:nvPr/>
+        </p:nvPicPr>
+        <p:blipFill>
+          <a:blip r:embed="rId2"/>
+          <a:stretch>
+            <a:fillRect/>
+          </a:stretch>
+        </p:blipFill>
+        <p:spPr>
+          <a:xfrm>
+            <a:off x="-1417320" y="-4572000"/>
+            <a:ext cx="11612880" cy="11612880"/>
+          </a:xfrm>
+          <a:prstGeom prst="rect">
+            <a:avLst/>
+          </a:prstGeom>
+        </p:spPr>
+      </p:pic>
+    </p:spTree>
+  </p:cSld>
+  <p:clrMapOvr>
+    <a:masterClrMapping/>
+  </p:clrMapOvr>
+</p:sld>
+</file>
+
+<file path=ppt/slides/slide33.xml><?xml version="1.0" encoding="utf-8"?>
+<p:sld xmlns:a="http://schemas.openxmlformats.org/drawingml/2006/main" xmlns:p="http://schemas.openxmlformats.org/presentationml/2006/main" xmlns:r="http://schemas.openxmlformats.org/officeDocument/2006/relationships">
+  <p:cSld>
+    <p:spTree>
+      <p:nvGrpSpPr>
+        <p:cNvPr id="1" name=""/>
+        <p:cNvGrpSpPr/>
+        <p:nvPr/>
+      </p:nvGrpSpPr>
+      <p:grpSpPr/>
+      <p:pic>
+        <p:nvPicPr>
+          <p:cNvPr id="2" name="Picture 1" descr="Layers.png"/>
+          <p:cNvPicPr>
+            <a:picLocks noChangeAspect="1"/>
+          </p:cNvPicPr>
+          <p:nvPr/>
+        </p:nvPicPr>
+        <p:blipFill>
+          <a:blip r:embed="rId2"/>
+          <a:stretch>
+            <a:fillRect/>
+          </a:stretch>
+        </p:blipFill>
+        <p:spPr>
+          <a:xfrm>
+            <a:off x="-1417320" y="-4572000"/>
+            <a:ext cx="11612880" cy="11612880"/>
+          </a:xfrm>
+          <a:prstGeom prst="rect">
+            <a:avLst/>
+          </a:prstGeom>
+        </p:spPr>
+      </p:pic>
+    </p:spTree>
+  </p:cSld>
+  <p:clrMapOvr>
+    <a:masterClrMapping/>
+  </p:clrMapOvr>
+</p:sld>
+</file>
+
+<file path=ppt/slides/slide34.xml><?xml version="1.0" encoding="utf-8"?>
+<p:sld xmlns:a="http://schemas.openxmlformats.org/drawingml/2006/main" xmlns:p="http://schemas.openxmlformats.org/presentationml/2006/main" xmlns:r="http://schemas.openxmlformats.org/officeDocument/2006/relationships">
+  <p:cSld>
+    <p:spTree>
+      <p:nvGrpSpPr>
+        <p:cNvPr id="1" name=""/>
+        <p:cNvGrpSpPr/>
+        <p:nvPr/>
+      </p:nvGrpSpPr>
+      <p:grpSpPr/>
+      <p:pic>
+        <p:nvPicPr>
+          <p:cNvPr id="2" name="Picture 1" descr="Layers.png"/>
+          <p:cNvPicPr>
+            <a:picLocks noChangeAspect="1"/>
+          </p:cNvPicPr>
+          <p:nvPr/>
+        </p:nvPicPr>
+        <p:blipFill>
+          <a:blip r:embed="rId2"/>
+          <a:stretch>
+            <a:fillRect/>
+          </a:stretch>
+        </p:blipFill>
+        <p:spPr>
+          <a:xfrm>
+            <a:off x="-1417320" y="-4572000"/>
+            <a:ext cx="11612880" cy="11612880"/>
+          </a:xfrm>
+          <a:prstGeom prst="rect">
+            <a:avLst/>
+          </a:prstGeom>
+        </p:spPr>
+      </p:pic>
+    </p:spTree>
+  </p:cSld>
+  <p:clrMapOvr>
+    <a:masterClrMapping/>
+  </p:clrMapOvr>
+</p:sld>
+</file>
+
+<file path=ppt/slides/slide35.xml><?xml version="1.0" encoding="utf-8"?>
+<p:sld xmlns:a="http://schemas.openxmlformats.org/drawingml/2006/main" xmlns:p="http://schemas.openxmlformats.org/presentationml/2006/main" xmlns:r="http://schemas.openxmlformats.org/officeDocument/2006/relationships">
+  <p:cSld>
+    <p:spTree>
+      <p:nvGrpSpPr>
+        <p:cNvPr id="1" name=""/>
+        <p:cNvGrpSpPr/>
+        <p:nvPr/>
+      </p:nvGrpSpPr>
+      <p:grpSpPr/>
+      <p:pic>
+        <p:nvPicPr>
+          <p:cNvPr id="2" name="Picture 1" descr="Layers.png"/>
+          <p:cNvPicPr>
+            <a:picLocks noChangeAspect="1"/>
+          </p:cNvPicPr>
+          <p:nvPr/>
+        </p:nvPicPr>
+        <p:blipFill>
+          <a:blip r:embed="rId2"/>
+          <a:stretch>
+            <a:fillRect/>
+          </a:stretch>
+        </p:blipFill>
+        <p:spPr>
+          <a:xfrm>
+            <a:off x="-1417320" y="-4572000"/>
+            <a:ext cx="11612880" cy="11612880"/>
+          </a:xfrm>
+          <a:prstGeom prst="rect">
+            <a:avLst/>
+          </a:prstGeom>
+        </p:spPr>
+      </p:pic>
+    </p:spTree>
+  </p:cSld>
+  <p:clrMapOvr>
+    <a:masterClrMapping/>
+  </p:clrMapOvr>
+</p:sld>
+</file>
+
+<file path=ppt/slides/slide36.xml><?xml version="1.0" encoding="utf-8"?>
+<p:sld xmlns:a="http://schemas.openxmlformats.org/drawingml/2006/main" xmlns:p="http://schemas.openxmlformats.org/presentationml/2006/main" xmlns:r="http://schemas.openxmlformats.org/officeDocument/2006/relationships">
+  <p:cSld>
+    <p:spTree>
+      <p:nvGrpSpPr>
+        <p:cNvPr id="1" name=""/>
+        <p:cNvGrpSpPr/>
+        <p:nvPr/>
+      </p:nvGrpSpPr>
+      <p:grpSpPr/>
+      <p:pic>
+        <p:nvPicPr>
+          <p:cNvPr id="2" name="Picture 1" descr="Layers.png"/>
+          <p:cNvPicPr>
+            <a:picLocks noChangeAspect="1"/>
+          </p:cNvPicPr>
+          <p:nvPr/>
+        </p:nvPicPr>
+        <p:blipFill>
+          <a:blip r:embed="rId2"/>
+          <a:stretch>
+            <a:fillRect/>
+          </a:stretch>
+        </p:blipFill>
+        <p:spPr>
+          <a:xfrm>
+            <a:off x="-1417320" y="-4572000"/>
+            <a:ext cx="11612880" cy="11612880"/>
+          </a:xfrm>
+          <a:prstGeom prst="rect">
+            <a:avLst/>
+          </a:prstGeom>
+        </p:spPr>
+      </p:pic>
+    </p:spTree>
+  </p:cSld>
+  <p:clrMapOvr>
+    <a:masterClrMapping/>
+  </p:clrMapOvr>
+</p:sld>
+</file>
+
+<file path=ppt/slides/slide37.xml><?xml version="1.0" encoding="utf-8"?>
+<p:sld xmlns:a="http://schemas.openxmlformats.org/drawingml/2006/main" xmlns:p="http://schemas.openxmlformats.org/presentationml/2006/main" xmlns:r="http://schemas.openxmlformats.org/officeDocument/2006/relationships">
+  <p:cSld>
+    <p:spTree>
+      <p:nvGrpSpPr>
+        <p:cNvPr id="1" name=""/>
+        <p:cNvGrpSpPr/>
+        <p:nvPr/>
+      </p:nvGrpSpPr>
+      <p:grpSpPr/>
+      <p:pic>
+        <p:nvPicPr>
+          <p:cNvPr id="2" name="Picture 1" descr="Layers.png"/>
+          <p:cNvPicPr>
+            <a:picLocks noChangeAspect="1"/>
+          </p:cNvPicPr>
+          <p:nvPr/>
+        </p:nvPicPr>
+        <p:blipFill>
+          <a:blip r:embed="rId2"/>
+          <a:stretch>
+            <a:fillRect/>
+          </a:stretch>
+        </p:blipFill>
+        <p:spPr>
+          <a:xfrm>
+            <a:off x="-1417320" y="-4572000"/>
+            <a:ext cx="11612880" cy="11612880"/>
+          </a:xfrm>
+          <a:prstGeom prst="rect">
+            <a:avLst/>
+          </a:prstGeom>
+        </p:spPr>
+      </p:pic>
+    </p:spTree>
+  </p:cSld>
+  <p:clrMapOvr>
+    <a:masterClrMapping/>
+  </p:clrMapOvr>
+</p:sld>
+</file>
+
+<file path=ppt/slides/slide38.xml><?xml version="1.0" encoding="utf-8"?>
+<p:sld xmlns:a="http://schemas.openxmlformats.org/drawingml/2006/main" xmlns:p="http://schemas.openxmlformats.org/presentationml/2006/main" xmlns:r="http://schemas.openxmlformats.org/officeDocument/2006/relationships">
+  <p:cSld>
+    <p:spTree>
+      <p:nvGrpSpPr>
+        <p:cNvPr id="1" name=""/>
+        <p:cNvGrpSpPr/>
+        <p:nvPr/>
+      </p:nvGrpSpPr>
+      <p:grpSpPr/>
+      <p:pic>
+        <p:nvPicPr>
+          <p:cNvPr id="2" name="Picture 1" descr="Layers.png"/>
+          <p:cNvPicPr>
+            <a:picLocks noChangeAspect="1"/>
+          </p:cNvPicPr>
+          <p:nvPr/>
+        </p:nvPicPr>
+        <p:blipFill>
+          <a:blip r:embed="rId2"/>
+          <a:stretch>
+            <a:fillRect/>
+          </a:stretch>
+        </p:blipFill>
+        <p:spPr>
+          <a:xfrm>
+            <a:off x="-1417320" y="-4572000"/>
+            <a:ext cx="11612880" cy="11612880"/>
+          </a:xfrm>
+          <a:prstGeom prst="rect">
+            <a:avLst/>
+          </a:prstGeom>
+        </p:spPr>
+      </p:pic>
+    </p:spTree>
+  </p:cSld>
+  <p:clrMapOvr>
+    <a:masterClrMapping/>
+  </p:clrMapOvr>
+</p:sld>
+</file>
+
+<file path=ppt/slides/slide39.xml><?xml version="1.0" encoding="utf-8"?>
+<p:sld xmlns:a="http://schemas.openxmlformats.org/drawingml/2006/main" xmlns:p="http://schemas.openxmlformats.org/presentationml/2006/main" xmlns:r="http://schemas.openxmlformats.org/officeDocument/2006/relationships">
+  <p:cSld>
+    <p:spTree>
+      <p:nvGrpSpPr>
+        <p:cNvPr id="1" name=""/>
+        <p:cNvGrpSpPr/>
+        <p:nvPr/>
+      </p:nvGrpSpPr>
+      <p:grpSpPr/>
+      <p:pic>
+        <p:nvPicPr>
+          <p:cNvPr id="2" name="Picture 1" descr="Layers.png"/>
+          <p:cNvPicPr>
+            <a:picLocks noChangeAspect="1"/>
+          </p:cNvPicPr>
+          <p:nvPr/>
+        </p:nvPicPr>
+        <p:blipFill>
+          <a:blip r:embed="rId2"/>
+          <a:stretch>
+            <a:fillRect/>
+          </a:stretch>
+        </p:blipFill>
+        <p:spPr>
+          <a:xfrm>
+            <a:off x="-1417320" y="-4572000"/>
+            <a:ext cx="11612880" cy="11612880"/>
+          </a:xfrm>
+          <a:prstGeom prst="rect">
+            <a:avLst/>
+          </a:prstGeom>
+        </p:spPr>
+      </p:pic>
+    </p:spTree>
+  </p:cSld>
+  <p:clrMapOvr>
+    <a:masterClrMapping/>
+  </p:clrMapOvr>
+</p:sld>
+</file>
+
 <file path=ppt/slides/slide4.xml><?xml version="1.0" encoding="utf-8"?>
 <p:sld xmlns:a="http://schemas.openxmlformats.org/drawingml/2006/main" xmlns:p="http://schemas.openxmlformats.org/presentationml/2006/main" xmlns:r="http://schemas.openxmlformats.org/officeDocument/2006/relationships">
   <p:cSld>
@@ -3469,6 +8603,426 @@
 </p:sld>
 </file>
 
+<file path=ppt/slides/slide40.xml><?xml version="1.0" encoding="utf-8"?>
+<p:sld xmlns:a="http://schemas.openxmlformats.org/drawingml/2006/main" xmlns:p="http://schemas.openxmlformats.org/presentationml/2006/main" xmlns:r="http://schemas.openxmlformats.org/officeDocument/2006/relationships">
+  <p:cSld>
+    <p:spTree>
+      <p:nvGrpSpPr>
+        <p:cNvPr id="1" name=""/>
+        <p:cNvGrpSpPr/>
+        <p:nvPr/>
+      </p:nvGrpSpPr>
+      <p:grpSpPr/>
+      <p:pic>
+        <p:nvPicPr>
+          <p:cNvPr id="2" name="Picture 1" descr="Layers.png"/>
+          <p:cNvPicPr>
+            <a:picLocks noChangeAspect="1"/>
+          </p:cNvPicPr>
+          <p:nvPr/>
+        </p:nvPicPr>
+        <p:blipFill>
+          <a:blip r:embed="rId2"/>
+          <a:stretch>
+            <a:fillRect/>
+          </a:stretch>
+        </p:blipFill>
+        <p:spPr>
+          <a:xfrm>
+            <a:off x="-1417320" y="-4572000"/>
+            <a:ext cx="11612880" cy="11612880"/>
+          </a:xfrm>
+          <a:prstGeom prst="rect">
+            <a:avLst/>
+          </a:prstGeom>
+        </p:spPr>
+      </p:pic>
+    </p:spTree>
+  </p:cSld>
+  <p:clrMapOvr>
+    <a:masterClrMapping/>
+  </p:clrMapOvr>
+</p:sld>
+</file>
+
+<file path=ppt/slides/slide41.xml><?xml version="1.0" encoding="utf-8"?>
+<p:sld xmlns:a="http://schemas.openxmlformats.org/drawingml/2006/main" xmlns:p="http://schemas.openxmlformats.org/presentationml/2006/main" xmlns:r="http://schemas.openxmlformats.org/officeDocument/2006/relationships">
+  <p:cSld>
+    <p:spTree>
+      <p:nvGrpSpPr>
+        <p:cNvPr id="1" name=""/>
+        <p:cNvGrpSpPr/>
+        <p:nvPr/>
+      </p:nvGrpSpPr>
+      <p:grpSpPr/>
+      <p:pic>
+        <p:nvPicPr>
+          <p:cNvPr id="2" name="Picture 1" descr="Layers.png"/>
+          <p:cNvPicPr>
+            <a:picLocks noChangeAspect="1"/>
+          </p:cNvPicPr>
+          <p:nvPr/>
+        </p:nvPicPr>
+        <p:blipFill>
+          <a:blip r:embed="rId2"/>
+          <a:stretch>
+            <a:fillRect/>
+          </a:stretch>
+        </p:blipFill>
+        <p:spPr>
+          <a:xfrm>
+            <a:off x="-1417320" y="-4572000"/>
+            <a:ext cx="11612880" cy="11612880"/>
+          </a:xfrm>
+          <a:prstGeom prst="rect">
+            <a:avLst/>
+          </a:prstGeom>
+        </p:spPr>
+      </p:pic>
+    </p:spTree>
+  </p:cSld>
+  <p:clrMapOvr>
+    <a:masterClrMapping/>
+  </p:clrMapOvr>
+</p:sld>
+</file>
+
+<file path=ppt/slides/slide42.xml><?xml version="1.0" encoding="utf-8"?>
+<p:sld xmlns:a="http://schemas.openxmlformats.org/drawingml/2006/main" xmlns:p="http://schemas.openxmlformats.org/presentationml/2006/main" xmlns:r="http://schemas.openxmlformats.org/officeDocument/2006/relationships">
+  <p:cSld>
+    <p:spTree>
+      <p:nvGrpSpPr>
+        <p:cNvPr id="1" name=""/>
+        <p:cNvGrpSpPr/>
+        <p:nvPr/>
+      </p:nvGrpSpPr>
+      <p:grpSpPr/>
+      <p:pic>
+        <p:nvPicPr>
+          <p:cNvPr id="2" name="Picture 1" descr="Layers.png"/>
+          <p:cNvPicPr>
+            <a:picLocks noChangeAspect="1"/>
+          </p:cNvPicPr>
+          <p:nvPr/>
+        </p:nvPicPr>
+        <p:blipFill>
+          <a:blip r:embed="rId2"/>
+          <a:stretch>
+            <a:fillRect/>
+          </a:stretch>
+        </p:blipFill>
+        <p:spPr>
+          <a:xfrm>
+            <a:off x="-1417320" y="-4572000"/>
+            <a:ext cx="11612880" cy="11612880"/>
+          </a:xfrm>
+          <a:prstGeom prst="rect">
+            <a:avLst/>
+          </a:prstGeom>
+        </p:spPr>
+      </p:pic>
+    </p:spTree>
+  </p:cSld>
+  <p:clrMapOvr>
+    <a:masterClrMapping/>
+  </p:clrMapOvr>
+</p:sld>
+</file>
+
+<file path=ppt/slides/slide43.xml><?xml version="1.0" encoding="utf-8"?>
+<p:sld xmlns:a="http://schemas.openxmlformats.org/drawingml/2006/main" xmlns:p="http://schemas.openxmlformats.org/presentationml/2006/main" xmlns:r="http://schemas.openxmlformats.org/officeDocument/2006/relationships">
+  <p:cSld>
+    <p:spTree>
+      <p:nvGrpSpPr>
+        <p:cNvPr id="1" name=""/>
+        <p:cNvGrpSpPr/>
+        <p:nvPr/>
+      </p:nvGrpSpPr>
+      <p:grpSpPr/>
+      <p:pic>
+        <p:nvPicPr>
+          <p:cNvPr id="2" name="Picture 1" descr="Layers.png"/>
+          <p:cNvPicPr>
+            <a:picLocks noChangeAspect="1"/>
+          </p:cNvPicPr>
+          <p:nvPr/>
+        </p:nvPicPr>
+        <p:blipFill>
+          <a:blip r:embed="rId2"/>
+          <a:stretch>
+            <a:fillRect/>
+          </a:stretch>
+        </p:blipFill>
+        <p:spPr>
+          <a:xfrm>
+            <a:off x="-1417320" y="-4572000"/>
+            <a:ext cx="11612880" cy="11612880"/>
+          </a:xfrm>
+          <a:prstGeom prst="rect">
+            <a:avLst/>
+          </a:prstGeom>
+        </p:spPr>
+      </p:pic>
+    </p:spTree>
+  </p:cSld>
+  <p:clrMapOvr>
+    <a:masterClrMapping/>
+  </p:clrMapOvr>
+</p:sld>
+</file>
+
+<file path=ppt/slides/slide44.xml><?xml version="1.0" encoding="utf-8"?>
+<p:sld xmlns:a="http://schemas.openxmlformats.org/drawingml/2006/main" xmlns:p="http://schemas.openxmlformats.org/presentationml/2006/main" xmlns:r="http://schemas.openxmlformats.org/officeDocument/2006/relationships">
+  <p:cSld>
+    <p:spTree>
+      <p:nvGrpSpPr>
+        <p:cNvPr id="1" name=""/>
+        <p:cNvGrpSpPr/>
+        <p:nvPr/>
+      </p:nvGrpSpPr>
+      <p:grpSpPr/>
+      <p:pic>
+        <p:nvPicPr>
+          <p:cNvPr id="2" name="Picture 1" descr="Layers.png"/>
+          <p:cNvPicPr>
+            <a:picLocks noChangeAspect="1"/>
+          </p:cNvPicPr>
+          <p:nvPr/>
+        </p:nvPicPr>
+        <p:blipFill>
+          <a:blip r:embed="rId2"/>
+          <a:stretch>
+            <a:fillRect/>
+          </a:stretch>
+        </p:blipFill>
+        <p:spPr>
+          <a:xfrm>
+            <a:off x="-1417320" y="-4572000"/>
+            <a:ext cx="11612880" cy="11612880"/>
+          </a:xfrm>
+          <a:prstGeom prst="rect">
+            <a:avLst/>
+          </a:prstGeom>
+        </p:spPr>
+      </p:pic>
+    </p:spTree>
+  </p:cSld>
+  <p:clrMapOvr>
+    <a:masterClrMapping/>
+  </p:clrMapOvr>
+</p:sld>
+</file>
+
+<file path=ppt/slides/slide45.xml><?xml version="1.0" encoding="utf-8"?>
+<p:sld xmlns:a="http://schemas.openxmlformats.org/drawingml/2006/main" xmlns:p="http://schemas.openxmlformats.org/presentationml/2006/main" xmlns:r="http://schemas.openxmlformats.org/officeDocument/2006/relationships">
+  <p:cSld>
+    <p:spTree>
+      <p:nvGrpSpPr>
+        <p:cNvPr id="1" name=""/>
+        <p:cNvGrpSpPr/>
+        <p:nvPr/>
+      </p:nvGrpSpPr>
+      <p:grpSpPr/>
+      <p:pic>
+        <p:nvPicPr>
+          <p:cNvPr id="2" name="Picture 1" descr="Layers.png"/>
+          <p:cNvPicPr>
+            <a:picLocks noChangeAspect="1"/>
+          </p:cNvPicPr>
+          <p:nvPr/>
+        </p:nvPicPr>
+        <p:blipFill>
+          <a:blip r:embed="rId2"/>
+          <a:stretch>
+            <a:fillRect/>
+          </a:stretch>
+        </p:blipFill>
+        <p:spPr>
+          <a:xfrm>
+            <a:off x="-1417320" y="-4572000"/>
+            <a:ext cx="11612880" cy="11612880"/>
+          </a:xfrm>
+          <a:prstGeom prst="rect">
+            <a:avLst/>
+          </a:prstGeom>
+        </p:spPr>
+      </p:pic>
+    </p:spTree>
+  </p:cSld>
+  <p:clrMapOvr>
+    <a:masterClrMapping/>
+  </p:clrMapOvr>
+</p:sld>
+</file>
+
+<file path=ppt/slides/slide46.xml><?xml version="1.0" encoding="utf-8"?>
+<p:sld xmlns:a="http://schemas.openxmlformats.org/drawingml/2006/main" xmlns:p="http://schemas.openxmlformats.org/presentationml/2006/main" xmlns:r="http://schemas.openxmlformats.org/officeDocument/2006/relationships">
+  <p:cSld>
+    <p:spTree>
+      <p:nvGrpSpPr>
+        <p:cNvPr id="1" name=""/>
+        <p:cNvGrpSpPr/>
+        <p:nvPr/>
+      </p:nvGrpSpPr>
+      <p:grpSpPr/>
+      <p:pic>
+        <p:nvPicPr>
+          <p:cNvPr id="2" name="Picture 1" descr="Layers.png"/>
+          <p:cNvPicPr>
+            <a:picLocks noChangeAspect="1"/>
+          </p:cNvPicPr>
+          <p:nvPr/>
+        </p:nvPicPr>
+        <p:blipFill>
+          <a:blip r:embed="rId2"/>
+          <a:stretch>
+            <a:fillRect/>
+          </a:stretch>
+        </p:blipFill>
+        <p:spPr>
+          <a:xfrm>
+            <a:off x="-1417320" y="-4572000"/>
+            <a:ext cx="11612880" cy="11612880"/>
+          </a:xfrm>
+          <a:prstGeom prst="rect">
+            <a:avLst/>
+          </a:prstGeom>
+        </p:spPr>
+      </p:pic>
+    </p:spTree>
+  </p:cSld>
+  <p:clrMapOvr>
+    <a:masterClrMapping/>
+  </p:clrMapOvr>
+</p:sld>
+</file>
+
+<file path=ppt/slides/slide47.xml><?xml version="1.0" encoding="utf-8"?>
+<p:sld xmlns:a="http://schemas.openxmlformats.org/drawingml/2006/main" xmlns:p="http://schemas.openxmlformats.org/presentationml/2006/main" xmlns:r="http://schemas.openxmlformats.org/officeDocument/2006/relationships">
+  <p:cSld>
+    <p:spTree>
+      <p:nvGrpSpPr>
+        <p:cNvPr id="1" name=""/>
+        <p:cNvGrpSpPr/>
+        <p:nvPr/>
+      </p:nvGrpSpPr>
+      <p:grpSpPr/>
+      <p:pic>
+        <p:nvPicPr>
+          <p:cNvPr id="2" name="Picture 1" descr="Layers.png"/>
+          <p:cNvPicPr>
+            <a:picLocks noChangeAspect="1"/>
+          </p:cNvPicPr>
+          <p:nvPr/>
+        </p:nvPicPr>
+        <p:blipFill>
+          <a:blip r:embed="rId2"/>
+          <a:stretch>
+            <a:fillRect/>
+          </a:stretch>
+        </p:blipFill>
+        <p:spPr>
+          <a:xfrm>
+            <a:off x="-1417320" y="-4572000"/>
+            <a:ext cx="11612880" cy="11612880"/>
+          </a:xfrm>
+          <a:prstGeom prst="rect">
+            <a:avLst/>
+          </a:prstGeom>
+        </p:spPr>
+      </p:pic>
+    </p:spTree>
+  </p:cSld>
+  <p:clrMapOvr>
+    <a:masterClrMapping/>
+  </p:clrMapOvr>
+</p:sld>
+</file>
+
+<file path=ppt/slides/slide48.xml><?xml version="1.0" encoding="utf-8"?>
+<p:sld xmlns:a="http://schemas.openxmlformats.org/drawingml/2006/main" xmlns:p="http://schemas.openxmlformats.org/presentationml/2006/main" xmlns:r="http://schemas.openxmlformats.org/officeDocument/2006/relationships">
+  <p:cSld>
+    <p:spTree>
+      <p:nvGrpSpPr>
+        <p:cNvPr id="1" name=""/>
+        <p:cNvGrpSpPr/>
+        <p:nvPr/>
+      </p:nvGrpSpPr>
+      <p:grpSpPr/>
+      <p:pic>
+        <p:nvPicPr>
+          <p:cNvPr id="2" name="Picture 1" descr="Layers.png"/>
+          <p:cNvPicPr>
+            <a:picLocks noChangeAspect="1"/>
+          </p:cNvPicPr>
+          <p:nvPr/>
+        </p:nvPicPr>
+        <p:blipFill>
+          <a:blip r:embed="rId2"/>
+          <a:stretch>
+            <a:fillRect/>
+          </a:stretch>
+        </p:blipFill>
+        <p:spPr>
+          <a:xfrm>
+            <a:off x="-1417320" y="-4572000"/>
+            <a:ext cx="11612880" cy="11612880"/>
+          </a:xfrm>
+          <a:prstGeom prst="rect">
+            <a:avLst/>
+          </a:prstGeom>
+        </p:spPr>
+      </p:pic>
+    </p:spTree>
+  </p:cSld>
+  <p:clrMapOvr>
+    <a:masterClrMapping/>
+  </p:clrMapOvr>
+</p:sld>
+</file>
+
+<file path=ppt/slides/slide49.xml><?xml version="1.0" encoding="utf-8"?>
+<p:sld xmlns:a="http://schemas.openxmlformats.org/drawingml/2006/main" xmlns:p="http://schemas.openxmlformats.org/presentationml/2006/main" xmlns:r="http://schemas.openxmlformats.org/officeDocument/2006/relationships">
+  <p:cSld>
+    <p:spTree>
+      <p:nvGrpSpPr>
+        <p:cNvPr id="1" name=""/>
+        <p:cNvGrpSpPr/>
+        <p:nvPr/>
+      </p:nvGrpSpPr>
+      <p:grpSpPr/>
+      <p:pic>
+        <p:nvPicPr>
+          <p:cNvPr id="2" name="Picture 1" descr="Layers.png"/>
+          <p:cNvPicPr>
+            <a:picLocks noChangeAspect="1"/>
+          </p:cNvPicPr>
+          <p:nvPr/>
+        </p:nvPicPr>
+        <p:blipFill>
+          <a:blip r:embed="rId2"/>
+          <a:stretch>
+            <a:fillRect/>
+          </a:stretch>
+        </p:blipFill>
+        <p:spPr>
+          <a:xfrm>
+            <a:off x="-1417320" y="-4572000"/>
+            <a:ext cx="11612880" cy="11612880"/>
+          </a:xfrm>
+          <a:prstGeom prst="rect">
+            <a:avLst/>
+          </a:prstGeom>
+        </p:spPr>
+      </p:pic>
+    </p:spTree>
+  </p:cSld>
+  <p:clrMapOvr>
+    <a:masterClrMapping/>
+  </p:clrMapOvr>
+</p:sld>
+</file>
+
 <file path=ppt/slides/slide5.xml><?xml version="1.0" encoding="utf-8"?>
 <p:sld xmlns:a="http://schemas.openxmlformats.org/drawingml/2006/main" xmlns:p="http://schemas.openxmlformats.org/presentationml/2006/main" xmlns:r="http://schemas.openxmlformats.org/officeDocument/2006/relationships">
   <p:cSld>
@@ -3511,6 +9065,426 @@
 </p:sld>
 </file>
 
+<file path=ppt/slides/slide50.xml><?xml version="1.0" encoding="utf-8"?>
+<p:sld xmlns:a="http://schemas.openxmlformats.org/drawingml/2006/main" xmlns:p="http://schemas.openxmlformats.org/presentationml/2006/main" xmlns:r="http://schemas.openxmlformats.org/officeDocument/2006/relationships">
+  <p:cSld>
+    <p:spTree>
+      <p:nvGrpSpPr>
+        <p:cNvPr id="1" name=""/>
+        <p:cNvGrpSpPr/>
+        <p:nvPr/>
+      </p:nvGrpSpPr>
+      <p:grpSpPr/>
+      <p:pic>
+        <p:nvPicPr>
+          <p:cNvPr id="2" name="Picture 1" descr="Layers.png"/>
+          <p:cNvPicPr>
+            <a:picLocks noChangeAspect="1"/>
+          </p:cNvPicPr>
+          <p:nvPr/>
+        </p:nvPicPr>
+        <p:blipFill>
+          <a:blip r:embed="rId2"/>
+          <a:stretch>
+            <a:fillRect/>
+          </a:stretch>
+        </p:blipFill>
+        <p:spPr>
+          <a:xfrm>
+            <a:off x="-1417320" y="-4572000"/>
+            <a:ext cx="11612880" cy="11612880"/>
+          </a:xfrm>
+          <a:prstGeom prst="rect">
+            <a:avLst/>
+          </a:prstGeom>
+        </p:spPr>
+      </p:pic>
+    </p:spTree>
+  </p:cSld>
+  <p:clrMapOvr>
+    <a:masterClrMapping/>
+  </p:clrMapOvr>
+</p:sld>
+</file>
+
+<file path=ppt/slides/slide51.xml><?xml version="1.0" encoding="utf-8"?>
+<p:sld xmlns:a="http://schemas.openxmlformats.org/drawingml/2006/main" xmlns:p="http://schemas.openxmlformats.org/presentationml/2006/main" xmlns:r="http://schemas.openxmlformats.org/officeDocument/2006/relationships">
+  <p:cSld>
+    <p:spTree>
+      <p:nvGrpSpPr>
+        <p:cNvPr id="1" name=""/>
+        <p:cNvGrpSpPr/>
+        <p:nvPr/>
+      </p:nvGrpSpPr>
+      <p:grpSpPr/>
+      <p:pic>
+        <p:nvPicPr>
+          <p:cNvPr id="2" name="Picture 1" descr="Layers.png"/>
+          <p:cNvPicPr>
+            <a:picLocks noChangeAspect="1"/>
+          </p:cNvPicPr>
+          <p:nvPr/>
+        </p:nvPicPr>
+        <p:blipFill>
+          <a:blip r:embed="rId2"/>
+          <a:stretch>
+            <a:fillRect/>
+          </a:stretch>
+        </p:blipFill>
+        <p:spPr>
+          <a:xfrm>
+            <a:off x="-1417320" y="-4572000"/>
+            <a:ext cx="11612880" cy="11612880"/>
+          </a:xfrm>
+          <a:prstGeom prst="rect">
+            <a:avLst/>
+          </a:prstGeom>
+        </p:spPr>
+      </p:pic>
+    </p:spTree>
+  </p:cSld>
+  <p:clrMapOvr>
+    <a:masterClrMapping/>
+  </p:clrMapOvr>
+</p:sld>
+</file>
+
+<file path=ppt/slides/slide52.xml><?xml version="1.0" encoding="utf-8"?>
+<p:sld xmlns:a="http://schemas.openxmlformats.org/drawingml/2006/main" xmlns:p="http://schemas.openxmlformats.org/presentationml/2006/main" xmlns:r="http://schemas.openxmlformats.org/officeDocument/2006/relationships">
+  <p:cSld>
+    <p:spTree>
+      <p:nvGrpSpPr>
+        <p:cNvPr id="1" name=""/>
+        <p:cNvGrpSpPr/>
+        <p:nvPr/>
+      </p:nvGrpSpPr>
+      <p:grpSpPr/>
+      <p:pic>
+        <p:nvPicPr>
+          <p:cNvPr id="2" name="Picture 1" descr="Layers.png"/>
+          <p:cNvPicPr>
+            <a:picLocks noChangeAspect="1"/>
+          </p:cNvPicPr>
+          <p:nvPr/>
+        </p:nvPicPr>
+        <p:blipFill>
+          <a:blip r:embed="rId2"/>
+          <a:stretch>
+            <a:fillRect/>
+          </a:stretch>
+        </p:blipFill>
+        <p:spPr>
+          <a:xfrm>
+            <a:off x="-1417320" y="-4572000"/>
+            <a:ext cx="11612880" cy="11612880"/>
+          </a:xfrm>
+          <a:prstGeom prst="rect">
+            <a:avLst/>
+          </a:prstGeom>
+        </p:spPr>
+      </p:pic>
+    </p:spTree>
+  </p:cSld>
+  <p:clrMapOvr>
+    <a:masterClrMapping/>
+  </p:clrMapOvr>
+</p:sld>
+</file>
+
+<file path=ppt/slides/slide53.xml><?xml version="1.0" encoding="utf-8"?>
+<p:sld xmlns:a="http://schemas.openxmlformats.org/drawingml/2006/main" xmlns:p="http://schemas.openxmlformats.org/presentationml/2006/main" xmlns:r="http://schemas.openxmlformats.org/officeDocument/2006/relationships">
+  <p:cSld>
+    <p:spTree>
+      <p:nvGrpSpPr>
+        <p:cNvPr id="1" name=""/>
+        <p:cNvGrpSpPr/>
+        <p:nvPr/>
+      </p:nvGrpSpPr>
+      <p:grpSpPr/>
+      <p:pic>
+        <p:nvPicPr>
+          <p:cNvPr id="2" name="Picture 1" descr="Layers.png"/>
+          <p:cNvPicPr>
+            <a:picLocks noChangeAspect="1"/>
+          </p:cNvPicPr>
+          <p:nvPr/>
+        </p:nvPicPr>
+        <p:blipFill>
+          <a:blip r:embed="rId2"/>
+          <a:stretch>
+            <a:fillRect/>
+          </a:stretch>
+        </p:blipFill>
+        <p:spPr>
+          <a:xfrm>
+            <a:off x="-1417320" y="-4572000"/>
+            <a:ext cx="11612880" cy="11612880"/>
+          </a:xfrm>
+          <a:prstGeom prst="rect">
+            <a:avLst/>
+          </a:prstGeom>
+        </p:spPr>
+      </p:pic>
+    </p:spTree>
+  </p:cSld>
+  <p:clrMapOvr>
+    <a:masterClrMapping/>
+  </p:clrMapOvr>
+</p:sld>
+</file>
+
+<file path=ppt/slides/slide54.xml><?xml version="1.0" encoding="utf-8"?>
+<p:sld xmlns:a="http://schemas.openxmlformats.org/drawingml/2006/main" xmlns:p="http://schemas.openxmlformats.org/presentationml/2006/main" xmlns:r="http://schemas.openxmlformats.org/officeDocument/2006/relationships">
+  <p:cSld>
+    <p:spTree>
+      <p:nvGrpSpPr>
+        <p:cNvPr id="1" name=""/>
+        <p:cNvGrpSpPr/>
+        <p:nvPr/>
+      </p:nvGrpSpPr>
+      <p:grpSpPr/>
+      <p:pic>
+        <p:nvPicPr>
+          <p:cNvPr id="2" name="Picture 1" descr="Layers.png"/>
+          <p:cNvPicPr>
+            <a:picLocks noChangeAspect="1"/>
+          </p:cNvPicPr>
+          <p:nvPr/>
+        </p:nvPicPr>
+        <p:blipFill>
+          <a:blip r:embed="rId2"/>
+          <a:stretch>
+            <a:fillRect/>
+          </a:stretch>
+        </p:blipFill>
+        <p:spPr>
+          <a:xfrm>
+            <a:off x="-1417320" y="-4572000"/>
+            <a:ext cx="11612880" cy="11612880"/>
+          </a:xfrm>
+          <a:prstGeom prst="rect">
+            <a:avLst/>
+          </a:prstGeom>
+        </p:spPr>
+      </p:pic>
+    </p:spTree>
+  </p:cSld>
+  <p:clrMapOvr>
+    <a:masterClrMapping/>
+  </p:clrMapOvr>
+</p:sld>
+</file>
+
+<file path=ppt/slides/slide55.xml><?xml version="1.0" encoding="utf-8"?>
+<p:sld xmlns:a="http://schemas.openxmlformats.org/drawingml/2006/main" xmlns:p="http://schemas.openxmlformats.org/presentationml/2006/main" xmlns:r="http://schemas.openxmlformats.org/officeDocument/2006/relationships">
+  <p:cSld>
+    <p:spTree>
+      <p:nvGrpSpPr>
+        <p:cNvPr id="1" name=""/>
+        <p:cNvGrpSpPr/>
+        <p:nvPr/>
+      </p:nvGrpSpPr>
+      <p:grpSpPr/>
+      <p:pic>
+        <p:nvPicPr>
+          <p:cNvPr id="2" name="Picture 1" descr="Layers.png"/>
+          <p:cNvPicPr>
+            <a:picLocks noChangeAspect="1"/>
+          </p:cNvPicPr>
+          <p:nvPr/>
+        </p:nvPicPr>
+        <p:blipFill>
+          <a:blip r:embed="rId2"/>
+          <a:stretch>
+            <a:fillRect/>
+          </a:stretch>
+        </p:blipFill>
+        <p:spPr>
+          <a:xfrm>
+            <a:off x="-1417320" y="-4572000"/>
+            <a:ext cx="11612880" cy="11612880"/>
+          </a:xfrm>
+          <a:prstGeom prst="rect">
+            <a:avLst/>
+          </a:prstGeom>
+        </p:spPr>
+      </p:pic>
+    </p:spTree>
+  </p:cSld>
+  <p:clrMapOvr>
+    <a:masterClrMapping/>
+  </p:clrMapOvr>
+</p:sld>
+</file>
+
+<file path=ppt/slides/slide56.xml><?xml version="1.0" encoding="utf-8"?>
+<p:sld xmlns:a="http://schemas.openxmlformats.org/drawingml/2006/main" xmlns:p="http://schemas.openxmlformats.org/presentationml/2006/main" xmlns:r="http://schemas.openxmlformats.org/officeDocument/2006/relationships">
+  <p:cSld>
+    <p:spTree>
+      <p:nvGrpSpPr>
+        <p:cNvPr id="1" name=""/>
+        <p:cNvGrpSpPr/>
+        <p:nvPr/>
+      </p:nvGrpSpPr>
+      <p:grpSpPr/>
+      <p:pic>
+        <p:nvPicPr>
+          <p:cNvPr id="2" name="Picture 1" descr="Layers.png"/>
+          <p:cNvPicPr>
+            <a:picLocks noChangeAspect="1"/>
+          </p:cNvPicPr>
+          <p:nvPr/>
+        </p:nvPicPr>
+        <p:blipFill>
+          <a:blip r:embed="rId2"/>
+          <a:stretch>
+            <a:fillRect/>
+          </a:stretch>
+        </p:blipFill>
+        <p:spPr>
+          <a:xfrm>
+            <a:off x="-1417320" y="-4572000"/>
+            <a:ext cx="11612880" cy="11612880"/>
+          </a:xfrm>
+          <a:prstGeom prst="rect">
+            <a:avLst/>
+          </a:prstGeom>
+        </p:spPr>
+      </p:pic>
+    </p:spTree>
+  </p:cSld>
+  <p:clrMapOvr>
+    <a:masterClrMapping/>
+  </p:clrMapOvr>
+</p:sld>
+</file>
+
+<file path=ppt/slides/slide57.xml><?xml version="1.0" encoding="utf-8"?>
+<p:sld xmlns:a="http://schemas.openxmlformats.org/drawingml/2006/main" xmlns:p="http://schemas.openxmlformats.org/presentationml/2006/main" xmlns:r="http://schemas.openxmlformats.org/officeDocument/2006/relationships">
+  <p:cSld>
+    <p:spTree>
+      <p:nvGrpSpPr>
+        <p:cNvPr id="1" name=""/>
+        <p:cNvGrpSpPr/>
+        <p:nvPr/>
+      </p:nvGrpSpPr>
+      <p:grpSpPr/>
+      <p:pic>
+        <p:nvPicPr>
+          <p:cNvPr id="2" name="Picture 1" descr="Layers.png"/>
+          <p:cNvPicPr>
+            <a:picLocks noChangeAspect="1"/>
+          </p:cNvPicPr>
+          <p:nvPr/>
+        </p:nvPicPr>
+        <p:blipFill>
+          <a:blip r:embed="rId2"/>
+          <a:stretch>
+            <a:fillRect/>
+          </a:stretch>
+        </p:blipFill>
+        <p:spPr>
+          <a:xfrm>
+            <a:off x="-1417320" y="-4572000"/>
+            <a:ext cx="11612880" cy="11612880"/>
+          </a:xfrm>
+          <a:prstGeom prst="rect">
+            <a:avLst/>
+          </a:prstGeom>
+        </p:spPr>
+      </p:pic>
+    </p:spTree>
+  </p:cSld>
+  <p:clrMapOvr>
+    <a:masterClrMapping/>
+  </p:clrMapOvr>
+</p:sld>
+</file>
+
+<file path=ppt/slides/slide58.xml><?xml version="1.0" encoding="utf-8"?>
+<p:sld xmlns:a="http://schemas.openxmlformats.org/drawingml/2006/main" xmlns:p="http://schemas.openxmlformats.org/presentationml/2006/main" xmlns:r="http://schemas.openxmlformats.org/officeDocument/2006/relationships">
+  <p:cSld>
+    <p:spTree>
+      <p:nvGrpSpPr>
+        <p:cNvPr id="1" name=""/>
+        <p:cNvGrpSpPr/>
+        <p:nvPr/>
+      </p:nvGrpSpPr>
+      <p:grpSpPr/>
+      <p:pic>
+        <p:nvPicPr>
+          <p:cNvPr id="2" name="Picture 1" descr="Layers.png"/>
+          <p:cNvPicPr>
+            <a:picLocks noChangeAspect="1"/>
+          </p:cNvPicPr>
+          <p:nvPr/>
+        </p:nvPicPr>
+        <p:blipFill>
+          <a:blip r:embed="rId2"/>
+          <a:stretch>
+            <a:fillRect/>
+          </a:stretch>
+        </p:blipFill>
+        <p:spPr>
+          <a:xfrm>
+            <a:off x="-1417320" y="-4572000"/>
+            <a:ext cx="11612880" cy="11612880"/>
+          </a:xfrm>
+          <a:prstGeom prst="rect">
+            <a:avLst/>
+          </a:prstGeom>
+        </p:spPr>
+      </p:pic>
+    </p:spTree>
+  </p:cSld>
+  <p:clrMapOvr>
+    <a:masterClrMapping/>
+  </p:clrMapOvr>
+</p:sld>
+</file>
+
+<file path=ppt/slides/slide59.xml><?xml version="1.0" encoding="utf-8"?>
+<p:sld xmlns:a="http://schemas.openxmlformats.org/drawingml/2006/main" xmlns:p="http://schemas.openxmlformats.org/presentationml/2006/main" xmlns:r="http://schemas.openxmlformats.org/officeDocument/2006/relationships">
+  <p:cSld>
+    <p:spTree>
+      <p:nvGrpSpPr>
+        <p:cNvPr id="1" name=""/>
+        <p:cNvGrpSpPr/>
+        <p:nvPr/>
+      </p:nvGrpSpPr>
+      <p:grpSpPr/>
+      <p:pic>
+        <p:nvPicPr>
+          <p:cNvPr id="2" name="Picture 1" descr="Layers.png"/>
+          <p:cNvPicPr>
+            <a:picLocks noChangeAspect="1"/>
+          </p:cNvPicPr>
+          <p:nvPr/>
+        </p:nvPicPr>
+        <p:blipFill>
+          <a:blip r:embed="rId2"/>
+          <a:stretch>
+            <a:fillRect/>
+          </a:stretch>
+        </p:blipFill>
+        <p:spPr>
+          <a:xfrm>
+            <a:off x="-1417320" y="-4572000"/>
+            <a:ext cx="11612880" cy="11612880"/>
+          </a:xfrm>
+          <a:prstGeom prst="rect">
+            <a:avLst/>
+          </a:prstGeom>
+        </p:spPr>
+      </p:pic>
+    </p:spTree>
+  </p:cSld>
+  <p:clrMapOvr>
+    <a:masterClrMapping/>
+  </p:clrMapOvr>
+</p:sld>
+</file>
+
 <file path=ppt/slides/slide6.xml><?xml version="1.0" encoding="utf-8"?>
 <p:sld xmlns:a="http://schemas.openxmlformats.org/drawingml/2006/main" xmlns:p="http://schemas.openxmlformats.org/presentationml/2006/main" xmlns:r="http://schemas.openxmlformats.org/officeDocument/2006/relationships">
   <p:cSld>
@@ -3553,6 +9527,426 @@
 </p:sld>
 </file>
 
+<file path=ppt/slides/slide60.xml><?xml version="1.0" encoding="utf-8"?>
+<p:sld xmlns:a="http://schemas.openxmlformats.org/drawingml/2006/main" xmlns:p="http://schemas.openxmlformats.org/presentationml/2006/main" xmlns:r="http://schemas.openxmlformats.org/officeDocument/2006/relationships">
+  <p:cSld>
+    <p:spTree>
+      <p:nvGrpSpPr>
+        <p:cNvPr id="1" name=""/>
+        <p:cNvGrpSpPr/>
+        <p:nvPr/>
+      </p:nvGrpSpPr>
+      <p:grpSpPr/>
+      <p:pic>
+        <p:nvPicPr>
+          <p:cNvPr id="2" name="Picture 1" descr="Layers.png"/>
+          <p:cNvPicPr>
+            <a:picLocks noChangeAspect="1"/>
+          </p:cNvPicPr>
+          <p:nvPr/>
+        </p:nvPicPr>
+        <p:blipFill>
+          <a:blip r:embed="rId2"/>
+          <a:stretch>
+            <a:fillRect/>
+          </a:stretch>
+        </p:blipFill>
+        <p:spPr>
+          <a:xfrm>
+            <a:off x="-1417320" y="-4572000"/>
+            <a:ext cx="11612880" cy="11612880"/>
+          </a:xfrm>
+          <a:prstGeom prst="rect">
+            <a:avLst/>
+          </a:prstGeom>
+        </p:spPr>
+      </p:pic>
+    </p:spTree>
+  </p:cSld>
+  <p:clrMapOvr>
+    <a:masterClrMapping/>
+  </p:clrMapOvr>
+</p:sld>
+</file>
+
+<file path=ppt/slides/slide61.xml><?xml version="1.0" encoding="utf-8"?>
+<p:sld xmlns:a="http://schemas.openxmlformats.org/drawingml/2006/main" xmlns:p="http://schemas.openxmlformats.org/presentationml/2006/main" xmlns:r="http://schemas.openxmlformats.org/officeDocument/2006/relationships">
+  <p:cSld>
+    <p:spTree>
+      <p:nvGrpSpPr>
+        <p:cNvPr id="1" name=""/>
+        <p:cNvGrpSpPr/>
+        <p:nvPr/>
+      </p:nvGrpSpPr>
+      <p:grpSpPr/>
+      <p:pic>
+        <p:nvPicPr>
+          <p:cNvPr id="2" name="Picture 1" descr="Layers.png"/>
+          <p:cNvPicPr>
+            <a:picLocks noChangeAspect="1"/>
+          </p:cNvPicPr>
+          <p:nvPr/>
+        </p:nvPicPr>
+        <p:blipFill>
+          <a:blip r:embed="rId2"/>
+          <a:stretch>
+            <a:fillRect/>
+          </a:stretch>
+        </p:blipFill>
+        <p:spPr>
+          <a:xfrm>
+            <a:off x="-1417320" y="-4572000"/>
+            <a:ext cx="11612880" cy="11612880"/>
+          </a:xfrm>
+          <a:prstGeom prst="rect">
+            <a:avLst/>
+          </a:prstGeom>
+        </p:spPr>
+      </p:pic>
+    </p:spTree>
+  </p:cSld>
+  <p:clrMapOvr>
+    <a:masterClrMapping/>
+  </p:clrMapOvr>
+</p:sld>
+</file>
+
+<file path=ppt/slides/slide62.xml><?xml version="1.0" encoding="utf-8"?>
+<p:sld xmlns:a="http://schemas.openxmlformats.org/drawingml/2006/main" xmlns:p="http://schemas.openxmlformats.org/presentationml/2006/main" xmlns:r="http://schemas.openxmlformats.org/officeDocument/2006/relationships">
+  <p:cSld>
+    <p:spTree>
+      <p:nvGrpSpPr>
+        <p:cNvPr id="1" name=""/>
+        <p:cNvGrpSpPr/>
+        <p:nvPr/>
+      </p:nvGrpSpPr>
+      <p:grpSpPr/>
+      <p:pic>
+        <p:nvPicPr>
+          <p:cNvPr id="2" name="Picture 1" descr="Layers.png"/>
+          <p:cNvPicPr>
+            <a:picLocks noChangeAspect="1"/>
+          </p:cNvPicPr>
+          <p:nvPr/>
+        </p:nvPicPr>
+        <p:blipFill>
+          <a:blip r:embed="rId2"/>
+          <a:stretch>
+            <a:fillRect/>
+          </a:stretch>
+        </p:blipFill>
+        <p:spPr>
+          <a:xfrm>
+            <a:off x="-1417320" y="-4572000"/>
+            <a:ext cx="11612880" cy="11612880"/>
+          </a:xfrm>
+          <a:prstGeom prst="rect">
+            <a:avLst/>
+          </a:prstGeom>
+        </p:spPr>
+      </p:pic>
+    </p:spTree>
+  </p:cSld>
+  <p:clrMapOvr>
+    <a:masterClrMapping/>
+  </p:clrMapOvr>
+</p:sld>
+</file>
+
+<file path=ppt/slides/slide63.xml><?xml version="1.0" encoding="utf-8"?>
+<p:sld xmlns:a="http://schemas.openxmlformats.org/drawingml/2006/main" xmlns:p="http://schemas.openxmlformats.org/presentationml/2006/main" xmlns:r="http://schemas.openxmlformats.org/officeDocument/2006/relationships">
+  <p:cSld>
+    <p:spTree>
+      <p:nvGrpSpPr>
+        <p:cNvPr id="1" name=""/>
+        <p:cNvGrpSpPr/>
+        <p:nvPr/>
+      </p:nvGrpSpPr>
+      <p:grpSpPr/>
+      <p:pic>
+        <p:nvPicPr>
+          <p:cNvPr id="2" name="Picture 1" descr="Layers.png"/>
+          <p:cNvPicPr>
+            <a:picLocks noChangeAspect="1"/>
+          </p:cNvPicPr>
+          <p:nvPr/>
+        </p:nvPicPr>
+        <p:blipFill>
+          <a:blip r:embed="rId2"/>
+          <a:stretch>
+            <a:fillRect/>
+          </a:stretch>
+        </p:blipFill>
+        <p:spPr>
+          <a:xfrm>
+            <a:off x="-1417320" y="-4572000"/>
+            <a:ext cx="11612880" cy="11612880"/>
+          </a:xfrm>
+          <a:prstGeom prst="rect">
+            <a:avLst/>
+          </a:prstGeom>
+        </p:spPr>
+      </p:pic>
+    </p:spTree>
+  </p:cSld>
+  <p:clrMapOvr>
+    <a:masterClrMapping/>
+  </p:clrMapOvr>
+</p:sld>
+</file>
+
+<file path=ppt/slides/slide64.xml><?xml version="1.0" encoding="utf-8"?>
+<p:sld xmlns:a="http://schemas.openxmlformats.org/drawingml/2006/main" xmlns:p="http://schemas.openxmlformats.org/presentationml/2006/main" xmlns:r="http://schemas.openxmlformats.org/officeDocument/2006/relationships">
+  <p:cSld>
+    <p:spTree>
+      <p:nvGrpSpPr>
+        <p:cNvPr id="1" name=""/>
+        <p:cNvGrpSpPr/>
+        <p:nvPr/>
+      </p:nvGrpSpPr>
+      <p:grpSpPr/>
+      <p:pic>
+        <p:nvPicPr>
+          <p:cNvPr id="2" name="Picture 1" descr="Layers.png"/>
+          <p:cNvPicPr>
+            <a:picLocks noChangeAspect="1"/>
+          </p:cNvPicPr>
+          <p:nvPr/>
+        </p:nvPicPr>
+        <p:blipFill>
+          <a:blip r:embed="rId2"/>
+          <a:stretch>
+            <a:fillRect/>
+          </a:stretch>
+        </p:blipFill>
+        <p:spPr>
+          <a:xfrm>
+            <a:off x="-1417320" y="-4572000"/>
+            <a:ext cx="11612880" cy="11612880"/>
+          </a:xfrm>
+          <a:prstGeom prst="rect">
+            <a:avLst/>
+          </a:prstGeom>
+        </p:spPr>
+      </p:pic>
+    </p:spTree>
+  </p:cSld>
+  <p:clrMapOvr>
+    <a:masterClrMapping/>
+  </p:clrMapOvr>
+</p:sld>
+</file>
+
+<file path=ppt/slides/slide65.xml><?xml version="1.0" encoding="utf-8"?>
+<p:sld xmlns:a="http://schemas.openxmlformats.org/drawingml/2006/main" xmlns:p="http://schemas.openxmlformats.org/presentationml/2006/main" xmlns:r="http://schemas.openxmlformats.org/officeDocument/2006/relationships">
+  <p:cSld>
+    <p:spTree>
+      <p:nvGrpSpPr>
+        <p:cNvPr id="1" name=""/>
+        <p:cNvGrpSpPr/>
+        <p:nvPr/>
+      </p:nvGrpSpPr>
+      <p:grpSpPr/>
+      <p:pic>
+        <p:nvPicPr>
+          <p:cNvPr id="2" name="Picture 1" descr="Layers.png"/>
+          <p:cNvPicPr>
+            <a:picLocks noChangeAspect="1"/>
+          </p:cNvPicPr>
+          <p:nvPr/>
+        </p:nvPicPr>
+        <p:blipFill>
+          <a:blip r:embed="rId2"/>
+          <a:stretch>
+            <a:fillRect/>
+          </a:stretch>
+        </p:blipFill>
+        <p:spPr>
+          <a:xfrm>
+            <a:off x="-1417320" y="-4572000"/>
+            <a:ext cx="11612880" cy="11612880"/>
+          </a:xfrm>
+          <a:prstGeom prst="rect">
+            <a:avLst/>
+          </a:prstGeom>
+        </p:spPr>
+      </p:pic>
+    </p:spTree>
+  </p:cSld>
+  <p:clrMapOvr>
+    <a:masterClrMapping/>
+  </p:clrMapOvr>
+</p:sld>
+</file>
+
+<file path=ppt/slides/slide66.xml><?xml version="1.0" encoding="utf-8"?>
+<p:sld xmlns:a="http://schemas.openxmlformats.org/drawingml/2006/main" xmlns:p="http://schemas.openxmlformats.org/presentationml/2006/main" xmlns:r="http://schemas.openxmlformats.org/officeDocument/2006/relationships">
+  <p:cSld>
+    <p:spTree>
+      <p:nvGrpSpPr>
+        <p:cNvPr id="1" name=""/>
+        <p:cNvGrpSpPr/>
+        <p:nvPr/>
+      </p:nvGrpSpPr>
+      <p:grpSpPr/>
+      <p:pic>
+        <p:nvPicPr>
+          <p:cNvPr id="2" name="Picture 1" descr="Layers.png"/>
+          <p:cNvPicPr>
+            <a:picLocks noChangeAspect="1"/>
+          </p:cNvPicPr>
+          <p:nvPr/>
+        </p:nvPicPr>
+        <p:blipFill>
+          <a:blip r:embed="rId2"/>
+          <a:stretch>
+            <a:fillRect/>
+          </a:stretch>
+        </p:blipFill>
+        <p:spPr>
+          <a:xfrm>
+            <a:off x="-1417320" y="-4572000"/>
+            <a:ext cx="11612880" cy="11612880"/>
+          </a:xfrm>
+          <a:prstGeom prst="rect">
+            <a:avLst/>
+          </a:prstGeom>
+        </p:spPr>
+      </p:pic>
+    </p:spTree>
+  </p:cSld>
+  <p:clrMapOvr>
+    <a:masterClrMapping/>
+  </p:clrMapOvr>
+</p:sld>
+</file>
+
+<file path=ppt/slides/slide67.xml><?xml version="1.0" encoding="utf-8"?>
+<p:sld xmlns:a="http://schemas.openxmlformats.org/drawingml/2006/main" xmlns:p="http://schemas.openxmlformats.org/presentationml/2006/main" xmlns:r="http://schemas.openxmlformats.org/officeDocument/2006/relationships">
+  <p:cSld>
+    <p:spTree>
+      <p:nvGrpSpPr>
+        <p:cNvPr id="1" name=""/>
+        <p:cNvGrpSpPr/>
+        <p:nvPr/>
+      </p:nvGrpSpPr>
+      <p:grpSpPr/>
+      <p:pic>
+        <p:nvPicPr>
+          <p:cNvPr id="2" name="Picture 1" descr="Layers.png"/>
+          <p:cNvPicPr>
+            <a:picLocks noChangeAspect="1"/>
+          </p:cNvPicPr>
+          <p:nvPr/>
+        </p:nvPicPr>
+        <p:blipFill>
+          <a:blip r:embed="rId2"/>
+          <a:stretch>
+            <a:fillRect/>
+          </a:stretch>
+        </p:blipFill>
+        <p:spPr>
+          <a:xfrm>
+            <a:off x="-1417320" y="-4572000"/>
+            <a:ext cx="11612880" cy="11612880"/>
+          </a:xfrm>
+          <a:prstGeom prst="rect">
+            <a:avLst/>
+          </a:prstGeom>
+        </p:spPr>
+      </p:pic>
+    </p:spTree>
+  </p:cSld>
+  <p:clrMapOvr>
+    <a:masterClrMapping/>
+  </p:clrMapOvr>
+</p:sld>
+</file>
+
+<file path=ppt/slides/slide68.xml><?xml version="1.0" encoding="utf-8"?>
+<p:sld xmlns:a="http://schemas.openxmlformats.org/drawingml/2006/main" xmlns:p="http://schemas.openxmlformats.org/presentationml/2006/main" xmlns:r="http://schemas.openxmlformats.org/officeDocument/2006/relationships">
+  <p:cSld>
+    <p:spTree>
+      <p:nvGrpSpPr>
+        <p:cNvPr id="1" name=""/>
+        <p:cNvGrpSpPr/>
+        <p:nvPr/>
+      </p:nvGrpSpPr>
+      <p:grpSpPr/>
+      <p:pic>
+        <p:nvPicPr>
+          <p:cNvPr id="2" name="Picture 1" descr="Layers.png"/>
+          <p:cNvPicPr>
+            <a:picLocks noChangeAspect="1"/>
+          </p:cNvPicPr>
+          <p:nvPr/>
+        </p:nvPicPr>
+        <p:blipFill>
+          <a:blip r:embed="rId2"/>
+          <a:stretch>
+            <a:fillRect/>
+          </a:stretch>
+        </p:blipFill>
+        <p:spPr>
+          <a:xfrm>
+            <a:off x="-1417320" y="-4572000"/>
+            <a:ext cx="11612880" cy="11612880"/>
+          </a:xfrm>
+          <a:prstGeom prst="rect">
+            <a:avLst/>
+          </a:prstGeom>
+        </p:spPr>
+      </p:pic>
+    </p:spTree>
+  </p:cSld>
+  <p:clrMapOvr>
+    <a:masterClrMapping/>
+  </p:clrMapOvr>
+</p:sld>
+</file>
+
+<file path=ppt/slides/slide69.xml><?xml version="1.0" encoding="utf-8"?>
+<p:sld xmlns:a="http://schemas.openxmlformats.org/drawingml/2006/main" xmlns:p="http://schemas.openxmlformats.org/presentationml/2006/main" xmlns:r="http://schemas.openxmlformats.org/officeDocument/2006/relationships">
+  <p:cSld>
+    <p:spTree>
+      <p:nvGrpSpPr>
+        <p:cNvPr id="1" name=""/>
+        <p:cNvGrpSpPr/>
+        <p:nvPr/>
+      </p:nvGrpSpPr>
+      <p:grpSpPr/>
+      <p:pic>
+        <p:nvPicPr>
+          <p:cNvPr id="2" name="Picture 1" descr="Layers.png"/>
+          <p:cNvPicPr>
+            <a:picLocks noChangeAspect="1"/>
+          </p:cNvPicPr>
+          <p:nvPr/>
+        </p:nvPicPr>
+        <p:blipFill>
+          <a:blip r:embed="rId2"/>
+          <a:stretch>
+            <a:fillRect/>
+          </a:stretch>
+        </p:blipFill>
+        <p:spPr>
+          <a:xfrm>
+            <a:off x="-1417320" y="-4572000"/>
+            <a:ext cx="11612880" cy="11612880"/>
+          </a:xfrm>
+          <a:prstGeom prst="rect">
+            <a:avLst/>
+          </a:prstGeom>
+        </p:spPr>
+      </p:pic>
+    </p:spTree>
+  </p:cSld>
+  <p:clrMapOvr>
+    <a:masterClrMapping/>
+  </p:clrMapOvr>
+</p:sld>
+</file>
+
 <file path=ppt/slides/slide7.xml><?xml version="1.0" encoding="utf-8"?>
 <p:sld xmlns:a="http://schemas.openxmlformats.org/drawingml/2006/main" xmlns:p="http://schemas.openxmlformats.org/presentationml/2006/main" xmlns:r="http://schemas.openxmlformats.org/officeDocument/2006/relationships">
   <p:cSld>
@@ -3595,6 +9989,426 @@
 </p:sld>
 </file>
 
+<file path=ppt/slides/slide70.xml><?xml version="1.0" encoding="utf-8"?>
+<p:sld xmlns:a="http://schemas.openxmlformats.org/drawingml/2006/main" xmlns:p="http://schemas.openxmlformats.org/presentationml/2006/main" xmlns:r="http://schemas.openxmlformats.org/officeDocument/2006/relationships">
+  <p:cSld>
+    <p:spTree>
+      <p:nvGrpSpPr>
+        <p:cNvPr id="1" name=""/>
+        <p:cNvGrpSpPr/>
+        <p:nvPr/>
+      </p:nvGrpSpPr>
+      <p:grpSpPr/>
+      <p:pic>
+        <p:nvPicPr>
+          <p:cNvPr id="2" name="Picture 1" descr="Layers.png"/>
+          <p:cNvPicPr>
+            <a:picLocks noChangeAspect="1"/>
+          </p:cNvPicPr>
+          <p:nvPr/>
+        </p:nvPicPr>
+        <p:blipFill>
+          <a:blip r:embed="rId2"/>
+          <a:stretch>
+            <a:fillRect/>
+          </a:stretch>
+        </p:blipFill>
+        <p:spPr>
+          <a:xfrm>
+            <a:off x="-1417320" y="-4572000"/>
+            <a:ext cx="11612880" cy="11612880"/>
+          </a:xfrm>
+          <a:prstGeom prst="rect">
+            <a:avLst/>
+          </a:prstGeom>
+        </p:spPr>
+      </p:pic>
+    </p:spTree>
+  </p:cSld>
+  <p:clrMapOvr>
+    <a:masterClrMapping/>
+  </p:clrMapOvr>
+</p:sld>
+</file>
+
+<file path=ppt/slides/slide71.xml><?xml version="1.0" encoding="utf-8"?>
+<p:sld xmlns:a="http://schemas.openxmlformats.org/drawingml/2006/main" xmlns:p="http://schemas.openxmlformats.org/presentationml/2006/main" xmlns:r="http://schemas.openxmlformats.org/officeDocument/2006/relationships">
+  <p:cSld>
+    <p:spTree>
+      <p:nvGrpSpPr>
+        <p:cNvPr id="1" name=""/>
+        <p:cNvGrpSpPr/>
+        <p:nvPr/>
+      </p:nvGrpSpPr>
+      <p:grpSpPr/>
+      <p:pic>
+        <p:nvPicPr>
+          <p:cNvPr id="2" name="Picture 1" descr="Layers.png"/>
+          <p:cNvPicPr>
+            <a:picLocks noChangeAspect="1"/>
+          </p:cNvPicPr>
+          <p:nvPr/>
+        </p:nvPicPr>
+        <p:blipFill>
+          <a:blip r:embed="rId2"/>
+          <a:stretch>
+            <a:fillRect/>
+          </a:stretch>
+        </p:blipFill>
+        <p:spPr>
+          <a:xfrm>
+            <a:off x="-1417320" y="-4572000"/>
+            <a:ext cx="11612880" cy="11612880"/>
+          </a:xfrm>
+          <a:prstGeom prst="rect">
+            <a:avLst/>
+          </a:prstGeom>
+        </p:spPr>
+      </p:pic>
+    </p:spTree>
+  </p:cSld>
+  <p:clrMapOvr>
+    <a:masterClrMapping/>
+  </p:clrMapOvr>
+</p:sld>
+</file>
+
+<file path=ppt/slides/slide72.xml><?xml version="1.0" encoding="utf-8"?>
+<p:sld xmlns:a="http://schemas.openxmlformats.org/drawingml/2006/main" xmlns:p="http://schemas.openxmlformats.org/presentationml/2006/main" xmlns:r="http://schemas.openxmlformats.org/officeDocument/2006/relationships">
+  <p:cSld>
+    <p:spTree>
+      <p:nvGrpSpPr>
+        <p:cNvPr id="1" name=""/>
+        <p:cNvGrpSpPr/>
+        <p:nvPr/>
+      </p:nvGrpSpPr>
+      <p:grpSpPr/>
+      <p:pic>
+        <p:nvPicPr>
+          <p:cNvPr id="2" name="Picture 1" descr="Layers.png"/>
+          <p:cNvPicPr>
+            <a:picLocks noChangeAspect="1"/>
+          </p:cNvPicPr>
+          <p:nvPr/>
+        </p:nvPicPr>
+        <p:blipFill>
+          <a:blip r:embed="rId2"/>
+          <a:stretch>
+            <a:fillRect/>
+          </a:stretch>
+        </p:blipFill>
+        <p:spPr>
+          <a:xfrm>
+            <a:off x="-1417320" y="-4572000"/>
+            <a:ext cx="11612880" cy="11612880"/>
+          </a:xfrm>
+          <a:prstGeom prst="rect">
+            <a:avLst/>
+          </a:prstGeom>
+        </p:spPr>
+      </p:pic>
+    </p:spTree>
+  </p:cSld>
+  <p:clrMapOvr>
+    <a:masterClrMapping/>
+  </p:clrMapOvr>
+</p:sld>
+</file>
+
+<file path=ppt/slides/slide73.xml><?xml version="1.0" encoding="utf-8"?>
+<p:sld xmlns:a="http://schemas.openxmlformats.org/drawingml/2006/main" xmlns:p="http://schemas.openxmlformats.org/presentationml/2006/main" xmlns:r="http://schemas.openxmlformats.org/officeDocument/2006/relationships">
+  <p:cSld>
+    <p:spTree>
+      <p:nvGrpSpPr>
+        <p:cNvPr id="1" name=""/>
+        <p:cNvGrpSpPr/>
+        <p:nvPr/>
+      </p:nvGrpSpPr>
+      <p:grpSpPr/>
+      <p:pic>
+        <p:nvPicPr>
+          <p:cNvPr id="2" name="Picture 1" descr="Layers.png"/>
+          <p:cNvPicPr>
+            <a:picLocks noChangeAspect="1"/>
+          </p:cNvPicPr>
+          <p:nvPr/>
+        </p:nvPicPr>
+        <p:blipFill>
+          <a:blip r:embed="rId2"/>
+          <a:stretch>
+            <a:fillRect/>
+          </a:stretch>
+        </p:blipFill>
+        <p:spPr>
+          <a:xfrm>
+            <a:off x="-1417320" y="-4572000"/>
+            <a:ext cx="11612880" cy="11612880"/>
+          </a:xfrm>
+          <a:prstGeom prst="rect">
+            <a:avLst/>
+          </a:prstGeom>
+        </p:spPr>
+      </p:pic>
+    </p:spTree>
+  </p:cSld>
+  <p:clrMapOvr>
+    <a:masterClrMapping/>
+  </p:clrMapOvr>
+</p:sld>
+</file>
+
+<file path=ppt/slides/slide74.xml><?xml version="1.0" encoding="utf-8"?>
+<p:sld xmlns:a="http://schemas.openxmlformats.org/drawingml/2006/main" xmlns:p="http://schemas.openxmlformats.org/presentationml/2006/main" xmlns:r="http://schemas.openxmlformats.org/officeDocument/2006/relationships">
+  <p:cSld>
+    <p:spTree>
+      <p:nvGrpSpPr>
+        <p:cNvPr id="1" name=""/>
+        <p:cNvGrpSpPr/>
+        <p:nvPr/>
+      </p:nvGrpSpPr>
+      <p:grpSpPr/>
+      <p:pic>
+        <p:nvPicPr>
+          <p:cNvPr id="2" name="Picture 1" descr="Layers.png"/>
+          <p:cNvPicPr>
+            <a:picLocks noChangeAspect="1"/>
+          </p:cNvPicPr>
+          <p:nvPr/>
+        </p:nvPicPr>
+        <p:blipFill>
+          <a:blip r:embed="rId2"/>
+          <a:stretch>
+            <a:fillRect/>
+          </a:stretch>
+        </p:blipFill>
+        <p:spPr>
+          <a:xfrm>
+            <a:off x="-1417320" y="-4572000"/>
+            <a:ext cx="11612880" cy="11612880"/>
+          </a:xfrm>
+          <a:prstGeom prst="rect">
+            <a:avLst/>
+          </a:prstGeom>
+        </p:spPr>
+      </p:pic>
+    </p:spTree>
+  </p:cSld>
+  <p:clrMapOvr>
+    <a:masterClrMapping/>
+  </p:clrMapOvr>
+</p:sld>
+</file>
+
+<file path=ppt/slides/slide75.xml><?xml version="1.0" encoding="utf-8"?>
+<p:sld xmlns:a="http://schemas.openxmlformats.org/drawingml/2006/main" xmlns:p="http://schemas.openxmlformats.org/presentationml/2006/main" xmlns:r="http://schemas.openxmlformats.org/officeDocument/2006/relationships">
+  <p:cSld>
+    <p:spTree>
+      <p:nvGrpSpPr>
+        <p:cNvPr id="1" name=""/>
+        <p:cNvGrpSpPr/>
+        <p:nvPr/>
+      </p:nvGrpSpPr>
+      <p:grpSpPr/>
+      <p:pic>
+        <p:nvPicPr>
+          <p:cNvPr id="2" name="Picture 1" descr="Layers.png"/>
+          <p:cNvPicPr>
+            <a:picLocks noChangeAspect="1"/>
+          </p:cNvPicPr>
+          <p:nvPr/>
+        </p:nvPicPr>
+        <p:blipFill>
+          <a:blip r:embed="rId2"/>
+          <a:stretch>
+            <a:fillRect/>
+          </a:stretch>
+        </p:blipFill>
+        <p:spPr>
+          <a:xfrm>
+            <a:off x="-1417320" y="-4572000"/>
+            <a:ext cx="11612880" cy="11612880"/>
+          </a:xfrm>
+          <a:prstGeom prst="rect">
+            <a:avLst/>
+          </a:prstGeom>
+        </p:spPr>
+      </p:pic>
+    </p:spTree>
+  </p:cSld>
+  <p:clrMapOvr>
+    <a:masterClrMapping/>
+  </p:clrMapOvr>
+</p:sld>
+</file>
+
+<file path=ppt/slides/slide76.xml><?xml version="1.0" encoding="utf-8"?>
+<p:sld xmlns:a="http://schemas.openxmlformats.org/drawingml/2006/main" xmlns:p="http://schemas.openxmlformats.org/presentationml/2006/main" xmlns:r="http://schemas.openxmlformats.org/officeDocument/2006/relationships">
+  <p:cSld>
+    <p:spTree>
+      <p:nvGrpSpPr>
+        <p:cNvPr id="1" name=""/>
+        <p:cNvGrpSpPr/>
+        <p:nvPr/>
+      </p:nvGrpSpPr>
+      <p:grpSpPr/>
+      <p:pic>
+        <p:nvPicPr>
+          <p:cNvPr id="2" name="Picture 1" descr="Layers.png"/>
+          <p:cNvPicPr>
+            <a:picLocks noChangeAspect="1"/>
+          </p:cNvPicPr>
+          <p:nvPr/>
+        </p:nvPicPr>
+        <p:blipFill>
+          <a:blip r:embed="rId2"/>
+          <a:stretch>
+            <a:fillRect/>
+          </a:stretch>
+        </p:blipFill>
+        <p:spPr>
+          <a:xfrm>
+            <a:off x="-1417320" y="-4572000"/>
+            <a:ext cx="11612880" cy="11612880"/>
+          </a:xfrm>
+          <a:prstGeom prst="rect">
+            <a:avLst/>
+          </a:prstGeom>
+        </p:spPr>
+      </p:pic>
+    </p:spTree>
+  </p:cSld>
+  <p:clrMapOvr>
+    <a:masterClrMapping/>
+  </p:clrMapOvr>
+</p:sld>
+</file>
+
+<file path=ppt/slides/slide77.xml><?xml version="1.0" encoding="utf-8"?>
+<p:sld xmlns:a="http://schemas.openxmlformats.org/drawingml/2006/main" xmlns:p="http://schemas.openxmlformats.org/presentationml/2006/main" xmlns:r="http://schemas.openxmlformats.org/officeDocument/2006/relationships">
+  <p:cSld>
+    <p:spTree>
+      <p:nvGrpSpPr>
+        <p:cNvPr id="1" name=""/>
+        <p:cNvGrpSpPr/>
+        <p:nvPr/>
+      </p:nvGrpSpPr>
+      <p:grpSpPr/>
+      <p:pic>
+        <p:nvPicPr>
+          <p:cNvPr id="2" name="Picture 1" descr="Layers.png"/>
+          <p:cNvPicPr>
+            <a:picLocks noChangeAspect="1"/>
+          </p:cNvPicPr>
+          <p:nvPr/>
+        </p:nvPicPr>
+        <p:blipFill>
+          <a:blip r:embed="rId2"/>
+          <a:stretch>
+            <a:fillRect/>
+          </a:stretch>
+        </p:blipFill>
+        <p:spPr>
+          <a:xfrm>
+            <a:off x="-1417320" y="-4572000"/>
+            <a:ext cx="11612880" cy="11612880"/>
+          </a:xfrm>
+          <a:prstGeom prst="rect">
+            <a:avLst/>
+          </a:prstGeom>
+        </p:spPr>
+      </p:pic>
+    </p:spTree>
+  </p:cSld>
+  <p:clrMapOvr>
+    <a:masterClrMapping/>
+  </p:clrMapOvr>
+</p:sld>
+</file>
+
+<file path=ppt/slides/slide78.xml><?xml version="1.0" encoding="utf-8"?>
+<p:sld xmlns:a="http://schemas.openxmlformats.org/drawingml/2006/main" xmlns:p="http://schemas.openxmlformats.org/presentationml/2006/main" xmlns:r="http://schemas.openxmlformats.org/officeDocument/2006/relationships">
+  <p:cSld>
+    <p:spTree>
+      <p:nvGrpSpPr>
+        <p:cNvPr id="1" name=""/>
+        <p:cNvGrpSpPr/>
+        <p:nvPr/>
+      </p:nvGrpSpPr>
+      <p:grpSpPr/>
+      <p:pic>
+        <p:nvPicPr>
+          <p:cNvPr id="2" name="Picture 1" descr="Layers.png"/>
+          <p:cNvPicPr>
+            <a:picLocks noChangeAspect="1"/>
+          </p:cNvPicPr>
+          <p:nvPr/>
+        </p:nvPicPr>
+        <p:blipFill>
+          <a:blip r:embed="rId2"/>
+          <a:stretch>
+            <a:fillRect/>
+          </a:stretch>
+        </p:blipFill>
+        <p:spPr>
+          <a:xfrm>
+            <a:off x="-1417320" y="-4572000"/>
+            <a:ext cx="11612880" cy="11612880"/>
+          </a:xfrm>
+          <a:prstGeom prst="rect">
+            <a:avLst/>
+          </a:prstGeom>
+        </p:spPr>
+      </p:pic>
+    </p:spTree>
+  </p:cSld>
+  <p:clrMapOvr>
+    <a:masterClrMapping/>
+  </p:clrMapOvr>
+</p:sld>
+</file>
+
+<file path=ppt/slides/slide79.xml><?xml version="1.0" encoding="utf-8"?>
+<p:sld xmlns:a="http://schemas.openxmlformats.org/drawingml/2006/main" xmlns:p="http://schemas.openxmlformats.org/presentationml/2006/main" xmlns:r="http://schemas.openxmlformats.org/officeDocument/2006/relationships">
+  <p:cSld>
+    <p:spTree>
+      <p:nvGrpSpPr>
+        <p:cNvPr id="1" name=""/>
+        <p:cNvGrpSpPr/>
+        <p:nvPr/>
+      </p:nvGrpSpPr>
+      <p:grpSpPr/>
+      <p:pic>
+        <p:nvPicPr>
+          <p:cNvPr id="2" name="Picture 1" descr="Layers.png"/>
+          <p:cNvPicPr>
+            <a:picLocks noChangeAspect="1"/>
+          </p:cNvPicPr>
+          <p:nvPr/>
+        </p:nvPicPr>
+        <p:blipFill>
+          <a:blip r:embed="rId2"/>
+          <a:stretch>
+            <a:fillRect/>
+          </a:stretch>
+        </p:blipFill>
+        <p:spPr>
+          <a:xfrm>
+            <a:off x="-1417320" y="-4572000"/>
+            <a:ext cx="11612880" cy="11612880"/>
+          </a:xfrm>
+          <a:prstGeom prst="rect">
+            <a:avLst/>
+          </a:prstGeom>
+        </p:spPr>
+      </p:pic>
+    </p:spTree>
+  </p:cSld>
+  <p:clrMapOvr>
+    <a:masterClrMapping/>
+  </p:clrMapOvr>
+</p:sld>
+</file>
+
 <file path=ppt/slides/slide8.xml><?xml version="1.0" encoding="utf-8"?>
 <p:sld xmlns:a="http://schemas.openxmlformats.org/drawingml/2006/main" xmlns:p="http://schemas.openxmlformats.org/presentationml/2006/main" xmlns:r="http://schemas.openxmlformats.org/officeDocument/2006/relationships">
   <p:cSld>
@@ -3637,7 +10451,847 @@
 </p:sld>
 </file>
 
+<file path=ppt/slides/slide80.xml><?xml version="1.0" encoding="utf-8"?>
+<p:sld xmlns:a="http://schemas.openxmlformats.org/drawingml/2006/main" xmlns:p="http://schemas.openxmlformats.org/presentationml/2006/main" xmlns:r="http://schemas.openxmlformats.org/officeDocument/2006/relationships">
+  <p:cSld>
+    <p:spTree>
+      <p:nvGrpSpPr>
+        <p:cNvPr id="1" name=""/>
+        <p:cNvGrpSpPr/>
+        <p:nvPr/>
+      </p:nvGrpSpPr>
+      <p:grpSpPr/>
+      <p:pic>
+        <p:nvPicPr>
+          <p:cNvPr id="2" name="Picture 1" descr="Layers.png"/>
+          <p:cNvPicPr>
+            <a:picLocks noChangeAspect="1"/>
+          </p:cNvPicPr>
+          <p:nvPr/>
+        </p:nvPicPr>
+        <p:blipFill>
+          <a:blip r:embed="rId2"/>
+          <a:stretch>
+            <a:fillRect/>
+          </a:stretch>
+        </p:blipFill>
+        <p:spPr>
+          <a:xfrm>
+            <a:off x="-1417320" y="-4572000"/>
+            <a:ext cx="11612880" cy="11612880"/>
+          </a:xfrm>
+          <a:prstGeom prst="rect">
+            <a:avLst/>
+          </a:prstGeom>
+        </p:spPr>
+      </p:pic>
+    </p:spTree>
+  </p:cSld>
+  <p:clrMapOvr>
+    <a:masterClrMapping/>
+  </p:clrMapOvr>
+</p:sld>
+</file>
+
+<file path=ppt/slides/slide81.xml><?xml version="1.0" encoding="utf-8"?>
+<p:sld xmlns:a="http://schemas.openxmlformats.org/drawingml/2006/main" xmlns:p="http://schemas.openxmlformats.org/presentationml/2006/main" xmlns:r="http://schemas.openxmlformats.org/officeDocument/2006/relationships">
+  <p:cSld>
+    <p:spTree>
+      <p:nvGrpSpPr>
+        <p:cNvPr id="1" name=""/>
+        <p:cNvGrpSpPr/>
+        <p:nvPr/>
+      </p:nvGrpSpPr>
+      <p:grpSpPr/>
+      <p:pic>
+        <p:nvPicPr>
+          <p:cNvPr id="2" name="Picture 1" descr="Layers.png"/>
+          <p:cNvPicPr>
+            <a:picLocks noChangeAspect="1"/>
+          </p:cNvPicPr>
+          <p:nvPr/>
+        </p:nvPicPr>
+        <p:blipFill>
+          <a:blip r:embed="rId2"/>
+          <a:stretch>
+            <a:fillRect/>
+          </a:stretch>
+        </p:blipFill>
+        <p:spPr>
+          <a:xfrm>
+            <a:off x="-1417320" y="-4572000"/>
+            <a:ext cx="11612880" cy="11612880"/>
+          </a:xfrm>
+          <a:prstGeom prst="rect">
+            <a:avLst/>
+          </a:prstGeom>
+        </p:spPr>
+      </p:pic>
+    </p:spTree>
+  </p:cSld>
+  <p:clrMapOvr>
+    <a:masterClrMapping/>
+  </p:clrMapOvr>
+</p:sld>
+</file>
+
+<file path=ppt/slides/slide82.xml><?xml version="1.0" encoding="utf-8"?>
+<p:sld xmlns:a="http://schemas.openxmlformats.org/drawingml/2006/main" xmlns:p="http://schemas.openxmlformats.org/presentationml/2006/main" xmlns:r="http://schemas.openxmlformats.org/officeDocument/2006/relationships">
+  <p:cSld>
+    <p:spTree>
+      <p:nvGrpSpPr>
+        <p:cNvPr id="1" name=""/>
+        <p:cNvGrpSpPr/>
+        <p:nvPr/>
+      </p:nvGrpSpPr>
+      <p:grpSpPr/>
+      <p:pic>
+        <p:nvPicPr>
+          <p:cNvPr id="2" name="Picture 1" descr="Layers.png"/>
+          <p:cNvPicPr>
+            <a:picLocks noChangeAspect="1"/>
+          </p:cNvPicPr>
+          <p:nvPr/>
+        </p:nvPicPr>
+        <p:blipFill>
+          <a:blip r:embed="rId2"/>
+          <a:stretch>
+            <a:fillRect/>
+          </a:stretch>
+        </p:blipFill>
+        <p:spPr>
+          <a:xfrm>
+            <a:off x="-1417320" y="-4572000"/>
+            <a:ext cx="11612880" cy="11612880"/>
+          </a:xfrm>
+          <a:prstGeom prst="rect">
+            <a:avLst/>
+          </a:prstGeom>
+        </p:spPr>
+      </p:pic>
+    </p:spTree>
+  </p:cSld>
+  <p:clrMapOvr>
+    <a:masterClrMapping/>
+  </p:clrMapOvr>
+</p:sld>
+</file>
+
+<file path=ppt/slides/slide83.xml><?xml version="1.0" encoding="utf-8"?>
+<p:sld xmlns:a="http://schemas.openxmlformats.org/drawingml/2006/main" xmlns:p="http://schemas.openxmlformats.org/presentationml/2006/main" xmlns:r="http://schemas.openxmlformats.org/officeDocument/2006/relationships">
+  <p:cSld>
+    <p:spTree>
+      <p:nvGrpSpPr>
+        <p:cNvPr id="1" name=""/>
+        <p:cNvGrpSpPr/>
+        <p:nvPr/>
+      </p:nvGrpSpPr>
+      <p:grpSpPr/>
+      <p:pic>
+        <p:nvPicPr>
+          <p:cNvPr id="2" name="Picture 1" descr="Layers.png"/>
+          <p:cNvPicPr>
+            <a:picLocks noChangeAspect="1"/>
+          </p:cNvPicPr>
+          <p:nvPr/>
+        </p:nvPicPr>
+        <p:blipFill>
+          <a:blip r:embed="rId2"/>
+          <a:stretch>
+            <a:fillRect/>
+          </a:stretch>
+        </p:blipFill>
+        <p:spPr>
+          <a:xfrm>
+            <a:off x="-1417320" y="-4572000"/>
+            <a:ext cx="11612880" cy="11612880"/>
+          </a:xfrm>
+          <a:prstGeom prst="rect">
+            <a:avLst/>
+          </a:prstGeom>
+        </p:spPr>
+      </p:pic>
+    </p:spTree>
+  </p:cSld>
+  <p:clrMapOvr>
+    <a:masterClrMapping/>
+  </p:clrMapOvr>
+</p:sld>
+</file>
+
+<file path=ppt/slides/slide84.xml><?xml version="1.0" encoding="utf-8"?>
+<p:sld xmlns:a="http://schemas.openxmlformats.org/drawingml/2006/main" xmlns:p="http://schemas.openxmlformats.org/presentationml/2006/main" xmlns:r="http://schemas.openxmlformats.org/officeDocument/2006/relationships">
+  <p:cSld>
+    <p:spTree>
+      <p:nvGrpSpPr>
+        <p:cNvPr id="1" name=""/>
+        <p:cNvGrpSpPr/>
+        <p:nvPr/>
+      </p:nvGrpSpPr>
+      <p:grpSpPr/>
+      <p:pic>
+        <p:nvPicPr>
+          <p:cNvPr id="2" name="Picture 1" descr="Layers.png"/>
+          <p:cNvPicPr>
+            <a:picLocks noChangeAspect="1"/>
+          </p:cNvPicPr>
+          <p:nvPr/>
+        </p:nvPicPr>
+        <p:blipFill>
+          <a:blip r:embed="rId2"/>
+          <a:stretch>
+            <a:fillRect/>
+          </a:stretch>
+        </p:blipFill>
+        <p:spPr>
+          <a:xfrm>
+            <a:off x="-1417320" y="-4572000"/>
+            <a:ext cx="11612880" cy="11612880"/>
+          </a:xfrm>
+          <a:prstGeom prst="rect">
+            <a:avLst/>
+          </a:prstGeom>
+        </p:spPr>
+      </p:pic>
+    </p:spTree>
+  </p:cSld>
+  <p:clrMapOvr>
+    <a:masterClrMapping/>
+  </p:clrMapOvr>
+</p:sld>
+</file>
+
+<file path=ppt/slides/slide85.xml><?xml version="1.0" encoding="utf-8"?>
+<p:sld xmlns:a="http://schemas.openxmlformats.org/drawingml/2006/main" xmlns:p="http://schemas.openxmlformats.org/presentationml/2006/main" xmlns:r="http://schemas.openxmlformats.org/officeDocument/2006/relationships">
+  <p:cSld>
+    <p:spTree>
+      <p:nvGrpSpPr>
+        <p:cNvPr id="1" name=""/>
+        <p:cNvGrpSpPr/>
+        <p:nvPr/>
+      </p:nvGrpSpPr>
+      <p:grpSpPr/>
+      <p:pic>
+        <p:nvPicPr>
+          <p:cNvPr id="2" name="Picture 1" descr="Layers.png"/>
+          <p:cNvPicPr>
+            <a:picLocks noChangeAspect="1"/>
+          </p:cNvPicPr>
+          <p:nvPr/>
+        </p:nvPicPr>
+        <p:blipFill>
+          <a:blip r:embed="rId2"/>
+          <a:stretch>
+            <a:fillRect/>
+          </a:stretch>
+        </p:blipFill>
+        <p:spPr>
+          <a:xfrm>
+            <a:off x="-1417320" y="-4572000"/>
+            <a:ext cx="11612880" cy="11612880"/>
+          </a:xfrm>
+          <a:prstGeom prst="rect">
+            <a:avLst/>
+          </a:prstGeom>
+        </p:spPr>
+      </p:pic>
+    </p:spTree>
+  </p:cSld>
+  <p:clrMapOvr>
+    <a:masterClrMapping/>
+  </p:clrMapOvr>
+</p:sld>
+</file>
+
+<file path=ppt/slides/slide86.xml><?xml version="1.0" encoding="utf-8"?>
+<p:sld xmlns:a="http://schemas.openxmlformats.org/drawingml/2006/main" xmlns:p="http://schemas.openxmlformats.org/presentationml/2006/main" xmlns:r="http://schemas.openxmlformats.org/officeDocument/2006/relationships">
+  <p:cSld>
+    <p:spTree>
+      <p:nvGrpSpPr>
+        <p:cNvPr id="1" name=""/>
+        <p:cNvGrpSpPr/>
+        <p:nvPr/>
+      </p:nvGrpSpPr>
+      <p:grpSpPr/>
+      <p:pic>
+        <p:nvPicPr>
+          <p:cNvPr id="2" name="Picture 1" descr="Layers.png"/>
+          <p:cNvPicPr>
+            <a:picLocks noChangeAspect="1"/>
+          </p:cNvPicPr>
+          <p:nvPr/>
+        </p:nvPicPr>
+        <p:blipFill>
+          <a:blip r:embed="rId2"/>
+          <a:stretch>
+            <a:fillRect/>
+          </a:stretch>
+        </p:blipFill>
+        <p:spPr>
+          <a:xfrm>
+            <a:off x="-1417320" y="-4572000"/>
+            <a:ext cx="11612880" cy="11612880"/>
+          </a:xfrm>
+          <a:prstGeom prst="rect">
+            <a:avLst/>
+          </a:prstGeom>
+        </p:spPr>
+      </p:pic>
+    </p:spTree>
+  </p:cSld>
+  <p:clrMapOvr>
+    <a:masterClrMapping/>
+  </p:clrMapOvr>
+</p:sld>
+</file>
+
+<file path=ppt/slides/slide87.xml><?xml version="1.0" encoding="utf-8"?>
+<p:sld xmlns:a="http://schemas.openxmlformats.org/drawingml/2006/main" xmlns:p="http://schemas.openxmlformats.org/presentationml/2006/main" xmlns:r="http://schemas.openxmlformats.org/officeDocument/2006/relationships">
+  <p:cSld>
+    <p:spTree>
+      <p:nvGrpSpPr>
+        <p:cNvPr id="1" name=""/>
+        <p:cNvGrpSpPr/>
+        <p:nvPr/>
+      </p:nvGrpSpPr>
+      <p:grpSpPr/>
+      <p:pic>
+        <p:nvPicPr>
+          <p:cNvPr id="2" name="Picture 1" descr="Layers.png"/>
+          <p:cNvPicPr>
+            <a:picLocks noChangeAspect="1"/>
+          </p:cNvPicPr>
+          <p:nvPr/>
+        </p:nvPicPr>
+        <p:blipFill>
+          <a:blip r:embed="rId2"/>
+          <a:stretch>
+            <a:fillRect/>
+          </a:stretch>
+        </p:blipFill>
+        <p:spPr>
+          <a:xfrm>
+            <a:off x="-1417320" y="-4572000"/>
+            <a:ext cx="11612880" cy="11612880"/>
+          </a:xfrm>
+          <a:prstGeom prst="rect">
+            <a:avLst/>
+          </a:prstGeom>
+        </p:spPr>
+      </p:pic>
+    </p:spTree>
+  </p:cSld>
+  <p:clrMapOvr>
+    <a:masterClrMapping/>
+  </p:clrMapOvr>
+</p:sld>
+</file>
+
+<file path=ppt/slides/slide88.xml><?xml version="1.0" encoding="utf-8"?>
+<p:sld xmlns:a="http://schemas.openxmlformats.org/drawingml/2006/main" xmlns:p="http://schemas.openxmlformats.org/presentationml/2006/main" xmlns:r="http://schemas.openxmlformats.org/officeDocument/2006/relationships">
+  <p:cSld>
+    <p:spTree>
+      <p:nvGrpSpPr>
+        <p:cNvPr id="1" name=""/>
+        <p:cNvGrpSpPr/>
+        <p:nvPr/>
+      </p:nvGrpSpPr>
+      <p:grpSpPr/>
+      <p:pic>
+        <p:nvPicPr>
+          <p:cNvPr id="2" name="Picture 1" descr="Layers.png"/>
+          <p:cNvPicPr>
+            <a:picLocks noChangeAspect="1"/>
+          </p:cNvPicPr>
+          <p:nvPr/>
+        </p:nvPicPr>
+        <p:blipFill>
+          <a:blip r:embed="rId2"/>
+          <a:stretch>
+            <a:fillRect/>
+          </a:stretch>
+        </p:blipFill>
+        <p:spPr>
+          <a:xfrm>
+            <a:off x="-1417320" y="-4572000"/>
+            <a:ext cx="11612880" cy="11612880"/>
+          </a:xfrm>
+          <a:prstGeom prst="rect">
+            <a:avLst/>
+          </a:prstGeom>
+        </p:spPr>
+      </p:pic>
+    </p:spTree>
+  </p:cSld>
+  <p:clrMapOvr>
+    <a:masterClrMapping/>
+  </p:clrMapOvr>
+</p:sld>
+</file>
+
+<file path=ppt/slides/slide89.xml><?xml version="1.0" encoding="utf-8"?>
+<p:sld xmlns:a="http://schemas.openxmlformats.org/drawingml/2006/main" xmlns:p="http://schemas.openxmlformats.org/presentationml/2006/main" xmlns:r="http://schemas.openxmlformats.org/officeDocument/2006/relationships">
+  <p:cSld>
+    <p:spTree>
+      <p:nvGrpSpPr>
+        <p:cNvPr id="1" name=""/>
+        <p:cNvGrpSpPr/>
+        <p:nvPr/>
+      </p:nvGrpSpPr>
+      <p:grpSpPr/>
+      <p:pic>
+        <p:nvPicPr>
+          <p:cNvPr id="2" name="Picture 1" descr="Layers.png"/>
+          <p:cNvPicPr>
+            <a:picLocks noChangeAspect="1"/>
+          </p:cNvPicPr>
+          <p:nvPr/>
+        </p:nvPicPr>
+        <p:blipFill>
+          <a:blip r:embed="rId2"/>
+          <a:stretch>
+            <a:fillRect/>
+          </a:stretch>
+        </p:blipFill>
+        <p:spPr>
+          <a:xfrm>
+            <a:off x="-1417320" y="-4572000"/>
+            <a:ext cx="11612880" cy="11612880"/>
+          </a:xfrm>
+          <a:prstGeom prst="rect">
+            <a:avLst/>
+          </a:prstGeom>
+        </p:spPr>
+      </p:pic>
+    </p:spTree>
+  </p:cSld>
+  <p:clrMapOvr>
+    <a:masterClrMapping/>
+  </p:clrMapOvr>
+</p:sld>
+</file>
+
 <file path=ppt/slides/slide9.xml><?xml version="1.0" encoding="utf-8"?>
+<p:sld xmlns:a="http://schemas.openxmlformats.org/drawingml/2006/main" xmlns:p="http://schemas.openxmlformats.org/presentationml/2006/main" xmlns:r="http://schemas.openxmlformats.org/officeDocument/2006/relationships">
+  <p:cSld>
+    <p:spTree>
+      <p:nvGrpSpPr>
+        <p:cNvPr id="1" name=""/>
+        <p:cNvGrpSpPr/>
+        <p:nvPr/>
+      </p:nvGrpSpPr>
+      <p:grpSpPr/>
+      <p:pic>
+        <p:nvPicPr>
+          <p:cNvPr id="2" name="Picture 1" descr="Layers.png"/>
+          <p:cNvPicPr>
+            <a:picLocks noChangeAspect="1"/>
+          </p:cNvPicPr>
+          <p:nvPr/>
+        </p:nvPicPr>
+        <p:blipFill>
+          <a:blip r:embed="rId2"/>
+          <a:stretch>
+            <a:fillRect/>
+          </a:stretch>
+        </p:blipFill>
+        <p:spPr>
+          <a:xfrm>
+            <a:off x="-1417320" y="-4572000"/>
+            <a:ext cx="11612880" cy="11612880"/>
+          </a:xfrm>
+          <a:prstGeom prst="rect">
+            <a:avLst/>
+          </a:prstGeom>
+        </p:spPr>
+      </p:pic>
+    </p:spTree>
+  </p:cSld>
+  <p:clrMapOvr>
+    <a:masterClrMapping/>
+  </p:clrMapOvr>
+</p:sld>
+</file>
+
+<file path=ppt/slides/slide90.xml><?xml version="1.0" encoding="utf-8"?>
+<p:sld xmlns:a="http://schemas.openxmlformats.org/drawingml/2006/main" xmlns:p="http://schemas.openxmlformats.org/presentationml/2006/main" xmlns:r="http://schemas.openxmlformats.org/officeDocument/2006/relationships">
+  <p:cSld>
+    <p:spTree>
+      <p:nvGrpSpPr>
+        <p:cNvPr id="1" name=""/>
+        <p:cNvGrpSpPr/>
+        <p:nvPr/>
+      </p:nvGrpSpPr>
+      <p:grpSpPr/>
+      <p:pic>
+        <p:nvPicPr>
+          <p:cNvPr id="2" name="Picture 1" descr="Layers.png"/>
+          <p:cNvPicPr>
+            <a:picLocks noChangeAspect="1"/>
+          </p:cNvPicPr>
+          <p:nvPr/>
+        </p:nvPicPr>
+        <p:blipFill>
+          <a:blip r:embed="rId2"/>
+          <a:stretch>
+            <a:fillRect/>
+          </a:stretch>
+        </p:blipFill>
+        <p:spPr>
+          <a:xfrm>
+            <a:off x="-1417320" y="-4572000"/>
+            <a:ext cx="11612880" cy="11612880"/>
+          </a:xfrm>
+          <a:prstGeom prst="rect">
+            <a:avLst/>
+          </a:prstGeom>
+        </p:spPr>
+      </p:pic>
+    </p:spTree>
+  </p:cSld>
+  <p:clrMapOvr>
+    <a:masterClrMapping/>
+  </p:clrMapOvr>
+</p:sld>
+</file>
+
+<file path=ppt/slides/slide91.xml><?xml version="1.0" encoding="utf-8"?>
+<p:sld xmlns:a="http://schemas.openxmlformats.org/drawingml/2006/main" xmlns:p="http://schemas.openxmlformats.org/presentationml/2006/main" xmlns:r="http://schemas.openxmlformats.org/officeDocument/2006/relationships">
+  <p:cSld>
+    <p:spTree>
+      <p:nvGrpSpPr>
+        <p:cNvPr id="1" name=""/>
+        <p:cNvGrpSpPr/>
+        <p:nvPr/>
+      </p:nvGrpSpPr>
+      <p:grpSpPr/>
+      <p:pic>
+        <p:nvPicPr>
+          <p:cNvPr id="2" name="Picture 1" descr="Layers.png"/>
+          <p:cNvPicPr>
+            <a:picLocks noChangeAspect="1"/>
+          </p:cNvPicPr>
+          <p:nvPr/>
+        </p:nvPicPr>
+        <p:blipFill>
+          <a:blip r:embed="rId2"/>
+          <a:stretch>
+            <a:fillRect/>
+          </a:stretch>
+        </p:blipFill>
+        <p:spPr>
+          <a:xfrm>
+            <a:off x="-1417320" y="-4572000"/>
+            <a:ext cx="11612880" cy="11612880"/>
+          </a:xfrm>
+          <a:prstGeom prst="rect">
+            <a:avLst/>
+          </a:prstGeom>
+        </p:spPr>
+      </p:pic>
+    </p:spTree>
+  </p:cSld>
+  <p:clrMapOvr>
+    <a:masterClrMapping/>
+  </p:clrMapOvr>
+</p:sld>
+</file>
+
+<file path=ppt/slides/slide92.xml><?xml version="1.0" encoding="utf-8"?>
+<p:sld xmlns:a="http://schemas.openxmlformats.org/drawingml/2006/main" xmlns:p="http://schemas.openxmlformats.org/presentationml/2006/main" xmlns:r="http://schemas.openxmlformats.org/officeDocument/2006/relationships">
+  <p:cSld>
+    <p:spTree>
+      <p:nvGrpSpPr>
+        <p:cNvPr id="1" name=""/>
+        <p:cNvGrpSpPr/>
+        <p:nvPr/>
+      </p:nvGrpSpPr>
+      <p:grpSpPr/>
+      <p:pic>
+        <p:nvPicPr>
+          <p:cNvPr id="2" name="Picture 1" descr="Layers.png"/>
+          <p:cNvPicPr>
+            <a:picLocks noChangeAspect="1"/>
+          </p:cNvPicPr>
+          <p:nvPr/>
+        </p:nvPicPr>
+        <p:blipFill>
+          <a:blip r:embed="rId2"/>
+          <a:stretch>
+            <a:fillRect/>
+          </a:stretch>
+        </p:blipFill>
+        <p:spPr>
+          <a:xfrm>
+            <a:off x="-1417320" y="-4572000"/>
+            <a:ext cx="11612880" cy="11612880"/>
+          </a:xfrm>
+          <a:prstGeom prst="rect">
+            <a:avLst/>
+          </a:prstGeom>
+        </p:spPr>
+      </p:pic>
+    </p:spTree>
+  </p:cSld>
+  <p:clrMapOvr>
+    <a:masterClrMapping/>
+  </p:clrMapOvr>
+</p:sld>
+</file>
+
+<file path=ppt/slides/slide93.xml><?xml version="1.0" encoding="utf-8"?>
+<p:sld xmlns:a="http://schemas.openxmlformats.org/drawingml/2006/main" xmlns:p="http://schemas.openxmlformats.org/presentationml/2006/main" xmlns:r="http://schemas.openxmlformats.org/officeDocument/2006/relationships">
+  <p:cSld>
+    <p:spTree>
+      <p:nvGrpSpPr>
+        <p:cNvPr id="1" name=""/>
+        <p:cNvGrpSpPr/>
+        <p:nvPr/>
+      </p:nvGrpSpPr>
+      <p:grpSpPr/>
+      <p:pic>
+        <p:nvPicPr>
+          <p:cNvPr id="2" name="Picture 1" descr="Layers.png"/>
+          <p:cNvPicPr>
+            <a:picLocks noChangeAspect="1"/>
+          </p:cNvPicPr>
+          <p:nvPr/>
+        </p:nvPicPr>
+        <p:blipFill>
+          <a:blip r:embed="rId2"/>
+          <a:stretch>
+            <a:fillRect/>
+          </a:stretch>
+        </p:blipFill>
+        <p:spPr>
+          <a:xfrm>
+            <a:off x="-1417320" y="-4572000"/>
+            <a:ext cx="11612880" cy="11612880"/>
+          </a:xfrm>
+          <a:prstGeom prst="rect">
+            <a:avLst/>
+          </a:prstGeom>
+        </p:spPr>
+      </p:pic>
+    </p:spTree>
+  </p:cSld>
+  <p:clrMapOvr>
+    <a:masterClrMapping/>
+  </p:clrMapOvr>
+</p:sld>
+</file>
+
+<file path=ppt/slides/slide94.xml><?xml version="1.0" encoding="utf-8"?>
+<p:sld xmlns:a="http://schemas.openxmlformats.org/drawingml/2006/main" xmlns:p="http://schemas.openxmlformats.org/presentationml/2006/main" xmlns:r="http://schemas.openxmlformats.org/officeDocument/2006/relationships">
+  <p:cSld>
+    <p:spTree>
+      <p:nvGrpSpPr>
+        <p:cNvPr id="1" name=""/>
+        <p:cNvGrpSpPr/>
+        <p:nvPr/>
+      </p:nvGrpSpPr>
+      <p:grpSpPr/>
+      <p:pic>
+        <p:nvPicPr>
+          <p:cNvPr id="2" name="Picture 1" descr="Layers.png"/>
+          <p:cNvPicPr>
+            <a:picLocks noChangeAspect="1"/>
+          </p:cNvPicPr>
+          <p:nvPr/>
+        </p:nvPicPr>
+        <p:blipFill>
+          <a:blip r:embed="rId2"/>
+          <a:stretch>
+            <a:fillRect/>
+          </a:stretch>
+        </p:blipFill>
+        <p:spPr>
+          <a:xfrm>
+            <a:off x="-1417320" y="-4572000"/>
+            <a:ext cx="11612880" cy="11612880"/>
+          </a:xfrm>
+          <a:prstGeom prst="rect">
+            <a:avLst/>
+          </a:prstGeom>
+        </p:spPr>
+      </p:pic>
+    </p:spTree>
+  </p:cSld>
+  <p:clrMapOvr>
+    <a:masterClrMapping/>
+  </p:clrMapOvr>
+</p:sld>
+</file>
+
+<file path=ppt/slides/slide95.xml><?xml version="1.0" encoding="utf-8"?>
+<p:sld xmlns:a="http://schemas.openxmlformats.org/drawingml/2006/main" xmlns:p="http://schemas.openxmlformats.org/presentationml/2006/main" xmlns:r="http://schemas.openxmlformats.org/officeDocument/2006/relationships">
+  <p:cSld>
+    <p:spTree>
+      <p:nvGrpSpPr>
+        <p:cNvPr id="1" name=""/>
+        <p:cNvGrpSpPr/>
+        <p:nvPr/>
+      </p:nvGrpSpPr>
+      <p:grpSpPr/>
+      <p:pic>
+        <p:nvPicPr>
+          <p:cNvPr id="2" name="Picture 1" descr="Layers.png"/>
+          <p:cNvPicPr>
+            <a:picLocks noChangeAspect="1"/>
+          </p:cNvPicPr>
+          <p:nvPr/>
+        </p:nvPicPr>
+        <p:blipFill>
+          <a:blip r:embed="rId2"/>
+          <a:stretch>
+            <a:fillRect/>
+          </a:stretch>
+        </p:blipFill>
+        <p:spPr>
+          <a:xfrm>
+            <a:off x="-1417320" y="-4572000"/>
+            <a:ext cx="11612880" cy="11612880"/>
+          </a:xfrm>
+          <a:prstGeom prst="rect">
+            <a:avLst/>
+          </a:prstGeom>
+        </p:spPr>
+      </p:pic>
+    </p:spTree>
+  </p:cSld>
+  <p:clrMapOvr>
+    <a:masterClrMapping/>
+  </p:clrMapOvr>
+</p:sld>
+</file>
+
+<file path=ppt/slides/slide96.xml><?xml version="1.0" encoding="utf-8"?>
+<p:sld xmlns:a="http://schemas.openxmlformats.org/drawingml/2006/main" xmlns:p="http://schemas.openxmlformats.org/presentationml/2006/main" xmlns:r="http://schemas.openxmlformats.org/officeDocument/2006/relationships">
+  <p:cSld>
+    <p:spTree>
+      <p:nvGrpSpPr>
+        <p:cNvPr id="1" name=""/>
+        <p:cNvGrpSpPr/>
+        <p:nvPr/>
+      </p:nvGrpSpPr>
+      <p:grpSpPr/>
+      <p:pic>
+        <p:nvPicPr>
+          <p:cNvPr id="2" name="Picture 1" descr="Layers.png"/>
+          <p:cNvPicPr>
+            <a:picLocks noChangeAspect="1"/>
+          </p:cNvPicPr>
+          <p:nvPr/>
+        </p:nvPicPr>
+        <p:blipFill>
+          <a:blip r:embed="rId2"/>
+          <a:stretch>
+            <a:fillRect/>
+          </a:stretch>
+        </p:blipFill>
+        <p:spPr>
+          <a:xfrm>
+            <a:off x="-1417320" y="-4572000"/>
+            <a:ext cx="11612880" cy="11612880"/>
+          </a:xfrm>
+          <a:prstGeom prst="rect">
+            <a:avLst/>
+          </a:prstGeom>
+        </p:spPr>
+      </p:pic>
+    </p:spTree>
+  </p:cSld>
+  <p:clrMapOvr>
+    <a:masterClrMapping/>
+  </p:clrMapOvr>
+</p:sld>
+</file>
+
+<file path=ppt/slides/slide97.xml><?xml version="1.0" encoding="utf-8"?>
+<p:sld xmlns:a="http://schemas.openxmlformats.org/drawingml/2006/main" xmlns:p="http://schemas.openxmlformats.org/presentationml/2006/main" xmlns:r="http://schemas.openxmlformats.org/officeDocument/2006/relationships">
+  <p:cSld>
+    <p:spTree>
+      <p:nvGrpSpPr>
+        <p:cNvPr id="1" name=""/>
+        <p:cNvGrpSpPr/>
+        <p:nvPr/>
+      </p:nvGrpSpPr>
+      <p:grpSpPr/>
+      <p:pic>
+        <p:nvPicPr>
+          <p:cNvPr id="2" name="Picture 1" descr="Layers.png"/>
+          <p:cNvPicPr>
+            <a:picLocks noChangeAspect="1"/>
+          </p:cNvPicPr>
+          <p:nvPr/>
+        </p:nvPicPr>
+        <p:blipFill>
+          <a:blip r:embed="rId2"/>
+          <a:stretch>
+            <a:fillRect/>
+          </a:stretch>
+        </p:blipFill>
+        <p:spPr>
+          <a:xfrm>
+            <a:off x="-1417320" y="-4572000"/>
+            <a:ext cx="11612880" cy="11612880"/>
+          </a:xfrm>
+          <a:prstGeom prst="rect">
+            <a:avLst/>
+          </a:prstGeom>
+        </p:spPr>
+      </p:pic>
+    </p:spTree>
+  </p:cSld>
+  <p:clrMapOvr>
+    <a:masterClrMapping/>
+  </p:clrMapOvr>
+</p:sld>
+</file>
+
+<file path=ppt/slides/slide98.xml><?xml version="1.0" encoding="utf-8"?>
+<p:sld xmlns:a="http://schemas.openxmlformats.org/drawingml/2006/main" xmlns:p="http://schemas.openxmlformats.org/presentationml/2006/main" xmlns:r="http://schemas.openxmlformats.org/officeDocument/2006/relationships">
+  <p:cSld>
+    <p:spTree>
+      <p:nvGrpSpPr>
+        <p:cNvPr id="1" name=""/>
+        <p:cNvGrpSpPr/>
+        <p:nvPr/>
+      </p:nvGrpSpPr>
+      <p:grpSpPr/>
+      <p:pic>
+        <p:nvPicPr>
+          <p:cNvPr id="2" name="Picture 1" descr="Layers.png"/>
+          <p:cNvPicPr>
+            <a:picLocks noChangeAspect="1"/>
+          </p:cNvPicPr>
+          <p:nvPr/>
+        </p:nvPicPr>
+        <p:blipFill>
+          <a:blip r:embed="rId2"/>
+          <a:stretch>
+            <a:fillRect/>
+          </a:stretch>
+        </p:blipFill>
+        <p:spPr>
+          <a:xfrm>
+            <a:off x="-1417320" y="-4572000"/>
+            <a:ext cx="11612880" cy="11612880"/>
+          </a:xfrm>
+          <a:prstGeom prst="rect">
+            <a:avLst/>
+          </a:prstGeom>
+        </p:spPr>
+      </p:pic>
+    </p:spTree>
+  </p:cSld>
+  <p:clrMapOvr>
+    <a:masterClrMapping/>
+  </p:clrMapOvr>
+</p:sld>
+</file>
+
+<file path=ppt/slides/slide99.xml><?xml version="1.0" encoding="utf-8"?>
 <p:sld xmlns:a="http://schemas.openxmlformats.org/drawingml/2006/main" xmlns:p="http://schemas.openxmlformats.org/presentationml/2006/main" xmlns:r="http://schemas.openxmlformats.org/officeDocument/2006/relationships">
   <p:cSld>
     <p:spTree>
